--- a/TehShare/网络爬虫.pptx
+++ b/TehShare/网络爬虫.pptx
@@ -130,7 +130,7 @@
   </p:defaultTextStyle>
   <p:extLst>
     <p:ext uri="{EFAFB233-063F-42B5-8137-9DF3F51BA10A}">
-      <p15:sldGuideLst xmlns:p15="http://schemas.microsoft.com/office/powerpoint/2012/main">
+      <p15:sldGuideLst xmlns:p15="http://schemas.microsoft.com/office/powerpoint/2012/main" xmlns="">
         <p15:guide id="1" orient="horz" pos="1620">
           <p15:clr>
             <a:srgbClr val="A4A3A4"/>
@@ -144,7 +144,7 @@
       </p15:sldGuideLst>
     </p:ext>
     <p:ext uri="{2D200454-40CA-4A62-9FC3-DE9A4176ACB9}">
-      <p15:notesGuideLst xmlns:p15="http://schemas.microsoft.com/office/powerpoint/2012/main">
+      <p15:notesGuideLst xmlns:p15="http://schemas.microsoft.com/office/powerpoint/2012/main" xmlns="">
         <p15:guide id="1" orient="horz" pos="2880">
           <p15:clr>
             <a:srgbClr val="A4A3A4"/>
@@ -244,7 +244,7 @@
             <a:fld id="{39F62809-7E24-4DF6-ACEF-71C07091B163}" type="datetimeFigureOut">
               <a:rPr lang="zh-TW" altLang="en-US" smtClean="0"/>
               <a:pPr/>
-              <a:t>2017/3/24</a:t>
+              <a:t>2017/5/21</a:t>
             </a:fld>
             <a:endParaRPr lang="zh-TW" altLang="en-US"/>
           </a:p>
@@ -411,7 +411,7 @@
             <a:fld id="{CFF1931D-9D93-4B25-B37C-F0880A285629}" type="datetimeFigureOut">
               <a:rPr lang="zh-TW" altLang="en-US" smtClean="0"/>
               <a:pPr/>
-              <a:t>2017/3/24</a:t>
+              <a:t>2017/5/21</a:t>
             </a:fld>
             <a:endParaRPr lang="zh-TW" altLang="en-US"/>
           </a:p>
@@ -1169,7 +1169,7 @@
         </p:nvSpPr>
         <p:spPr>
           <a:xfrm>
-            <a:off x="611560" y="844082"/>
+            <a:off x="611560" y="844084"/>
             <a:ext cx="4248472" cy="2375741"/>
           </a:xfrm>
         </p:spPr>
@@ -2186,16 +2186,8 @@
           <a:lstStyle/>
           <a:p>
             <a:r>
-              <a:rPr lang="zh-CN" altLang="en-US" dirty="0"/>
-              <a:t>数据库</a:t>
-            </a:r>
-            <a:r>
               <a:rPr lang="zh-CN" altLang="en-US" dirty="0" smtClean="0"/>
-              <a:t>性能</a:t>
-            </a:r>
-            <a:r>
-              <a:rPr lang="zh-CN" altLang="en-US" dirty="0"/>
-              <a:t>优化</a:t>
+              <a:t>网络爬虫</a:t>
             </a:r>
             <a:endParaRPr lang="zh-TW" altLang="en-US" dirty="0"/>
           </a:p>
@@ -2218,6 +2210,14 @@
           </a:bodyPr>
           <a:lstStyle/>
           <a:p>
+            <a:r>
+              <a:rPr lang="en-US" altLang="zh-TW" dirty="0" smtClean="0"/>
+              <a:t>C</a:t>
+            </a:r>
+            <a:r>
+              <a:rPr lang="en-US" altLang="zh-CN" dirty="0" smtClean="0"/>
+              <a:t>rawler</a:t>
+            </a:r>
             <a:endParaRPr lang="zh-TW" altLang="en-US" dirty="0"/>
           </a:p>
         </p:txBody>
@@ -2244,7 +2244,7 @@
           <a:p>
             <a:r>
               <a:rPr lang="en-US" altLang="zh-CN" dirty="0" smtClean="0"/>
-              <a:t>STEVEN.XU</a:t>
+              <a:t>YOUNG.Y.YANG</a:t>
             </a:r>
             <a:endParaRPr lang="zh-TW" altLang="en-US" dirty="0"/>
           </a:p>
@@ -2313,11 +2313,11 @@
           <a:p>
             <a:r>
               <a:rPr lang="en-US" altLang="zh-TW" dirty="0" smtClean="0"/>
-              <a:t>2017/03/2</a:t>
-            </a:r>
-            <a:r>
-              <a:rPr lang="en-US" altLang="zh-CN" dirty="0" smtClean="0"/>
-              <a:t>4</a:t>
+              <a:t>2017/05/2</a:t>
+            </a:r>
+            <a:r>
+              <a:rPr lang="en-US" altLang="zh-TW" dirty="0"/>
+              <a:t>6</a:t>
             </a:r>
             <a:endParaRPr lang="zh-TW" altLang="en-US" dirty="0"/>
           </a:p>
@@ -2371,12 +2371,16 @@
           <a:lstStyle/>
           <a:p>
             <a:r>
-              <a:rPr lang="en-US" altLang="zh-CN" dirty="0" smtClean="0"/>
-              <a:t>SQL</a:t>
-            </a:r>
-            <a:r>
-              <a:rPr lang="zh-CN" altLang="en-US" dirty="0" smtClean="0"/>
-              <a:t>性能优化十条经验</a:t>
+              <a:rPr lang="zh-CN" altLang="en-US" dirty="0"/>
+              <a:t>网络爬虫</a:t>
+            </a:r>
+            <a:r>
+              <a:rPr lang="en-US" altLang="zh-CN" dirty="0"/>
+              <a:t>-</a:t>
+            </a:r>
+            <a:r>
+              <a:rPr lang="zh-CN" altLang="en-US" dirty="0"/>
+              <a:t>聚焦网络爬虫</a:t>
             </a:r>
             <a:endParaRPr lang="zh-TW" altLang="en-US" dirty="0"/>
           </a:p>
@@ -2394,8 +2398,8 @@
         </p:nvSpPr>
         <p:spPr>
           <a:xfrm>
-            <a:off x="467544" y="987574"/>
-            <a:ext cx="8064896" cy="3726415"/>
+            <a:off x="539552" y="1275606"/>
+            <a:ext cx="8064896" cy="2736302"/>
           </a:xfrm>
         </p:spPr>
         <p:txBody>
@@ -2405,426 +2409,53 @@
           <a:lstStyle/>
           <a:p>
             <a:pPr marL="0" indent="0">
-              <a:buNone/>
-            </a:pPr>
-            <a:r>
-              <a:rPr lang="en-US" altLang="zh-CN" sz="1200" b="1" dirty="0" smtClean="0">
-                <a:latin typeface="微软雅黑" panose="020B0503020204020204" pitchFamily="34" charset="-122"/>
-                <a:ea typeface="微软雅黑" panose="020B0503020204020204" pitchFamily="34" charset="-122"/>
-              </a:rPr>
-              <a:t>4.</a:t>
-            </a:r>
-            <a:r>
-              <a:rPr lang="zh-CN" altLang="en-US" sz="1200" b="1" dirty="0">
-                <a:latin typeface="微软雅黑" panose="020B0503020204020204" pitchFamily="34" charset="-122"/>
-                <a:ea typeface="微软雅黑" panose="020B0503020204020204" pitchFamily="34" charset="-122"/>
-              </a:rPr>
+              <a:lnSpc>
+                <a:spcPct val="150000"/>
+              </a:lnSpc>
+              <a:buNone/>
+            </a:pPr>
+            <a:r>
+              <a:rPr lang="zh-CN" altLang="en-US" sz="2000" dirty="0"/>
               <a:t> </a:t>
             </a:r>
             <a:r>
-              <a:rPr lang="zh-CN" altLang="en-US" sz="1200" b="1" dirty="0" smtClean="0">
-                <a:latin typeface="微软雅黑" panose="020B0503020204020204" pitchFamily="34" charset="-122"/>
-                <a:ea typeface="微软雅黑" panose="020B0503020204020204" pitchFamily="34" charset="-122"/>
-              </a:rPr>
-              <a:t> </a:t>
-            </a:r>
-            <a:r>
-              <a:rPr lang="en-US" altLang="zh-CN" sz="1200" b="1" dirty="0" smtClean="0">
-                <a:latin typeface="微软雅黑" panose="020B0503020204020204" pitchFamily="34" charset="-122"/>
-                <a:ea typeface="微软雅黑" panose="020B0503020204020204" pitchFamily="34" charset="-122"/>
-              </a:rPr>
-              <a:t>update</a:t>
-            </a:r>
-            <a:endParaRPr lang="zh-CN" altLang="en-US" sz="1200" dirty="0">
-              <a:latin typeface="微软雅黑" panose="020B0503020204020204" pitchFamily="34" charset="-122"/>
-              <a:ea typeface="微软雅黑" panose="020B0503020204020204" pitchFamily="34" charset="-122"/>
-            </a:endParaRPr>
-          </a:p>
-          <a:p>
-            <a:pPr marL="0" indent="0">
-              <a:buNone/>
-            </a:pPr>
-            <a:r>
-              <a:rPr lang="zh-CN" altLang="en-US" sz="1200" dirty="0" smtClean="0">
-                <a:latin typeface="微软雅黑" panose="020B0503020204020204" pitchFamily="34" charset="-122"/>
-                <a:ea typeface="微软雅黑" panose="020B0503020204020204" pitchFamily="34" charset="-122"/>
-              </a:rPr>
-              <a:t>     同</a:t>
-            </a:r>
-            <a:r>
-              <a:rPr lang="zh-CN" altLang="en-US" sz="1200" dirty="0">
-                <a:latin typeface="微软雅黑" panose="020B0503020204020204" pitchFamily="34" charset="-122"/>
-                <a:ea typeface="微软雅黑" panose="020B0503020204020204" pitchFamily="34" charset="-122"/>
-              </a:rPr>
-              <a:t>一个表的修改在一个过程里出现好几十次，如</a:t>
-            </a:r>
-            <a:r>
-              <a:rPr lang="zh-CN" altLang="en-US" sz="1200" dirty="0" smtClean="0">
-                <a:latin typeface="微软雅黑" panose="020B0503020204020204" pitchFamily="34" charset="-122"/>
-                <a:ea typeface="微软雅黑" panose="020B0503020204020204" pitchFamily="34" charset="-122"/>
-              </a:rPr>
-              <a:t>：</a:t>
-            </a:r>
-            <a:endParaRPr lang="en-US" altLang="zh-CN" sz="1200" dirty="0" smtClean="0">
-              <a:latin typeface="微软雅黑" panose="020B0503020204020204" pitchFamily="34" charset="-122"/>
-              <a:ea typeface="微软雅黑" panose="020B0503020204020204" pitchFamily="34" charset="-122"/>
-            </a:endParaRPr>
-          </a:p>
-          <a:p>
-            <a:pPr marL="0" indent="0">
-              <a:buNone/>
-            </a:pPr>
-            <a:endParaRPr lang="en-US" altLang="zh-CN" sz="1200" dirty="0" smtClean="0">
-              <a:latin typeface="微软雅黑" panose="020B0503020204020204" pitchFamily="34" charset="-122"/>
-              <a:ea typeface="微软雅黑" panose="020B0503020204020204" pitchFamily="34" charset="-122"/>
-            </a:endParaRPr>
-          </a:p>
-          <a:p>
-            <a:pPr marL="0" indent="0">
-              <a:buNone/>
-            </a:pPr>
-            <a:r>
-              <a:rPr lang="en-US" altLang="zh-CN" sz="1200" dirty="0" smtClean="0">
-                <a:latin typeface="微软雅黑" panose="020B0503020204020204" pitchFamily="34" charset="-122"/>
-                <a:ea typeface="微软雅黑" panose="020B0503020204020204" pitchFamily="34" charset="-122"/>
-              </a:rPr>
-              <a:t>	update table1 set </a:t>
-            </a:r>
-            <a:r>
-              <a:rPr lang="en-US" altLang="zh-CN" sz="1200" dirty="0">
-                <a:latin typeface="微软雅黑" panose="020B0503020204020204" pitchFamily="34" charset="-122"/>
-                <a:ea typeface="微软雅黑" panose="020B0503020204020204" pitchFamily="34" charset="-122"/>
-              </a:rPr>
-              <a:t>col1</a:t>
-            </a:r>
-            <a:r>
-              <a:rPr lang="en-US" altLang="zh-CN" sz="1200" dirty="0" smtClean="0">
-                <a:latin typeface="微软雅黑" panose="020B0503020204020204" pitchFamily="34" charset="-122"/>
-                <a:ea typeface="微软雅黑" panose="020B0503020204020204" pitchFamily="34" charset="-122"/>
-              </a:rPr>
-              <a:t>=... where </a:t>
-            </a:r>
-            <a:r>
-              <a:rPr lang="en-US" altLang="zh-CN" sz="1200" dirty="0">
-                <a:latin typeface="微软雅黑" panose="020B0503020204020204" pitchFamily="34" charset="-122"/>
-                <a:ea typeface="微软雅黑" panose="020B0503020204020204" pitchFamily="34" charset="-122"/>
-              </a:rPr>
-              <a:t>col2=...;</a:t>
-            </a:r>
-          </a:p>
-          <a:p>
-            <a:pPr marL="0" indent="0">
-              <a:buNone/>
-            </a:pPr>
-            <a:r>
-              <a:rPr lang="en-US" altLang="zh-CN" sz="1200" dirty="0" smtClean="0">
-                <a:latin typeface="微软雅黑" panose="020B0503020204020204" pitchFamily="34" charset="-122"/>
-                <a:ea typeface="微软雅黑" panose="020B0503020204020204" pitchFamily="34" charset="-122"/>
-              </a:rPr>
-              <a:t>	update table1 set </a:t>
-            </a:r>
-            <a:r>
-              <a:rPr lang="en-US" altLang="zh-CN" sz="1200" dirty="0">
-                <a:latin typeface="微软雅黑" panose="020B0503020204020204" pitchFamily="34" charset="-122"/>
-                <a:ea typeface="微软雅黑" panose="020B0503020204020204" pitchFamily="34" charset="-122"/>
-              </a:rPr>
-              <a:t>col1</a:t>
-            </a:r>
-            <a:r>
-              <a:rPr lang="en-US" altLang="zh-CN" sz="1200" dirty="0" smtClean="0">
-                <a:latin typeface="微软雅黑" panose="020B0503020204020204" pitchFamily="34" charset="-122"/>
-                <a:ea typeface="微软雅黑" panose="020B0503020204020204" pitchFamily="34" charset="-122"/>
-              </a:rPr>
-              <a:t>=... where </a:t>
-            </a:r>
-            <a:r>
-              <a:rPr lang="en-US" altLang="zh-CN" sz="1200" dirty="0">
-                <a:latin typeface="微软雅黑" panose="020B0503020204020204" pitchFamily="34" charset="-122"/>
-                <a:ea typeface="微软雅黑" panose="020B0503020204020204" pitchFamily="34" charset="-122"/>
-              </a:rPr>
-              <a:t>col2</a:t>
-            </a:r>
-            <a:r>
-              <a:rPr lang="en-US" altLang="zh-CN" sz="1200" dirty="0" smtClean="0">
-                <a:latin typeface="微软雅黑" panose="020B0503020204020204" pitchFamily="34" charset="-122"/>
-                <a:ea typeface="微软雅黑" panose="020B0503020204020204" pitchFamily="34" charset="-122"/>
-              </a:rPr>
-              <a:t>=...</a:t>
-            </a:r>
-            <a:r>
-              <a:rPr lang="en-US" altLang="zh-CN" sz="1200" dirty="0">
-                <a:latin typeface="微软雅黑" panose="020B0503020204020204" pitchFamily="34" charset="-122"/>
-                <a:ea typeface="微软雅黑" panose="020B0503020204020204" pitchFamily="34" charset="-122"/>
-              </a:rPr>
-              <a:t> ;</a:t>
-            </a:r>
-            <a:endParaRPr lang="en-US" altLang="zh-CN" sz="1200" dirty="0" smtClean="0">
-              <a:latin typeface="微软雅黑" panose="020B0503020204020204" pitchFamily="34" charset="-122"/>
-              <a:ea typeface="微软雅黑" panose="020B0503020204020204" pitchFamily="34" charset="-122"/>
-            </a:endParaRPr>
-          </a:p>
-          <a:p>
-            <a:pPr marL="0" indent="0">
-              <a:buNone/>
-            </a:pPr>
-            <a:r>
-              <a:rPr lang="en-US" altLang="zh-CN" sz="1200" dirty="0" smtClean="0">
-                <a:latin typeface="微软雅黑" panose="020B0503020204020204" pitchFamily="34" charset="-122"/>
-                <a:ea typeface="微软雅黑" panose="020B0503020204020204" pitchFamily="34" charset="-122"/>
-              </a:rPr>
-              <a:t>	......</a:t>
-            </a:r>
-          </a:p>
-          <a:p>
-            <a:pPr marL="0" indent="0">
-              <a:buNone/>
-            </a:pPr>
-            <a:endParaRPr lang="en-US" altLang="zh-CN" sz="1200" dirty="0" smtClean="0">
-              <a:latin typeface="微软雅黑" panose="020B0503020204020204" pitchFamily="34" charset="-122"/>
-              <a:ea typeface="微软雅黑" panose="020B0503020204020204" pitchFamily="34" charset="-122"/>
-            </a:endParaRPr>
-          </a:p>
-          <a:p>
-            <a:pPr marL="0" indent="0">
-              <a:buNone/>
-            </a:pPr>
-            <a:r>
-              <a:rPr lang="zh-CN" altLang="en-US" sz="1200" dirty="0">
-                <a:latin typeface="微软雅黑" panose="020B0503020204020204" pitchFamily="34" charset="-122"/>
-                <a:ea typeface="微软雅黑" panose="020B0503020204020204" pitchFamily="34" charset="-122"/>
-              </a:rPr>
-              <a:t>像</a:t>
-            </a:r>
-            <a:r>
-              <a:rPr lang="zh-CN" altLang="en-US" sz="1200" dirty="0" smtClean="0">
-                <a:latin typeface="微软雅黑" panose="020B0503020204020204" pitchFamily="34" charset="-122"/>
-                <a:ea typeface="微软雅黑" panose="020B0503020204020204" pitchFamily="34" charset="-122"/>
-              </a:rPr>
-              <a:t>这</a:t>
-            </a:r>
-            <a:r>
-              <a:rPr lang="zh-CN" altLang="en-US" sz="1200" dirty="0">
-                <a:latin typeface="微软雅黑" panose="020B0503020204020204" pitchFamily="34" charset="-122"/>
-                <a:ea typeface="微软雅黑" panose="020B0503020204020204" pitchFamily="34" charset="-122"/>
-              </a:rPr>
-              <a:t>类脚本其实可以很简单就整合在一个</a:t>
-            </a:r>
-            <a:r>
-              <a:rPr lang="en-US" altLang="zh-CN" sz="1200" dirty="0">
-                <a:latin typeface="微软雅黑" panose="020B0503020204020204" pitchFamily="34" charset="-122"/>
-                <a:ea typeface="微软雅黑" panose="020B0503020204020204" pitchFamily="34" charset="-122"/>
-              </a:rPr>
-              <a:t>UPDATE</a:t>
-            </a:r>
-            <a:r>
-              <a:rPr lang="zh-CN" altLang="en-US" sz="1200" dirty="0">
-                <a:latin typeface="微软雅黑" panose="020B0503020204020204" pitchFamily="34" charset="-122"/>
-                <a:ea typeface="微软雅黑" panose="020B0503020204020204" pitchFamily="34" charset="-122"/>
-              </a:rPr>
-              <a:t>语句来完成（前些时候在协助</a:t>
-            </a:r>
-            <a:r>
-              <a:rPr lang="en-US" altLang="zh-CN" sz="1200" dirty="0">
-                <a:latin typeface="微软雅黑" panose="020B0503020204020204" pitchFamily="34" charset="-122"/>
-                <a:ea typeface="微软雅黑" panose="020B0503020204020204" pitchFamily="34" charset="-122"/>
-              </a:rPr>
-              <a:t>xxx</a:t>
-            </a:r>
-            <a:r>
-              <a:rPr lang="zh-CN" altLang="en-US" sz="1200" dirty="0">
-                <a:latin typeface="微软雅黑" panose="020B0503020204020204" pitchFamily="34" charset="-122"/>
-                <a:ea typeface="微软雅黑" panose="020B0503020204020204" pitchFamily="34" charset="-122"/>
-              </a:rPr>
-              <a:t>项目做性能问题分析时就发现存在这种情况</a:t>
-            </a:r>
-            <a:r>
-              <a:rPr lang="zh-CN" altLang="en-US" sz="1200" dirty="0" smtClean="0">
-                <a:latin typeface="微软雅黑" panose="020B0503020204020204" pitchFamily="34" charset="-122"/>
-                <a:ea typeface="微软雅黑" panose="020B0503020204020204" pitchFamily="34" charset="-122"/>
-              </a:rPr>
-              <a:t>）</a:t>
-            </a:r>
-            <a:endParaRPr lang="en-US" altLang="zh-CN" sz="1200" dirty="0" smtClean="0">
-              <a:latin typeface="微软雅黑" panose="020B0503020204020204" pitchFamily="34" charset="-122"/>
-              <a:ea typeface="微软雅黑" panose="020B0503020204020204" pitchFamily="34" charset="-122"/>
-            </a:endParaRPr>
-          </a:p>
-          <a:p>
-            <a:pPr marL="0" indent="0">
-              <a:buNone/>
-            </a:pPr>
-            <a:endParaRPr lang="en-US" altLang="zh-CN" sz="1200" dirty="0">
-              <a:latin typeface="微软雅黑" panose="020B0503020204020204" pitchFamily="34" charset="-122"/>
-              <a:ea typeface="微软雅黑" panose="020B0503020204020204" pitchFamily="34" charset="-122"/>
-            </a:endParaRPr>
-          </a:p>
-          <a:p>
-            <a:pPr marL="0" indent="0">
-              <a:buNone/>
-            </a:pPr>
-            <a:r>
-              <a:rPr lang="en-US" altLang="zh-CN" sz="1200" dirty="0" smtClean="0">
-                <a:latin typeface="微软雅黑" panose="020B0503020204020204" pitchFamily="34" charset="-122"/>
-                <a:ea typeface="微软雅黑" panose="020B0503020204020204" pitchFamily="34" charset="-122"/>
-              </a:rPr>
-              <a:t>5.  </a:t>
-            </a:r>
-            <a:r>
-              <a:rPr lang="zh-CN" altLang="en-US" sz="1200" b="1" dirty="0" smtClean="0">
-                <a:latin typeface="微软雅黑" panose="020B0503020204020204" pitchFamily="34" charset="-122"/>
-                <a:ea typeface="微软雅黑" panose="020B0503020204020204" pitchFamily="34" charset="-122"/>
-              </a:rPr>
-              <a:t>在</a:t>
-            </a:r>
-            <a:r>
-              <a:rPr lang="zh-CN" altLang="en-US" sz="1200" b="1" dirty="0">
-                <a:latin typeface="微软雅黑" panose="020B0503020204020204" pitchFamily="34" charset="-122"/>
-                <a:ea typeface="微软雅黑" panose="020B0503020204020204" pitchFamily="34" charset="-122"/>
-              </a:rPr>
-              <a:t>可以使用</a:t>
-            </a:r>
-            <a:r>
-              <a:rPr lang="en-US" altLang="zh-CN" sz="1200" b="1" dirty="0">
-                <a:latin typeface="微软雅黑" panose="020B0503020204020204" pitchFamily="34" charset="-122"/>
-                <a:ea typeface="微软雅黑" panose="020B0503020204020204" pitchFamily="34" charset="-122"/>
-              </a:rPr>
-              <a:t>UNION ALL</a:t>
-            </a:r>
-            <a:r>
-              <a:rPr lang="zh-CN" altLang="en-US" sz="1200" b="1" dirty="0">
-                <a:latin typeface="微软雅黑" panose="020B0503020204020204" pitchFamily="34" charset="-122"/>
-                <a:ea typeface="微软雅黑" panose="020B0503020204020204" pitchFamily="34" charset="-122"/>
-              </a:rPr>
-              <a:t>的语句里，使用了</a:t>
-            </a:r>
-            <a:r>
-              <a:rPr lang="en-US" altLang="zh-CN" sz="1200" b="1" dirty="0" smtClean="0">
-                <a:latin typeface="微软雅黑" panose="020B0503020204020204" pitchFamily="34" charset="-122"/>
-                <a:ea typeface="微软雅黑" panose="020B0503020204020204" pitchFamily="34" charset="-122"/>
-              </a:rPr>
-              <a:t>UNION</a:t>
-            </a:r>
-            <a:endParaRPr lang="zh-CN" altLang="en-US" sz="1200" dirty="0">
-              <a:latin typeface="微软雅黑" panose="020B0503020204020204" pitchFamily="34" charset="-122"/>
-              <a:ea typeface="微软雅黑" panose="020B0503020204020204" pitchFamily="34" charset="-122"/>
-            </a:endParaRPr>
-          </a:p>
-          <a:p>
-            <a:pPr marL="0" indent="0">
-              <a:buNone/>
-            </a:pPr>
-            <a:r>
-              <a:rPr lang="en-US" altLang="zh-CN" sz="1200" dirty="0" smtClean="0">
-                <a:latin typeface="微软雅黑" panose="020B0503020204020204" pitchFamily="34" charset="-122"/>
-                <a:ea typeface="微软雅黑" panose="020B0503020204020204" pitchFamily="34" charset="-122"/>
-              </a:rPr>
-              <a:t>     UNION </a:t>
-            </a:r>
-            <a:r>
-              <a:rPr lang="zh-CN" altLang="en-US" sz="1200" dirty="0">
-                <a:latin typeface="微软雅黑" panose="020B0503020204020204" pitchFamily="34" charset="-122"/>
-                <a:ea typeface="微软雅黑" panose="020B0503020204020204" pitchFamily="34" charset="-122"/>
-              </a:rPr>
-              <a:t>因为会将各查询子集的记录做比较，故比起</a:t>
-            </a:r>
-            <a:r>
-              <a:rPr lang="en-US" altLang="zh-CN" sz="1200" dirty="0">
-                <a:latin typeface="微软雅黑" panose="020B0503020204020204" pitchFamily="34" charset="-122"/>
-                <a:ea typeface="微软雅黑" panose="020B0503020204020204" pitchFamily="34" charset="-122"/>
-              </a:rPr>
-              <a:t>UNION ALL </a:t>
-            </a:r>
-            <a:r>
-              <a:rPr lang="zh-CN" altLang="en-US" sz="1200" dirty="0">
-                <a:latin typeface="微软雅黑" panose="020B0503020204020204" pitchFamily="34" charset="-122"/>
-                <a:ea typeface="微软雅黑" panose="020B0503020204020204" pitchFamily="34" charset="-122"/>
-              </a:rPr>
-              <a:t>，通常速度都会慢上许多。一般来说，如果</a:t>
-            </a:r>
-            <a:r>
-              <a:rPr lang="zh-CN" altLang="en-US" sz="1200" dirty="0" smtClean="0">
-                <a:latin typeface="微软雅黑" panose="020B0503020204020204" pitchFamily="34" charset="-122"/>
-                <a:ea typeface="微软雅黑" panose="020B0503020204020204" pitchFamily="34" charset="-122"/>
-              </a:rPr>
-              <a:t>使用   </a:t>
-            </a:r>
-            <a:r>
-              <a:rPr lang="en-US" altLang="zh-CN" sz="1200" dirty="0" smtClean="0">
-                <a:latin typeface="微软雅黑" panose="020B0503020204020204" pitchFamily="34" charset="-122"/>
-                <a:ea typeface="微软雅黑" panose="020B0503020204020204" pitchFamily="34" charset="-122"/>
-              </a:rPr>
-              <a:t>UNION </a:t>
-            </a:r>
-            <a:r>
-              <a:rPr lang="en-US" altLang="zh-CN" sz="1200" dirty="0">
-                <a:latin typeface="微软雅黑" panose="020B0503020204020204" pitchFamily="34" charset="-122"/>
-                <a:ea typeface="微软雅黑" panose="020B0503020204020204" pitchFamily="34" charset="-122"/>
-              </a:rPr>
-              <a:t>ALL</a:t>
-            </a:r>
-            <a:r>
-              <a:rPr lang="zh-CN" altLang="en-US" sz="1200" dirty="0">
-                <a:latin typeface="微软雅黑" panose="020B0503020204020204" pitchFamily="34" charset="-122"/>
-                <a:ea typeface="微软雅黑" panose="020B0503020204020204" pitchFamily="34" charset="-122"/>
-              </a:rPr>
-              <a:t>能满足要求的话，务必使用</a:t>
-            </a:r>
-            <a:r>
-              <a:rPr lang="en-US" altLang="zh-CN" sz="1200" dirty="0">
-                <a:latin typeface="微软雅黑" panose="020B0503020204020204" pitchFamily="34" charset="-122"/>
-                <a:ea typeface="微软雅黑" panose="020B0503020204020204" pitchFamily="34" charset="-122"/>
-              </a:rPr>
-              <a:t>UNION ALL</a:t>
-            </a:r>
-            <a:r>
-              <a:rPr lang="zh-CN" altLang="en-US" sz="1200" dirty="0">
-                <a:latin typeface="微软雅黑" panose="020B0503020204020204" pitchFamily="34" charset="-122"/>
-                <a:ea typeface="微软雅黑" panose="020B0503020204020204" pitchFamily="34" charset="-122"/>
-              </a:rPr>
-              <a:t>。还有一种情况大家可能会忽略掉，就是虽然要求几个子集的并集需要过滤掉重复记录，但由于脚本的特殊性，不可能存在重复记录，这时便应该使用</a:t>
-            </a:r>
-            <a:r>
-              <a:rPr lang="en-US" altLang="zh-CN" sz="1200" dirty="0">
-                <a:latin typeface="微软雅黑" panose="020B0503020204020204" pitchFamily="34" charset="-122"/>
-                <a:ea typeface="微软雅黑" panose="020B0503020204020204" pitchFamily="34" charset="-122"/>
-              </a:rPr>
-              <a:t>UNION ALL</a:t>
-            </a:r>
-            <a:r>
-              <a:rPr lang="zh-CN" altLang="en-US" sz="1200" dirty="0">
-                <a:latin typeface="微软雅黑" panose="020B0503020204020204" pitchFamily="34" charset="-122"/>
-                <a:ea typeface="微软雅黑" panose="020B0503020204020204" pitchFamily="34" charset="-122"/>
-              </a:rPr>
-              <a:t>，如</a:t>
-            </a:r>
-            <a:r>
-              <a:rPr lang="en-US" altLang="zh-CN" sz="1200" dirty="0">
-                <a:latin typeface="微软雅黑" panose="020B0503020204020204" pitchFamily="34" charset="-122"/>
-                <a:ea typeface="微软雅黑" panose="020B0503020204020204" pitchFamily="34" charset="-122"/>
-              </a:rPr>
-              <a:t>xx</a:t>
-            </a:r>
-            <a:r>
-              <a:rPr lang="zh-CN" altLang="en-US" sz="1200" dirty="0">
-                <a:latin typeface="微软雅黑" panose="020B0503020204020204" pitchFamily="34" charset="-122"/>
-                <a:ea typeface="微软雅黑" panose="020B0503020204020204" pitchFamily="34" charset="-122"/>
-              </a:rPr>
-              <a:t>模块的某个查询程序就曾经存在这种情况，见，由于语句的特殊性，在这个脚本中几个子集的记录绝对不可能重复，故可以改用</a:t>
-            </a:r>
-            <a:r>
-              <a:rPr lang="en-US" altLang="zh-CN" sz="1200" dirty="0">
-                <a:latin typeface="微软雅黑" panose="020B0503020204020204" pitchFamily="34" charset="-122"/>
-                <a:ea typeface="微软雅黑" panose="020B0503020204020204" pitchFamily="34" charset="-122"/>
-              </a:rPr>
-              <a:t>UNION ALL</a:t>
-            </a:r>
-            <a:r>
-              <a:rPr lang="zh-CN" altLang="en-US" sz="1200" dirty="0">
-                <a:latin typeface="微软雅黑" panose="020B0503020204020204" pitchFamily="34" charset="-122"/>
-                <a:ea typeface="微软雅黑" panose="020B0503020204020204" pitchFamily="34" charset="-122"/>
-              </a:rPr>
-              <a:t>）</a:t>
-            </a:r>
+              <a:rPr lang="en-US" altLang="zh-CN" sz="2000" dirty="0" smtClean="0"/>
+              <a:t>	</a:t>
+            </a:r>
+            <a:r>
+              <a:rPr lang="zh-CN" altLang="en-US" sz="2000" dirty="0" smtClean="0"/>
+              <a:t>聚焦</a:t>
+            </a:r>
+            <a:r>
+              <a:rPr lang="zh-CN" altLang="en-US" sz="2000" dirty="0"/>
+              <a:t>网络爬虫：指选择性地爬行那些与预先定义好的主题相关页面的网络爬虫。根据一定的网页分析算法过滤与主题无关的链接，保留有用的链接并将其放入等待抓取的</a:t>
+            </a:r>
+            <a:r>
+              <a:rPr lang="en-US" altLang="zh-CN" sz="2000" dirty="0"/>
+              <a:t>URL</a:t>
+            </a:r>
+            <a:r>
+              <a:rPr lang="zh-CN" altLang="en-US" sz="2000" dirty="0"/>
+              <a:t>队列。</a:t>
+            </a:r>
+            <a:endParaRPr lang="en-US" altLang="zh-CN" sz="2000" dirty="0"/>
+          </a:p>
+          <a:p>
+            <a:pPr marL="0" indent="0">
+              <a:lnSpc>
+                <a:spcPct val="150000"/>
+              </a:lnSpc>
+              <a:buNone/>
+            </a:pPr>
+            <a:r>
+              <a:rPr lang="en-US" altLang="zh-CN" sz="2000" dirty="0"/>
+              <a:t>       </a:t>
+            </a:r>
+            <a:r>
+              <a:rPr lang="zh-CN" altLang="en-US" sz="2000" dirty="0"/>
+              <a:t> 和通用网络爬虫相比，聚焦爬虫只需要爬行与主题相关的页面，极大地节省了硬件和网络资源，保存的页面也由于数量少而更新快。</a:t>
+            </a:r>
+            <a:endParaRPr lang="en-US" altLang="zh-CN" sz="2000" dirty="0"/>
           </a:p>
           <a:p>
             <a:pPr marL="0" indent="0">
@@ -2947,12 +2578,16 @@
           <a:lstStyle/>
           <a:p>
             <a:r>
-              <a:rPr lang="en-US" altLang="zh-CN" dirty="0" smtClean="0"/>
-              <a:t>SQL</a:t>
-            </a:r>
-            <a:r>
-              <a:rPr lang="zh-CN" altLang="en-US" dirty="0" smtClean="0"/>
-              <a:t>性能优化十条经验</a:t>
+              <a:rPr lang="zh-CN" altLang="en-US" dirty="0"/>
+              <a:t>网络爬虫</a:t>
+            </a:r>
+            <a:r>
+              <a:rPr lang="en-US" altLang="zh-CN" dirty="0"/>
+              <a:t>-</a:t>
+            </a:r>
+            <a:r>
+              <a:rPr lang="zh-CN" altLang="en-US" dirty="0"/>
+              <a:t>增量式网络爬虫</a:t>
             </a:r>
             <a:endParaRPr lang="zh-TW" altLang="en-US" dirty="0"/>
           </a:p>
@@ -2970,7 +2605,7 @@
         </p:nvSpPr>
         <p:spPr>
           <a:xfrm>
-            <a:off x="467544" y="987574"/>
+            <a:off x="467544" y="987576"/>
             <a:ext cx="8064896" cy="3726415"/>
           </a:xfrm>
         </p:spPr>
@@ -2981,448 +2616,49 @@
           <a:lstStyle/>
           <a:p>
             <a:pPr marL="0" indent="0">
-              <a:buNone/>
-            </a:pPr>
-            <a:r>
-              <a:rPr lang="en-US" altLang="zh-CN" sz="1200" b="1" dirty="0">
-                <a:latin typeface="微软雅黑" panose="020B0503020204020204" pitchFamily="34" charset="-122"/>
-                <a:ea typeface="微软雅黑" panose="020B0503020204020204" pitchFamily="34" charset="-122"/>
-              </a:rPr>
-              <a:t>6</a:t>
-            </a:r>
-            <a:r>
-              <a:rPr lang="en-US" altLang="zh-CN" sz="1200" b="1" dirty="0" smtClean="0">
-                <a:latin typeface="微软雅黑" panose="020B0503020204020204" pitchFamily="34" charset="-122"/>
-                <a:ea typeface="微软雅黑" panose="020B0503020204020204" pitchFamily="34" charset="-122"/>
-              </a:rPr>
-              <a:t>.    </a:t>
-            </a:r>
-            <a:r>
-              <a:rPr lang="zh-CN" altLang="en-US" sz="1200" b="1" dirty="0" smtClean="0"/>
-              <a:t>在</a:t>
-            </a:r>
-            <a:r>
-              <a:rPr lang="en-US" altLang="zh-CN" sz="1200" b="1" dirty="0"/>
-              <a:t>WHERE </a:t>
-            </a:r>
-            <a:r>
-              <a:rPr lang="zh-CN" altLang="en-US" sz="1200" b="1" dirty="0"/>
-              <a:t>语句中，尽量避免对索引字段进行计算操作</a:t>
-            </a:r>
-            <a:endParaRPr lang="zh-CN" altLang="en-US" sz="1200" dirty="0"/>
-          </a:p>
-          <a:p>
-            <a:pPr marL="0" indent="0">
-              <a:buNone/>
-            </a:pPr>
-            <a:r>
-              <a:rPr lang="zh-CN" altLang="en-US" sz="1200" dirty="0" smtClean="0"/>
-              <a:t>        这个</a:t>
-            </a:r>
-            <a:r>
-              <a:rPr lang="zh-CN" altLang="en-US" sz="1200" dirty="0"/>
-              <a:t>常识相信绝大部分开发人员都应该知道，但仍有不少人这么使用，我想其中一个最主要的原因可能是为了编写写简单而损害了性能，那就不可取</a:t>
-            </a:r>
-            <a:r>
-              <a:rPr lang="zh-CN" altLang="en-US" sz="1200" dirty="0" smtClean="0"/>
-              <a:t>了</a:t>
-            </a:r>
-            <a:endParaRPr lang="en-US" altLang="zh-CN" sz="1200" dirty="0" smtClean="0"/>
-          </a:p>
-          <a:p>
-            <a:pPr marL="0" indent="0">
-              <a:buNone/>
-            </a:pPr>
-            <a:endParaRPr lang="en-US" altLang="zh-CN" sz="1200" dirty="0"/>
-          </a:p>
-          <a:p>
-            <a:pPr marL="228600" indent="-228600">
-              <a:buAutoNum type="arabicPeriod" startAt="7"/>
-            </a:pPr>
-            <a:r>
-              <a:rPr lang="zh-CN" altLang="en-US" sz="1200" b="1" dirty="0" smtClean="0"/>
-              <a:t>对</a:t>
-            </a:r>
-            <a:r>
-              <a:rPr lang="en-US" altLang="zh-CN" sz="1200" b="1" dirty="0"/>
-              <a:t>Where </a:t>
-            </a:r>
-            <a:r>
-              <a:rPr lang="zh-CN" altLang="en-US" sz="1200" b="1" dirty="0"/>
-              <a:t>语句的</a:t>
-            </a:r>
-            <a:r>
-              <a:rPr lang="zh-CN" altLang="en-US" sz="1200" b="1" dirty="0" smtClean="0"/>
-              <a:t>法则</a:t>
-            </a:r>
-            <a:endParaRPr lang="en-US" altLang="zh-CN" sz="1200" b="1" dirty="0" smtClean="0"/>
-          </a:p>
-          <a:p>
-            <a:pPr marL="0" indent="0">
-              <a:buNone/>
-            </a:pPr>
-            <a:r>
-              <a:rPr lang="en-US" altLang="zh-CN" sz="1200" b="1" dirty="0"/>
-              <a:t> </a:t>
-            </a:r>
-            <a:r>
-              <a:rPr lang="en-US" altLang="zh-CN" sz="1200" b="1" dirty="0" smtClean="0"/>
-              <a:t>    7.1  </a:t>
-            </a:r>
-            <a:r>
-              <a:rPr lang="zh-CN" altLang="en-US" sz="1200" b="1" dirty="0" smtClean="0"/>
-              <a:t>避免</a:t>
-            </a:r>
-            <a:r>
-              <a:rPr lang="zh-CN" altLang="en-US" sz="1200" b="1" dirty="0"/>
-              <a:t>在</a:t>
-            </a:r>
-            <a:r>
-              <a:rPr lang="en-US" altLang="zh-CN" sz="1200" b="1" dirty="0"/>
-              <a:t>WHERE</a:t>
-            </a:r>
-            <a:r>
-              <a:rPr lang="zh-CN" altLang="en-US" sz="1200" b="1" dirty="0"/>
-              <a:t>子句中使用</a:t>
-            </a:r>
-            <a:r>
-              <a:rPr lang="en-US" altLang="zh-CN" sz="1200" b="1" dirty="0"/>
-              <a:t>in</a:t>
-            </a:r>
-            <a:r>
-              <a:rPr lang="zh-CN" altLang="en-US" sz="1200" b="1" dirty="0"/>
-              <a:t>，</a:t>
-            </a:r>
-            <a:r>
-              <a:rPr lang="en-US" altLang="zh-CN" sz="1200" b="1" dirty="0"/>
-              <a:t>not  in</a:t>
-            </a:r>
-            <a:r>
-              <a:rPr lang="zh-CN" altLang="en-US" sz="1200" b="1" dirty="0"/>
-              <a:t>，</a:t>
-            </a:r>
-            <a:r>
-              <a:rPr lang="en-US" altLang="zh-CN" sz="1200" b="1" dirty="0"/>
-              <a:t>or </a:t>
-            </a:r>
-            <a:r>
-              <a:rPr lang="zh-CN" altLang="en-US" sz="1200" b="1" dirty="0"/>
-              <a:t>或者</a:t>
-            </a:r>
-            <a:r>
-              <a:rPr lang="en-US" altLang="zh-CN" sz="1200" b="1" dirty="0"/>
-              <a:t>having</a:t>
-            </a:r>
-            <a:r>
-              <a:rPr lang="zh-CN" altLang="en-US" sz="1200" dirty="0"/>
-              <a:t>。</a:t>
-            </a:r>
-          </a:p>
-          <a:p>
-            <a:pPr marL="0" indent="0">
-              <a:buNone/>
-            </a:pPr>
-            <a:r>
-              <a:rPr lang="zh-CN" altLang="en-US" sz="1200" dirty="0" smtClean="0"/>
-              <a:t>            可以</a:t>
-            </a:r>
-            <a:r>
-              <a:rPr lang="zh-CN" altLang="en-US" sz="1200" dirty="0"/>
-              <a:t>使用 </a:t>
-            </a:r>
-            <a:r>
-              <a:rPr lang="en-US" altLang="zh-CN" sz="1200" dirty="0"/>
-              <a:t>exist </a:t>
-            </a:r>
-            <a:r>
-              <a:rPr lang="zh-CN" altLang="en-US" sz="1200" dirty="0"/>
-              <a:t>和</a:t>
-            </a:r>
-            <a:r>
-              <a:rPr lang="en-US" altLang="zh-CN" sz="1200" dirty="0"/>
-              <a:t>not exist</a:t>
-            </a:r>
-            <a:r>
-              <a:rPr lang="zh-CN" altLang="en-US" sz="1200" dirty="0"/>
-              <a:t>代替 </a:t>
-            </a:r>
-            <a:r>
-              <a:rPr lang="en-US" altLang="zh-CN" sz="1200" dirty="0"/>
-              <a:t>in</a:t>
-            </a:r>
-            <a:r>
-              <a:rPr lang="zh-CN" altLang="en-US" sz="1200" dirty="0"/>
-              <a:t>和</a:t>
-            </a:r>
-            <a:r>
-              <a:rPr lang="en-US" altLang="zh-CN" sz="1200" dirty="0"/>
-              <a:t>not in</a:t>
-            </a:r>
-            <a:r>
-              <a:rPr lang="zh-CN" altLang="en-US" sz="1200" dirty="0"/>
-              <a:t>。</a:t>
-            </a:r>
-          </a:p>
-          <a:p>
-            <a:pPr marL="0" indent="0">
-              <a:buNone/>
-            </a:pPr>
-            <a:r>
-              <a:rPr lang="zh-CN" altLang="en-US" sz="1200" dirty="0" smtClean="0"/>
-              <a:t>            可以</a:t>
-            </a:r>
-            <a:r>
-              <a:rPr lang="zh-CN" altLang="en-US" sz="1200" dirty="0"/>
-              <a:t>使用表链接代替 </a:t>
-            </a:r>
-            <a:r>
-              <a:rPr lang="en-US" altLang="zh-CN" sz="1200" dirty="0"/>
-              <a:t>exist</a:t>
-            </a:r>
-            <a:r>
-              <a:rPr lang="zh-CN" altLang="en-US" sz="1200" dirty="0"/>
-              <a:t>。</a:t>
-            </a:r>
-            <a:r>
-              <a:rPr lang="en-US" altLang="zh-CN" sz="1200" dirty="0"/>
-              <a:t>Having</a:t>
-            </a:r>
-            <a:r>
-              <a:rPr lang="zh-CN" altLang="en-US" sz="1200" dirty="0"/>
-              <a:t>可以用</a:t>
-            </a:r>
-            <a:r>
-              <a:rPr lang="en-US" altLang="zh-CN" sz="1200" dirty="0"/>
-              <a:t>where</a:t>
-            </a:r>
-            <a:r>
-              <a:rPr lang="zh-CN" altLang="en-US" sz="1200" dirty="0"/>
-              <a:t>代替，如果无法代替可以分两步处理</a:t>
-            </a:r>
-            <a:r>
-              <a:rPr lang="zh-CN" altLang="en-US" sz="1200" dirty="0" smtClean="0"/>
-              <a:t>。</a:t>
-            </a:r>
-            <a:endParaRPr lang="en-US" altLang="zh-CN" sz="1200" dirty="0" smtClean="0"/>
-          </a:p>
-          <a:p>
-            <a:pPr marL="0" indent="0">
-              <a:buNone/>
-            </a:pPr>
-            <a:r>
-              <a:rPr lang="en-US" altLang="zh-CN" sz="1200" dirty="0" smtClean="0"/>
+              <a:lnSpc>
+                <a:spcPct val="150000"/>
+              </a:lnSpc>
+              <a:buNone/>
+            </a:pPr>
+            <a:r>
+              <a:rPr lang="en-US" altLang="zh-CN" sz="2000" dirty="0" smtClean="0"/>
               <a:t>	</a:t>
             </a:r>
             <a:r>
-              <a:rPr lang="zh-CN" altLang="en-US" sz="1200" dirty="0" smtClean="0"/>
-              <a:t>案例：</a:t>
-            </a:r>
-            <a:endParaRPr lang="en-US" altLang="zh-CN" sz="1200" dirty="0" smtClean="0"/>
-          </a:p>
-          <a:p>
-            <a:pPr marL="0" indent="0">
-              <a:buNone/>
-            </a:pPr>
-            <a:r>
-              <a:rPr lang="en-US" altLang="zh-CN" sz="1200" dirty="0"/>
-              <a:t>SELECT *  FROM ORDERS WHERE CUSTOMER_NAME NOT IN </a:t>
-            </a:r>
-            <a:r>
-              <a:rPr lang="en-US" altLang="zh-CN" sz="1200" dirty="0" smtClean="0"/>
-              <a:t>(</a:t>
-            </a:r>
-            <a:r>
-              <a:rPr lang="en-US" altLang="zh-CN" sz="1200" dirty="0"/>
-              <a:t>SELECT CUSTOMER_NAME FROM CUSTOMER</a:t>
-            </a:r>
-            <a:r>
-              <a:rPr lang="en-US" altLang="zh-CN" sz="1200" dirty="0" smtClean="0"/>
-              <a:t>)</a:t>
-            </a:r>
-          </a:p>
-          <a:p>
-            <a:pPr marL="0" indent="0">
-              <a:buNone/>
-            </a:pPr>
-            <a:r>
-              <a:rPr lang="en-US" altLang="zh-CN" sz="1200" dirty="0" smtClean="0"/>
+              <a:rPr lang="zh-CN" altLang="en-US" sz="2000" dirty="0" smtClean="0"/>
+              <a:t>增量</a:t>
+            </a:r>
+            <a:r>
+              <a:rPr lang="zh-CN" altLang="en-US" sz="2000" dirty="0"/>
+              <a:t>式网络爬虫： 对 已 下 载 网 页 采 取 增 量式更新和只爬行新产生的或者已经发生变化网页的爬虫。</a:t>
+            </a:r>
+            <a:endParaRPr lang="en-US" altLang="zh-CN" sz="2000" dirty="0"/>
+          </a:p>
+          <a:p>
+            <a:pPr marL="0" indent="0">
+              <a:lnSpc>
+                <a:spcPct val="150000"/>
+              </a:lnSpc>
+              <a:buNone/>
+            </a:pPr>
+            <a:r>
+              <a:rPr lang="en-US" altLang="zh-CN" sz="2000" dirty="0"/>
+              <a:t>        </a:t>
+            </a:r>
+            <a:r>
+              <a:rPr lang="en-US" altLang="zh-CN" sz="2000" dirty="0" smtClean="0"/>
               <a:t>	</a:t>
             </a:r>
             <a:r>
-              <a:rPr lang="zh-CN" altLang="en-US" sz="1200" dirty="0" smtClean="0"/>
-              <a:t>优化</a:t>
-            </a:r>
-            <a:endParaRPr lang="en-US" altLang="zh-CN" sz="1200" dirty="0" smtClean="0"/>
-          </a:p>
-          <a:p>
-            <a:pPr marL="0" indent="0">
-              <a:buNone/>
-            </a:pPr>
-            <a:r>
-              <a:rPr lang="en-US" altLang="zh-CN" sz="1200" dirty="0"/>
-              <a:t>SELECT *  FROM ORDERS WHERE CUSTOMER_NAME not exist </a:t>
-            </a:r>
-            <a:r>
-              <a:rPr lang="en-US" altLang="zh-CN" sz="1200" dirty="0" smtClean="0"/>
-              <a:t> (</a:t>
-            </a:r>
-            <a:r>
-              <a:rPr lang="en-US" altLang="zh-CN" sz="1200" dirty="0"/>
-              <a:t>SELECT CUSTOMER_NAME FROM CUSTOMER</a:t>
-            </a:r>
-            <a:r>
-              <a:rPr lang="en-US" altLang="zh-CN" sz="1200" dirty="0" smtClean="0"/>
-              <a:t>)</a:t>
-            </a:r>
-          </a:p>
-          <a:p>
-            <a:pPr marL="0" indent="0">
-              <a:buNone/>
-            </a:pPr>
-            <a:r>
-              <a:rPr lang="en-US" altLang="zh-CN" sz="1200" dirty="0"/>
-              <a:t> </a:t>
-            </a:r>
-            <a:r>
-              <a:rPr lang="en-US" altLang="zh-CN" sz="1200" dirty="0" smtClean="0"/>
-              <a:t>     7.2 </a:t>
-            </a:r>
-            <a:r>
-              <a:rPr lang="zh-CN" altLang="en-US" sz="1200" b="1" dirty="0" smtClean="0"/>
-              <a:t>不要</a:t>
-            </a:r>
-            <a:r>
-              <a:rPr lang="zh-CN" altLang="en-US" sz="1200" b="1" dirty="0"/>
-              <a:t>以字符格式声明数字，要以数字格式声明字符值</a:t>
-            </a:r>
-            <a:r>
-              <a:rPr lang="zh-CN" altLang="en-US" sz="1200" dirty="0"/>
-              <a:t>。（日期同样）否则会使索引无效，产生全表扫描</a:t>
-            </a:r>
-            <a:r>
-              <a:rPr lang="zh-CN" altLang="en-US" sz="1200" dirty="0" smtClean="0"/>
-              <a:t>。</a:t>
-            </a:r>
-            <a:endParaRPr lang="en-US" altLang="zh-CN" sz="1200" dirty="0" smtClean="0"/>
-          </a:p>
-          <a:p>
-            <a:pPr marL="0" indent="0">
-              <a:buNone/>
-            </a:pPr>
-            <a:r>
-              <a:rPr lang="en-US" altLang="zh-CN" sz="1200" dirty="0" smtClean="0"/>
-              <a:t>	</a:t>
-            </a:r>
-            <a:r>
-              <a:rPr lang="zh-CN" altLang="en-US" sz="1200" dirty="0" smtClean="0"/>
-              <a:t>案例：</a:t>
-            </a:r>
-            <a:endParaRPr lang="en-US" altLang="zh-CN" sz="1200" dirty="0" smtClean="0"/>
-          </a:p>
-          <a:p>
-            <a:pPr marL="0" indent="0">
-              <a:buNone/>
-            </a:pPr>
-            <a:r>
-              <a:rPr lang="en-US" altLang="zh-CN" sz="1200" dirty="0" smtClean="0"/>
-              <a:t>	SELECT </a:t>
-            </a:r>
-            <a:r>
-              <a:rPr lang="en-US" altLang="zh-CN" sz="1200" dirty="0" err="1"/>
-              <a:t>emp.ename</a:t>
-            </a:r>
-            <a:r>
-              <a:rPr lang="en-US" altLang="zh-CN" sz="1200" dirty="0"/>
-              <a:t>, </a:t>
-            </a:r>
-            <a:r>
-              <a:rPr lang="en-US" altLang="zh-CN" sz="1200" dirty="0" err="1"/>
-              <a:t>emp.job</a:t>
-            </a:r>
-            <a:r>
-              <a:rPr lang="en-US" altLang="zh-CN" sz="1200" dirty="0"/>
-              <a:t> FROM </a:t>
-            </a:r>
-            <a:r>
-              <a:rPr lang="en-US" altLang="zh-CN" sz="1200" dirty="0" err="1"/>
-              <a:t>emp</a:t>
-            </a:r>
-            <a:r>
-              <a:rPr lang="en-US" altLang="zh-CN" sz="1200" dirty="0"/>
-              <a:t> WHERE </a:t>
-            </a:r>
-            <a:r>
-              <a:rPr lang="en-US" altLang="zh-CN" sz="1200" dirty="0" err="1"/>
-              <a:t>emp.empno</a:t>
-            </a:r>
-            <a:r>
-              <a:rPr lang="en-US" altLang="zh-CN" sz="1200" dirty="0"/>
-              <a:t> = 7369;</a:t>
-            </a:r>
-          </a:p>
-          <a:p>
-            <a:pPr marL="0" indent="0">
-              <a:buNone/>
-            </a:pPr>
-            <a:r>
-              <a:rPr lang="en-US" altLang="zh-CN" sz="1200" dirty="0" smtClean="0"/>
-              <a:t>	</a:t>
-            </a:r>
-            <a:r>
-              <a:rPr lang="zh-CN" altLang="en-US" sz="1200" dirty="0" smtClean="0"/>
-              <a:t>不要</a:t>
-            </a:r>
-            <a:r>
-              <a:rPr lang="zh-CN" altLang="en-US" sz="1200" dirty="0"/>
-              <a:t>使用：</a:t>
-            </a:r>
-          </a:p>
-          <a:p>
-            <a:pPr marL="0" indent="0">
-              <a:buNone/>
-            </a:pPr>
-            <a:r>
-              <a:rPr lang="en-US" altLang="zh-CN" sz="1200" dirty="0" smtClean="0"/>
-              <a:t>	SELECT </a:t>
-            </a:r>
-            <a:r>
-              <a:rPr lang="en-US" altLang="zh-CN" sz="1200" dirty="0" err="1"/>
-              <a:t>emp.ename</a:t>
-            </a:r>
-            <a:r>
-              <a:rPr lang="en-US" altLang="zh-CN" sz="1200" dirty="0"/>
-              <a:t>, </a:t>
-            </a:r>
-            <a:r>
-              <a:rPr lang="en-US" altLang="zh-CN" sz="1200" dirty="0" err="1"/>
-              <a:t>emp.job</a:t>
-            </a:r>
-            <a:r>
-              <a:rPr lang="en-US" altLang="zh-CN" sz="1200" dirty="0"/>
-              <a:t> FROM </a:t>
-            </a:r>
-            <a:r>
-              <a:rPr lang="en-US" altLang="zh-CN" sz="1200" dirty="0" err="1"/>
-              <a:t>emp</a:t>
-            </a:r>
-            <a:r>
-              <a:rPr lang="en-US" altLang="zh-CN" sz="1200" dirty="0"/>
-              <a:t> WHERE </a:t>
-            </a:r>
-            <a:r>
-              <a:rPr lang="en-US" altLang="zh-CN" sz="1200" dirty="0" err="1"/>
-              <a:t>emp.empno</a:t>
-            </a:r>
-            <a:r>
-              <a:rPr lang="en-US" altLang="zh-CN" sz="1200" dirty="0"/>
-              <a:t> = '7369';</a:t>
-            </a:r>
-          </a:p>
-          <a:p>
-            <a:pPr marL="0" indent="0">
-              <a:buNone/>
-            </a:pPr>
-            <a:endParaRPr lang="en-US" altLang="zh-CN" sz="1200" dirty="0" smtClean="0"/>
+              <a:rPr lang="zh-CN" altLang="en-US" sz="2000" dirty="0" smtClean="0"/>
+              <a:t>它</a:t>
+            </a:r>
+            <a:r>
+              <a:rPr lang="zh-CN" altLang="en-US" sz="2000" dirty="0"/>
+              <a:t>能够在一定程度上保证所爬行的页面是尽可能新的页面， 和周期性爬行和刷新页面的网络爬虫相比，增量式爬虫只会在需要的时候爬行新产生或发生更新的页面 ，并不重新下载没有发生变化的页面，可有效减少数据下载量，及时更新已爬行的网页，减小时间和空间上的耗费，但是增加了爬行算法的复杂度和实现难度。</a:t>
+            </a:r>
+            <a:endParaRPr lang="en-US" altLang="zh-CN" sz="2000" dirty="0"/>
           </a:p>
           <a:p>
             <a:pPr marL="0" indent="0">
@@ -3589,7 +2825,7 @@
         </p:nvSpPr>
         <p:spPr>
           <a:xfrm>
-            <a:off x="467544" y="987574"/>
+            <a:off x="467544" y="987576"/>
             <a:ext cx="8064896" cy="3726415"/>
           </a:xfrm>
         </p:spPr>
@@ -4261,7 +3497,7 @@
         </p:blipFill>
         <p:spPr>
           <a:xfrm>
-            <a:off x="179512" y="843558"/>
+            <a:off x="179512" y="843560"/>
             <a:ext cx="8064500" cy="3617719"/>
           </a:xfrm>
           <a:prstGeom prst="rect">
@@ -4475,7 +3711,7 @@
         </p:nvSpPr>
         <p:spPr>
           <a:xfrm>
-            <a:off x="467544" y="1059582"/>
+            <a:off x="467544" y="1059584"/>
             <a:ext cx="8064896" cy="3726415"/>
           </a:xfrm>
         </p:spPr>
@@ -4595,7 +3831,7 @@
         </p:blipFill>
         <p:spPr>
           <a:xfrm>
-            <a:off x="467544" y="2058883"/>
+            <a:off x="467548" y="2058885"/>
             <a:ext cx="5523683" cy="1727812"/>
           </a:xfrm>
           <a:prstGeom prst="rect">
@@ -4687,7 +3923,7 @@
         </p:nvSpPr>
         <p:spPr>
           <a:xfrm>
-            <a:off x="467544" y="1059582"/>
+            <a:off x="467544" y="1059584"/>
             <a:ext cx="8064896" cy="3726415"/>
           </a:xfrm>
         </p:spPr>
@@ -4778,7 +4014,7 @@
         </p:blipFill>
         <p:spPr>
           <a:xfrm>
-            <a:off x="539552" y="1995876"/>
+            <a:off x="539556" y="1995876"/>
             <a:ext cx="7423303" cy="2271876"/>
           </a:xfrm>
           <a:prstGeom prst="rect">
@@ -4870,7 +4106,7 @@
         </p:nvSpPr>
         <p:spPr>
           <a:xfrm>
-            <a:off x="467544" y="1059582"/>
+            <a:off x="467544" y="1059584"/>
             <a:ext cx="8064896" cy="3726415"/>
           </a:xfrm>
         </p:spPr>
@@ -5382,7 +4618,7 @@
         </p:nvSpPr>
         <p:spPr>
           <a:xfrm>
-            <a:off x="467544" y="1059582"/>
+            <a:off x="467544" y="1059584"/>
             <a:ext cx="8064896" cy="3726415"/>
           </a:xfrm>
         </p:spPr>
@@ -5948,20 +5184,33 @@
           <a:p>
             <a:r>
               <a:rPr lang="en-US" altLang="zh-CN" dirty="0" smtClean="0"/>
-              <a:t>	</a:t>
+              <a:t>	2</a:t>
             </a:r>
             <a:r>
               <a:rPr lang="en-US" altLang="zh-CN" dirty="0" smtClean="0"/>
-              <a:t>2</a:t>
-            </a:r>
-            <a:r>
-              <a:rPr lang="en-US" altLang="zh-CN" dirty="0"/>
-              <a:t>. SQL</a:t>
-            </a:r>
-            <a:r>
-              <a:rPr lang="zh-CN" altLang="en-US" dirty="0"/>
-              <a:t>性能优化十条经验</a:t>
-            </a:r>
+              <a:t>.</a:t>
+            </a:r>
+            <a:r>
+              <a:rPr lang="zh-CN" altLang="en-US" b="1" dirty="0">
+                <a:solidFill>
+                  <a:schemeClr val="bg1"/>
+                </a:solidFill>
+              </a:rPr>
+              <a:t>网络爬虫</a:t>
+            </a:r>
+            <a:r>
+              <a:rPr lang="zh-CN" altLang="en-US" b="1" dirty="0" smtClean="0">
+                <a:solidFill>
+                  <a:schemeClr val="bg1"/>
+                </a:solidFill>
+              </a:rPr>
+              <a:t>意义</a:t>
+            </a:r>
+            <a:endParaRPr lang="zh-CN" altLang="en-US" b="1" dirty="0">
+              <a:solidFill>
+                <a:schemeClr val="bg1"/>
+              </a:solidFill>
+            </a:endParaRPr>
           </a:p>
         </p:txBody>
       </p:sp>
@@ -6003,20 +5252,21 @@
           <a:p>
             <a:r>
               <a:rPr lang="en-US" altLang="zh-CN" dirty="0" smtClean="0"/>
-              <a:t>	</a:t>
-            </a:r>
-            <a:r>
-              <a:rPr lang="en-US" altLang="zh-CN" dirty="0" smtClean="0"/>
-              <a:t>3</a:t>
+              <a:t>	3</a:t>
             </a:r>
             <a:r>
               <a:rPr lang="en-US" altLang="zh-CN" dirty="0" smtClean="0"/>
               <a:t>.</a:t>
             </a:r>
             <a:r>
-              <a:rPr lang="zh-CN" altLang="en-US" dirty="0"/>
-              <a:t>数据库性能监视</a:t>
-            </a:r>
+              <a:rPr lang="zh-CN" altLang="en-US" b="1" dirty="0">
+                <a:solidFill>
+                  <a:schemeClr val="bg1"/>
+                </a:solidFill>
+              </a:rPr>
+              <a:t>面临的问题</a:t>
+            </a:r>
+            <a:endParaRPr lang="zh-CN" altLang="en-US" dirty="0"/>
           </a:p>
         </p:txBody>
       </p:sp>
@@ -6058,21 +5308,33 @@
           <a:p>
             <a:r>
               <a:rPr lang="en-US" altLang="zh-CN" dirty="0" smtClean="0"/>
-              <a:t>	</a:t>
-            </a:r>
-            <a:r>
-              <a:rPr lang="en-US" altLang="zh-CN" dirty="0" smtClean="0"/>
-              <a:t>1</a:t>
+              <a:t>	1</a:t>
             </a:r>
             <a:r>
               <a:rPr lang="en-US" altLang="zh-CN" dirty="0" smtClean="0"/>
               <a:t>.</a:t>
             </a:r>
             <a:r>
-              <a:rPr lang="zh-CN" altLang="en-US" dirty="0" smtClean="0"/>
-              <a:t>数据库性能瓶颈</a:t>
-            </a:r>
-            <a:endParaRPr lang="zh-CN" altLang="en-US" dirty="0"/>
+              <a:rPr lang="zh-CN" altLang="en-US" b="1" dirty="0">
+                <a:solidFill>
+                  <a:schemeClr val="bg1"/>
+                </a:solidFill>
+              </a:rPr>
+              <a:t>网络爬虫</a:t>
+            </a:r>
+            <a:r>
+              <a:rPr lang="zh-CN" altLang="en-US" b="1" dirty="0" smtClean="0">
+                <a:solidFill>
+                  <a:schemeClr val="bg1"/>
+                </a:solidFill>
+              </a:rPr>
+              <a:t>简述</a:t>
+            </a:r>
+            <a:endParaRPr lang="zh-CN" altLang="en-US" b="1" dirty="0">
+              <a:solidFill>
+                <a:schemeClr val="bg1"/>
+              </a:solidFill>
+            </a:endParaRPr>
           </a:p>
         </p:txBody>
       </p:sp>
@@ -6113,34 +5375,26 @@
           <a:lstStyle/>
           <a:p>
             <a:r>
-              <a:rPr lang="en-US" altLang="zh-CN" smtClean="0"/>
-              <a:t>	</a:t>
-            </a:r>
-            <a:r>
-              <a:rPr lang="en-US" altLang="zh-CN" smtClean="0"/>
-              <a:t>4</a:t>
+              <a:rPr lang="en-US" altLang="zh-CN" dirty="0" smtClean="0"/>
+              <a:t>	4</a:t>
             </a:r>
             <a:r>
               <a:rPr lang="en-US" altLang="zh-CN" dirty="0" smtClean="0"/>
               <a:t>.</a:t>
             </a:r>
             <a:r>
-              <a:rPr lang="zh-CN" altLang="en-US" dirty="0"/>
-              <a:t>好</a:t>
-            </a:r>
-            <a:r>
-              <a:rPr lang="zh-CN" altLang="en-US" dirty="0" smtClean="0"/>
-              <a:t>用的</a:t>
-            </a:r>
-            <a:r>
-              <a:rPr lang="en-US" altLang="zh-CN" dirty="0" smtClean="0"/>
-              <a:t>SQL</a:t>
-            </a:r>
-            <a:r>
-              <a:rPr lang="zh-CN" altLang="en-US" dirty="0" smtClean="0"/>
-              <a:t>语句推荐</a:t>
-            </a:r>
-            <a:endParaRPr lang="zh-CN" altLang="en-US" dirty="0"/>
+              <a:rPr lang="zh-CN" altLang="en-US" b="1" dirty="0">
+                <a:solidFill>
+                  <a:schemeClr val="bg1"/>
+                </a:solidFill>
+              </a:rPr>
+              <a:t>网络爬虫分类</a:t>
+            </a:r>
+            <a:endParaRPr lang="zh-CN" altLang="en-US" b="1" dirty="0">
+              <a:solidFill>
+                <a:schemeClr val="bg1"/>
+              </a:solidFill>
+            </a:endParaRPr>
           </a:p>
         </p:txBody>
       </p:sp>
@@ -6192,25 +5446,17 @@
           <a:lstStyle/>
           <a:p>
             <a:r>
-              <a:rPr lang="zh-CN" altLang="en-US" dirty="0">
-                <a:latin typeface="微软雅黑" panose="020B0503020204020204" pitchFamily="34" charset="-122"/>
-                <a:ea typeface="微软雅黑" panose="020B0503020204020204" pitchFamily="34" charset="-122"/>
-              </a:rPr>
-              <a:t>硬件</a:t>
-            </a:r>
-            <a:r>
-              <a:rPr lang="zh-CN" altLang="en-US" dirty="0" smtClean="0">
-                <a:latin typeface="微软雅黑" panose="020B0503020204020204" pitchFamily="34" charset="-122"/>
-                <a:ea typeface="微软雅黑" panose="020B0503020204020204" pitchFamily="34" charset="-122"/>
-              </a:rPr>
-              <a:t>性能瓶颈</a:t>
-            </a:r>
-            <a:endParaRPr lang="en-US" altLang="zh-CN" dirty="0">
-              <a:latin typeface="微软雅黑" panose="020B0503020204020204" pitchFamily="34" charset="-122"/>
-              <a:ea typeface="微软雅黑" panose="020B0503020204020204" pitchFamily="34" charset="-122"/>
-            </a:endParaRPr>
-          </a:p>
-          <a:p>
+              <a:rPr lang="zh-CN" altLang="en-US" dirty="0"/>
+              <a:t>网络爬虫概述</a:t>
+            </a:r>
+            <a:r>
+              <a:rPr lang="en-US" altLang="zh-CN" dirty="0"/>
+              <a:t>-</a:t>
+            </a:r>
+            <a:r>
+              <a:rPr lang="zh-CN" altLang="en-US" dirty="0"/>
+              <a:t>定义</a:t>
+            </a:r>
             <a:endParaRPr lang="zh-TW" altLang="en-US" dirty="0"/>
           </a:p>
         </p:txBody>
@@ -6232,251 +5478,161 @@
           </a:bodyPr>
           <a:lstStyle/>
           <a:p>
-            <a:r>
-              <a:rPr lang="zh-CN" altLang="en-US" sz="1800" dirty="0">
-                <a:latin typeface="微软雅黑" panose="020B0503020204020204" pitchFamily="34" charset="-122"/>
-                <a:ea typeface="微软雅黑" panose="020B0503020204020204" pitchFamily="34" charset="-122"/>
-              </a:rPr>
-              <a:t>引起性能瓶颈的因素（硬件）</a:t>
-            </a:r>
-          </a:p>
-          <a:p>
+            <a:pPr marL="0" indent="0" defTabSz="825458">
+              <a:lnSpc>
+                <a:spcPct val="140000"/>
+              </a:lnSpc>
+              <a:buClr>
+                <a:srgbClr val="35B558"/>
+              </a:buClr>
+              <a:buSzPct val="105000"/>
+              <a:buNone/>
+              <a:defRPr/>
+            </a:pPr>
+            <a:r>
+              <a:rPr lang="zh-CN" altLang="en-US" sz="1800" dirty="0" smtClean="0">
+                <a:latin typeface="Noto Sans CJK SC Regular" pitchFamily="34" charset="-122"/>
+                <a:ea typeface="Noto Sans CJK SC Regular" pitchFamily="34" charset="-122"/>
+              </a:rPr>
+              <a:t>   </a:t>
+            </a:r>
+            <a:r>
+              <a:rPr lang="zh-CN" altLang="en-US" sz="2000" dirty="0" smtClean="0">
+                <a:latin typeface="+mj-ea"/>
+                <a:ea typeface="+mj-ea"/>
+              </a:rPr>
+              <a:t>网络</a:t>
+            </a:r>
+            <a:r>
+              <a:rPr lang="zh-CN" altLang="en-US" sz="2000" dirty="0">
+                <a:latin typeface="+mj-ea"/>
+                <a:ea typeface="+mj-ea"/>
+              </a:rPr>
+              <a:t>爬虫又被成为网页蜘蛛、网络机器人，是一种按照一定规则自动抓取万维网的程序或脚本</a:t>
+            </a:r>
+            <a:r>
+              <a:rPr lang="zh-CN" altLang="en-US" sz="2000" dirty="0" smtClean="0">
+                <a:latin typeface="+mj-ea"/>
+                <a:ea typeface="+mj-ea"/>
+              </a:rPr>
+              <a:t>。</a:t>
+            </a:r>
+            <a:endParaRPr lang="en-US" altLang="zh-CN" sz="2000" dirty="0">
+              <a:latin typeface="+mj-ea"/>
+              <a:ea typeface="+mj-ea"/>
+            </a:endParaRPr>
+          </a:p>
+          <a:p>
+            <a:pPr marL="0" indent="0" defTabSz="825458">
+              <a:lnSpc>
+                <a:spcPct val="140000"/>
+              </a:lnSpc>
+              <a:buClr>
+                <a:srgbClr val="35B558"/>
+              </a:buClr>
+              <a:buSzPct val="105000"/>
+              <a:buNone/>
+              <a:defRPr/>
+            </a:pPr>
             <a:endParaRPr lang="zh-CN" altLang="en-US" sz="1800" dirty="0">
               <a:latin typeface="微软雅黑" panose="020B0503020204020204" pitchFamily="34" charset="-122"/>
               <a:ea typeface="微软雅黑" panose="020B0503020204020204" pitchFamily="34" charset="-122"/>
             </a:endParaRPr>
           </a:p>
           <a:p>
+            <a:pPr lvl="1"/>
+            <a:r>
+              <a:rPr lang="zh-CN" altLang="en-US" sz="1600" dirty="0" smtClean="0">
+                <a:latin typeface="Noto Sans CJK SC Regular" pitchFamily="34" charset="-122"/>
+                <a:ea typeface="Noto Sans CJK SC Regular" pitchFamily="34" charset="-122"/>
+              </a:rPr>
+              <a:t>一定</a:t>
+            </a:r>
+            <a:r>
+              <a:rPr lang="zh-CN" altLang="en-US" sz="1600" dirty="0">
+                <a:latin typeface="Noto Sans CJK SC Regular" pitchFamily="34" charset="-122"/>
+                <a:ea typeface="Noto Sans CJK SC Regular" pitchFamily="34" charset="-122"/>
+              </a:rPr>
+              <a:t>的</a:t>
+            </a:r>
+            <a:r>
+              <a:rPr lang="zh-CN" altLang="en-US" sz="1600" dirty="0" smtClean="0">
+                <a:latin typeface="Noto Sans CJK SC Regular" pitchFamily="34" charset="-122"/>
+                <a:ea typeface="Noto Sans CJK SC Regular" pitchFamily="34" charset="-122"/>
+              </a:rPr>
+              <a:t>规则</a:t>
+            </a:r>
+            <a:endParaRPr lang="en-US" altLang="zh-CN" sz="1600" dirty="0" smtClean="0">
+              <a:latin typeface="Noto Sans CJK SC Regular" pitchFamily="34" charset="-122"/>
+              <a:ea typeface="Noto Sans CJK SC Regular" pitchFamily="34" charset="-122"/>
+            </a:endParaRPr>
+          </a:p>
+          <a:p>
+            <a:pPr lvl="1"/>
+            <a:endParaRPr lang="en-US" altLang="zh-CN" sz="1600" dirty="0">
+              <a:latin typeface="Noto Sans CJK SC Regular" pitchFamily="34" charset="-122"/>
+              <a:ea typeface="Noto Sans CJK SC Regular" pitchFamily="34" charset="-122"/>
+            </a:endParaRPr>
+          </a:p>
+          <a:p>
+            <a:pPr lvl="1"/>
+            <a:r>
+              <a:rPr lang="zh-CN" altLang="en-US" sz="1600" dirty="0" smtClean="0">
+                <a:latin typeface="Noto Sans CJK SC Regular" pitchFamily="34" charset="-122"/>
+                <a:ea typeface="Noto Sans CJK SC Regular" pitchFamily="34" charset="-122"/>
+              </a:rPr>
+              <a:t>自动抓取</a:t>
+            </a:r>
+            <a:endParaRPr lang="en-US" altLang="zh-CN" sz="1600" dirty="0" smtClean="0">
+              <a:latin typeface="Noto Sans CJK SC Regular" pitchFamily="34" charset="-122"/>
+              <a:ea typeface="Noto Sans CJK SC Regular" pitchFamily="34" charset="-122"/>
+            </a:endParaRPr>
+          </a:p>
+          <a:p>
+            <a:pPr lvl="1"/>
+            <a:endParaRPr lang="en-US" altLang="zh-CN" sz="1600" dirty="0">
+              <a:latin typeface="Noto Sans CJK SC Regular" pitchFamily="34" charset="-122"/>
+              <a:ea typeface="Noto Sans CJK SC Regular" pitchFamily="34" charset="-122"/>
+            </a:endParaRPr>
+          </a:p>
+          <a:p>
+            <a:pPr lvl="1"/>
+            <a:r>
+              <a:rPr lang="zh-CN" altLang="en-US" sz="1600" dirty="0" smtClean="0">
+                <a:latin typeface="Noto Sans CJK SC Regular" pitchFamily="34" charset="-122"/>
+                <a:ea typeface="Noto Sans CJK SC Regular" pitchFamily="34" charset="-122"/>
+              </a:rPr>
+              <a:t>网络资源</a:t>
+            </a:r>
+            <a:endParaRPr lang="en-US" altLang="zh-CN" sz="1600" dirty="0">
+              <a:latin typeface="Noto Sans CJK SC Regular" pitchFamily="34" charset="-122"/>
+              <a:ea typeface="Noto Sans CJK SC Regular" pitchFamily="34" charset="-122"/>
+            </a:endParaRPr>
+          </a:p>
+          <a:p>
+            <a:pPr lvl="1"/>
+            <a:endParaRPr lang="en-US" altLang="zh-CN" sz="1600" dirty="0" smtClean="0">
+              <a:latin typeface="Noto Sans CJK SC Regular" pitchFamily="34" charset="-122"/>
+              <a:ea typeface="Noto Sans CJK SC Regular" pitchFamily="34" charset="-122"/>
+            </a:endParaRPr>
+          </a:p>
+          <a:p>
+            <a:pPr lvl="1"/>
+            <a:r>
+              <a:rPr lang="zh-CN" altLang="en-US" sz="1600" dirty="0" smtClean="0">
+                <a:latin typeface="Noto Sans CJK SC Regular" pitchFamily="34" charset="-122"/>
+                <a:ea typeface="Noto Sans CJK SC Regular" pitchFamily="34" charset="-122"/>
+              </a:rPr>
+              <a:t>程序或脚本</a:t>
+            </a:r>
+            <a:endParaRPr lang="en-US" altLang="zh-CN" sz="1600" dirty="0">
+              <a:latin typeface="Noto Sans CJK SC Regular" pitchFamily="34" charset="-122"/>
+              <a:ea typeface="Noto Sans CJK SC Regular" pitchFamily="34" charset="-122"/>
+            </a:endParaRPr>
+          </a:p>
+          <a:p>
             <a:pPr>
               <a:buFont typeface="Wingdings" panose="05000000000000000000" pitchFamily="2" charset="2"/>
-              <a:buNone/>
-            </a:pPr>
-            <a:r>
-              <a:rPr lang="zh-CN" altLang="en-US" sz="1800" dirty="0">
-                <a:latin typeface="微软雅黑" panose="020B0503020204020204" pitchFamily="34" charset="-122"/>
-                <a:ea typeface="微软雅黑" panose="020B0503020204020204" pitchFamily="34" charset="-122"/>
-              </a:rPr>
-              <a:t>	</a:t>
-            </a:r>
-            <a:r>
-              <a:rPr lang="zh-CN" altLang="en-US" sz="1800" dirty="0" smtClean="0">
-                <a:latin typeface="微软雅黑" panose="020B0503020204020204" pitchFamily="34" charset="-122"/>
-                <a:ea typeface="微软雅黑" panose="020B0503020204020204" pitchFamily="34" charset="-122"/>
-              </a:rPr>
-              <a:t>网络       </a:t>
-            </a:r>
-            <a:r>
-              <a:rPr lang="en-US" altLang="zh-CN" sz="1800" dirty="0" smtClean="0">
-                <a:latin typeface="微软雅黑" panose="020B0503020204020204" pitchFamily="34" charset="-122"/>
-                <a:ea typeface="微软雅黑" panose="020B0503020204020204" pitchFamily="34" charset="-122"/>
-              </a:rPr>
-              <a:t>: </a:t>
-            </a:r>
-            <a:r>
-              <a:rPr lang="zh-CN" altLang="en-US" sz="1800" dirty="0" smtClean="0">
-                <a:latin typeface="微软雅黑" panose="020B0503020204020204" pitchFamily="34" charset="-122"/>
-                <a:ea typeface="微软雅黑" panose="020B0503020204020204" pitchFamily="34" charset="-122"/>
-              </a:rPr>
-              <a:t>是否</a:t>
-            </a:r>
-            <a:r>
-              <a:rPr lang="zh-CN" altLang="en-US" sz="1800" dirty="0">
-                <a:latin typeface="微软雅黑" panose="020B0503020204020204" pitchFamily="34" charset="-122"/>
-                <a:ea typeface="微软雅黑" panose="020B0503020204020204" pitchFamily="34" charset="-122"/>
-              </a:rPr>
-              <a:t>存在不稳定现象</a:t>
-            </a:r>
-          </a:p>
-          <a:p>
-            <a:pPr>
-              <a:buFont typeface="Wingdings" panose="05000000000000000000" pitchFamily="2" charset="2"/>
-              <a:buNone/>
-            </a:pPr>
-            <a:endParaRPr lang="zh-CN" altLang="en-US" sz="1800" dirty="0">
-              <a:latin typeface="微软雅黑" panose="020B0503020204020204" pitchFamily="34" charset="-122"/>
-              <a:ea typeface="微软雅黑" panose="020B0503020204020204" pitchFamily="34" charset="-122"/>
-            </a:endParaRPr>
-          </a:p>
-          <a:p>
-            <a:pPr>
-              <a:buFont typeface="Wingdings" panose="05000000000000000000" pitchFamily="2" charset="2"/>
-              <a:buNone/>
-            </a:pPr>
-            <a:r>
-              <a:rPr lang="zh-CN" altLang="en-US" sz="1800" dirty="0">
-                <a:latin typeface="微软雅黑" panose="020B0503020204020204" pitchFamily="34" charset="-122"/>
-                <a:ea typeface="微软雅黑" panose="020B0503020204020204" pitchFamily="34" charset="-122"/>
-              </a:rPr>
-              <a:t>	存储器</a:t>
-            </a:r>
-            <a:r>
-              <a:rPr lang="en-US" altLang="zh-CN" sz="1800" dirty="0" smtClean="0">
-                <a:latin typeface="微软雅黑" panose="020B0503020204020204" pitchFamily="34" charset="-122"/>
-                <a:ea typeface="微软雅黑" panose="020B0503020204020204" pitchFamily="34" charset="-122"/>
-              </a:rPr>
-              <a:t>IO: </a:t>
-            </a:r>
-            <a:r>
-              <a:rPr lang="zh-CN" altLang="en-US" sz="1800" dirty="0" smtClean="0">
-                <a:latin typeface="微软雅黑" panose="020B0503020204020204" pitchFamily="34" charset="-122"/>
-                <a:ea typeface="微软雅黑" panose="020B0503020204020204" pitchFamily="34" charset="-122"/>
-              </a:rPr>
-              <a:t>检查</a:t>
-            </a:r>
-            <a:r>
-              <a:rPr lang="zh-CN" altLang="en-US" sz="1800" dirty="0">
-                <a:latin typeface="微软雅黑" panose="020B0503020204020204" pitchFamily="34" charset="-122"/>
-                <a:ea typeface="微软雅黑" panose="020B0503020204020204" pitchFamily="34" charset="-122"/>
-              </a:rPr>
-              <a:t>服务器的</a:t>
-            </a:r>
-            <a:r>
-              <a:rPr lang="en-US" altLang="zh-CN" sz="1800" dirty="0">
-                <a:latin typeface="微软雅黑" panose="020B0503020204020204" pitchFamily="34" charset="-122"/>
-                <a:ea typeface="微软雅黑" panose="020B0503020204020204" pitchFamily="34" charset="-122"/>
-              </a:rPr>
-              <a:t>IO</a:t>
-            </a:r>
-            <a:r>
-              <a:rPr lang="zh-CN" altLang="en-US" sz="1800" dirty="0">
-                <a:latin typeface="微软雅黑" panose="020B0503020204020204" pitchFamily="34" charset="-122"/>
-                <a:ea typeface="微软雅黑" panose="020B0503020204020204" pitchFamily="34" charset="-122"/>
-              </a:rPr>
-              <a:t>是否存在异常，需要</a:t>
-            </a:r>
-            <a:r>
-              <a:rPr lang="en-US" altLang="zh-CN" sz="1800" dirty="0">
-                <a:latin typeface="微软雅黑" panose="020B0503020204020204" pitchFamily="34" charset="-122"/>
-                <a:ea typeface="微软雅黑" panose="020B0503020204020204" pitchFamily="34" charset="-122"/>
-              </a:rPr>
-              <a:t>DBA</a:t>
-            </a:r>
-            <a:r>
-              <a:rPr lang="zh-CN" altLang="en-US" sz="1800" dirty="0">
-                <a:latin typeface="微软雅黑" panose="020B0503020204020204" pitchFamily="34" charset="-122"/>
-                <a:ea typeface="微软雅黑" panose="020B0503020204020204" pitchFamily="34" charset="-122"/>
-              </a:rPr>
-              <a:t>的配合</a:t>
-            </a:r>
-          </a:p>
-          <a:p>
-            <a:pPr>
-              <a:buFont typeface="Wingdings" panose="05000000000000000000" pitchFamily="2" charset="2"/>
-              <a:buNone/>
-            </a:pPr>
-            <a:endParaRPr lang="zh-CN" altLang="en-US" sz="1800" dirty="0">
-              <a:latin typeface="微软雅黑" panose="020B0503020204020204" pitchFamily="34" charset="-122"/>
-              <a:ea typeface="微软雅黑" panose="020B0503020204020204" pitchFamily="34" charset="-122"/>
-            </a:endParaRPr>
-          </a:p>
-          <a:p>
-            <a:pPr>
-              <a:buFont typeface="Wingdings" panose="05000000000000000000" pitchFamily="2" charset="2"/>
-              <a:buNone/>
-            </a:pPr>
-            <a:r>
-              <a:rPr lang="zh-CN" altLang="en-US" sz="1800" dirty="0">
-                <a:latin typeface="微软雅黑" panose="020B0503020204020204" pitchFamily="34" charset="-122"/>
-                <a:ea typeface="微软雅黑" panose="020B0503020204020204" pitchFamily="34" charset="-122"/>
-              </a:rPr>
-              <a:t>	</a:t>
-            </a:r>
-            <a:r>
-              <a:rPr lang="zh-CN" altLang="en-US" sz="1800" dirty="0" smtClean="0">
-                <a:latin typeface="微软雅黑" panose="020B0503020204020204" pitchFamily="34" charset="-122"/>
-                <a:ea typeface="微软雅黑" panose="020B0503020204020204" pitchFamily="34" charset="-122"/>
-              </a:rPr>
-              <a:t>内存       </a:t>
-            </a:r>
-            <a:r>
-              <a:rPr lang="en-US" altLang="zh-CN" sz="1800" dirty="0" smtClean="0">
-                <a:latin typeface="微软雅黑" panose="020B0503020204020204" pitchFamily="34" charset="-122"/>
-                <a:ea typeface="微软雅黑" panose="020B0503020204020204" pitchFamily="34" charset="-122"/>
-              </a:rPr>
-              <a:t>: </a:t>
-            </a:r>
-            <a:r>
-              <a:rPr lang="zh-CN" altLang="en-US" sz="1800" dirty="0" smtClean="0">
-                <a:latin typeface="微软雅黑" panose="020B0503020204020204" pitchFamily="34" charset="-122"/>
-                <a:ea typeface="微软雅黑" panose="020B0503020204020204" pitchFamily="34" charset="-122"/>
-              </a:rPr>
-              <a:t>检查</a:t>
-            </a:r>
-            <a:r>
-              <a:rPr lang="zh-CN" altLang="en-US" sz="1800" dirty="0">
-                <a:latin typeface="微软雅黑" panose="020B0503020204020204" pitchFamily="34" charset="-122"/>
-                <a:ea typeface="微软雅黑" panose="020B0503020204020204" pitchFamily="34" charset="-122"/>
-              </a:rPr>
-              <a:t>服务器物理内存和交换内存的使用情况</a:t>
-            </a:r>
-          </a:p>
-          <a:p>
-            <a:pPr>
-              <a:buFont typeface="Wingdings" panose="05000000000000000000" pitchFamily="2" charset="2"/>
-              <a:buNone/>
-            </a:pPr>
-            <a:endParaRPr lang="zh-CN" altLang="en-US" sz="1800" dirty="0">
-              <a:latin typeface="微软雅黑" panose="020B0503020204020204" pitchFamily="34" charset="-122"/>
-              <a:ea typeface="微软雅黑" panose="020B0503020204020204" pitchFamily="34" charset="-122"/>
-            </a:endParaRPr>
-          </a:p>
-          <a:p>
-            <a:pPr>
-              <a:buFont typeface="Wingdings" panose="05000000000000000000" pitchFamily="2" charset="2"/>
-              <a:buNone/>
-            </a:pPr>
-            <a:r>
-              <a:rPr lang="zh-CN" altLang="en-US" sz="1800" dirty="0">
-                <a:latin typeface="微软雅黑" panose="020B0503020204020204" pitchFamily="34" charset="-122"/>
-                <a:ea typeface="微软雅黑" panose="020B0503020204020204" pitchFamily="34" charset="-122"/>
-              </a:rPr>
-              <a:t>	</a:t>
-            </a:r>
-            <a:r>
-              <a:rPr lang="en-US" altLang="zh-CN" sz="1800" dirty="0" smtClean="0">
-                <a:latin typeface="微软雅黑" panose="020B0503020204020204" pitchFamily="34" charset="-122"/>
-                <a:ea typeface="微软雅黑" panose="020B0503020204020204" pitchFamily="34" charset="-122"/>
-              </a:rPr>
-              <a:t>CPU</a:t>
-            </a:r>
-            <a:r>
-              <a:rPr lang="en-US" altLang="zh-CN" sz="1800" dirty="0">
-                <a:latin typeface="微软雅黑" panose="020B0503020204020204" pitchFamily="34" charset="-122"/>
-                <a:ea typeface="微软雅黑" panose="020B0503020204020204" pitchFamily="34" charset="-122"/>
-              </a:rPr>
-              <a:t> </a:t>
-            </a:r>
-            <a:r>
-              <a:rPr lang="en-US" altLang="zh-CN" sz="1800" dirty="0" smtClean="0">
-                <a:latin typeface="微软雅黑" panose="020B0503020204020204" pitchFamily="34" charset="-122"/>
-                <a:ea typeface="微软雅黑" panose="020B0503020204020204" pitchFamily="34" charset="-122"/>
-              </a:rPr>
-              <a:t>      : </a:t>
-            </a:r>
-            <a:r>
-              <a:rPr lang="zh-CN" altLang="en-US" sz="1800" dirty="0" smtClean="0">
-                <a:latin typeface="微软雅黑" panose="020B0503020204020204" pitchFamily="34" charset="-122"/>
-                <a:ea typeface="微软雅黑" panose="020B0503020204020204" pitchFamily="34" charset="-122"/>
-              </a:rPr>
-              <a:t>检查</a:t>
-            </a:r>
-            <a:r>
-              <a:rPr lang="en-US" altLang="zh-CN" sz="1800" dirty="0">
-                <a:latin typeface="微软雅黑" panose="020B0503020204020204" pitchFamily="34" charset="-122"/>
-                <a:ea typeface="微软雅黑" panose="020B0503020204020204" pitchFamily="34" charset="-122"/>
-              </a:rPr>
-              <a:t>CPU</a:t>
-            </a:r>
-            <a:r>
-              <a:rPr lang="zh-CN" altLang="en-US" sz="1800" dirty="0">
-                <a:latin typeface="微软雅黑" panose="020B0503020204020204" pitchFamily="34" charset="-122"/>
-                <a:ea typeface="微软雅黑" panose="020B0503020204020204" pitchFamily="34" charset="-122"/>
-              </a:rPr>
-              <a:t>的利用率</a:t>
-            </a:r>
-          </a:p>
-          <a:p>
-            <a:pPr marL="0" indent="0">
               <a:buNone/>
             </a:pPr>
             <a:endParaRPr lang="en-US" altLang="zh-CN" sz="1800" dirty="0" smtClean="0"/>
@@ -6533,25 +5689,8 @@
           <a:lstStyle/>
           <a:p>
             <a:r>
-              <a:rPr lang="en-US" altLang="zh-CN" dirty="0" smtClean="0">
-                <a:latin typeface="微软雅黑" panose="020B0503020204020204" pitchFamily="34" charset="-122"/>
-                <a:ea typeface="微软雅黑" panose="020B0503020204020204" pitchFamily="34" charset="-122"/>
-              </a:rPr>
-              <a:t>SQL</a:t>
-            </a:r>
-            <a:r>
-              <a:rPr lang="zh-CN" altLang="en-US" dirty="0" smtClean="0">
-                <a:latin typeface="微软雅黑" panose="020B0503020204020204" pitchFamily="34" charset="-122"/>
-                <a:ea typeface="微软雅黑" panose="020B0503020204020204" pitchFamily="34" charset="-122"/>
-              </a:rPr>
-              <a:t>性能</a:t>
-            </a:r>
-            <a:r>
-              <a:rPr lang="zh-CN" altLang="en-US" dirty="0">
-                <a:latin typeface="微软雅黑" panose="020B0503020204020204" pitchFamily="34" charset="-122"/>
-                <a:ea typeface="微软雅黑" panose="020B0503020204020204" pitchFamily="34" charset="-122"/>
-              </a:rPr>
-              <a:t>瓶颈</a:t>
+              <a:rPr lang="zh-CN" altLang="en-US" dirty="0"/>
+              <a:t>网络爬虫概述</a:t>
             </a:r>
             <a:endParaRPr lang="zh-TW" altLang="en-US" dirty="0">
               <a:latin typeface="微软雅黑" panose="020B0503020204020204" pitchFamily="34" charset="-122"/>
@@ -6570,190 +5709,510 @@
             <p:ph sz="quarter" idx="22"/>
           </p:nvPr>
         </p:nvSpPr>
-        <p:spPr/>
+        <p:spPr>
+          <a:xfrm>
+            <a:off x="467544" y="1221601"/>
+            <a:ext cx="8568952" cy="3726415"/>
+          </a:xfrm>
+        </p:spPr>
         <p:txBody>
           <a:bodyPr>
             <a:normAutofit/>
           </a:bodyPr>
           <a:lstStyle/>
           <a:p>
-            <a:r>
-              <a:rPr lang="zh-CN" altLang="en-US" sz="1800" b="1" dirty="0">
-                <a:latin typeface="+mj-ea"/>
-                <a:ea typeface="+mj-ea"/>
-              </a:rPr>
-              <a:t>逻辑算法</a:t>
-            </a:r>
-          </a:p>
-          <a:p>
-            <a:pPr>
-              <a:buFont typeface="Wingdings" panose="05000000000000000000" pitchFamily="2" charset="2"/>
-              <a:buNone/>
-            </a:pPr>
-            <a:r>
-              <a:rPr lang="zh-CN" altLang="en-US" sz="1800" dirty="0">
-                <a:latin typeface="+mj-ea"/>
-                <a:ea typeface="+mj-ea"/>
-              </a:rPr>
-              <a:t>		</a:t>
-            </a:r>
-            <a:r>
-              <a:rPr lang="en-US" altLang="zh-CN" sz="1800" dirty="0">
-                <a:latin typeface="+mj-ea"/>
-                <a:ea typeface="+mj-ea"/>
-              </a:rPr>
-              <a:t>20%</a:t>
-            </a:r>
-            <a:r>
-              <a:rPr lang="zh-CN" altLang="en-US" sz="1800" dirty="0">
-                <a:latin typeface="+mj-ea"/>
-                <a:ea typeface="+mj-ea"/>
-              </a:rPr>
-              <a:t>的性能问题可以由修改算法来得到</a:t>
-            </a:r>
-            <a:r>
-              <a:rPr lang="zh-CN" altLang="en-US" sz="1800" dirty="0" smtClean="0">
-                <a:latin typeface="+mj-ea"/>
-                <a:ea typeface="+mj-ea"/>
-              </a:rPr>
-              <a:t>改善</a:t>
-            </a:r>
+            <a:pPr marL="0" indent="0">
+              <a:buNone/>
+            </a:pPr>
             <a:endParaRPr lang="zh-CN" altLang="en-US" sz="1800" dirty="0">
               <a:latin typeface="+mj-ea"/>
               <a:ea typeface="+mj-ea"/>
             </a:endParaRPr>
           </a:p>
-          <a:p>
-            <a:pPr>
-              <a:buFont typeface="Wingdings" panose="05000000000000000000" pitchFamily="2" charset="2"/>
-              <a:buNone/>
-            </a:pPr>
-            <a:r>
-              <a:rPr lang="zh-CN" altLang="en-US" sz="1800" dirty="0">
-                <a:latin typeface="+mj-ea"/>
-                <a:ea typeface="+mj-ea"/>
-              </a:rPr>
-              <a:t>	算法的调整涉及到设计的修改，牵涉到的面比较广，有时候可能导致架构的变更：如表结构、计算方法等</a:t>
-            </a:r>
-            <a:r>
-              <a:rPr lang="zh-CN" altLang="en-US" sz="1800" dirty="0" smtClean="0">
-                <a:latin typeface="+mj-ea"/>
-                <a:ea typeface="+mj-ea"/>
-              </a:rPr>
-              <a:t>。</a:t>
-            </a:r>
-            <a:endParaRPr lang="en-US" altLang="zh-CN" sz="1800" dirty="0" smtClean="0">
-              <a:latin typeface="+mj-ea"/>
-              <a:ea typeface="+mj-ea"/>
-            </a:endParaRPr>
-          </a:p>
-          <a:p>
-            <a:pPr>
-              <a:buFont typeface="Wingdings" panose="05000000000000000000" pitchFamily="2" charset="2"/>
-              <a:buNone/>
-            </a:pPr>
-            <a:endParaRPr lang="zh-CN" altLang="en-US" sz="1800" dirty="0">
-              <a:latin typeface="+mj-ea"/>
-              <a:ea typeface="+mj-ea"/>
-            </a:endParaRPr>
-          </a:p>
-          <a:p>
-            <a:r>
-              <a:rPr lang="en-US" altLang="zh-CN" sz="1800" b="1" dirty="0">
-                <a:latin typeface="+mj-ea"/>
-                <a:ea typeface="+mj-ea"/>
-              </a:rPr>
-              <a:t>SQL</a:t>
-            </a:r>
-            <a:r>
-              <a:rPr lang="zh-CN" altLang="en-US" sz="1800" b="1" dirty="0">
-                <a:latin typeface="+mj-ea"/>
-                <a:ea typeface="+mj-ea"/>
-              </a:rPr>
-              <a:t>语句</a:t>
-            </a:r>
-          </a:p>
-          <a:p>
-            <a:pPr>
-              <a:buFont typeface="Wingdings" panose="05000000000000000000" pitchFamily="2" charset="2"/>
-              <a:buNone/>
-            </a:pPr>
-            <a:r>
-              <a:rPr lang="zh-CN" altLang="en-US" sz="1800" dirty="0">
-                <a:latin typeface="+mj-ea"/>
-                <a:ea typeface="+mj-ea"/>
-              </a:rPr>
-              <a:t>		</a:t>
-            </a:r>
-            <a:r>
-              <a:rPr lang="en-US" altLang="zh-CN" sz="1800" dirty="0">
-                <a:latin typeface="+mj-ea"/>
-                <a:ea typeface="+mj-ea"/>
-              </a:rPr>
-              <a:t>80%</a:t>
-            </a:r>
-            <a:r>
-              <a:rPr lang="zh-CN" altLang="en-US" sz="1800" dirty="0">
-                <a:latin typeface="+mj-ea"/>
-                <a:ea typeface="+mj-ea"/>
-              </a:rPr>
-              <a:t>的性能问题是因为</a:t>
-            </a:r>
-            <a:r>
-              <a:rPr lang="en-US" altLang="zh-CN" sz="1800" dirty="0">
-                <a:latin typeface="+mj-ea"/>
-                <a:ea typeface="+mj-ea"/>
-              </a:rPr>
-              <a:t>SQL</a:t>
-            </a:r>
-            <a:r>
-              <a:rPr lang="zh-CN" altLang="en-US" sz="1800" dirty="0">
-                <a:latin typeface="+mj-ea"/>
-                <a:ea typeface="+mj-ea"/>
-              </a:rPr>
-              <a:t>引起</a:t>
-            </a:r>
-            <a:r>
-              <a:rPr lang="zh-CN" altLang="en-US" sz="1800" dirty="0" smtClean="0">
-                <a:latin typeface="+mj-ea"/>
-                <a:ea typeface="+mj-ea"/>
-              </a:rPr>
-              <a:t>的</a:t>
-            </a:r>
-            <a:endParaRPr lang="zh-CN" altLang="en-US" sz="1800" dirty="0">
-              <a:latin typeface="+mj-ea"/>
-              <a:ea typeface="+mj-ea"/>
-            </a:endParaRPr>
-          </a:p>
-          <a:p>
-            <a:pPr>
-              <a:buFont typeface="Wingdings" panose="05000000000000000000" pitchFamily="2" charset="2"/>
-              <a:buNone/>
-            </a:pPr>
-            <a:r>
-              <a:rPr lang="zh-CN" altLang="en-US" sz="1800" dirty="0">
-                <a:latin typeface="+mj-ea"/>
-                <a:ea typeface="+mj-ea"/>
-              </a:rPr>
-              <a:t>	需要</a:t>
-            </a:r>
-            <a:r>
-              <a:rPr lang="en-US" altLang="zh-CN" sz="1800" dirty="0">
-                <a:latin typeface="+mj-ea"/>
-                <a:ea typeface="+mj-ea"/>
-              </a:rPr>
-              <a:t>DBA</a:t>
-            </a:r>
-            <a:r>
-              <a:rPr lang="zh-CN" altLang="en-US" sz="1800" dirty="0">
-                <a:latin typeface="+mj-ea"/>
-                <a:ea typeface="+mj-ea"/>
-              </a:rPr>
-              <a:t>全力配合，有时候需要调整数据库的整体参数。</a:t>
-            </a:r>
-          </a:p>
         </p:txBody>
       </p:sp>
+      <p:sp>
+        <p:nvSpPr>
+          <p:cNvPr id="4" name="标题 3"/>
+          <p:cNvSpPr txBox="1">
+            <a:spLocks/>
+          </p:cNvSpPr>
+          <p:nvPr/>
+        </p:nvSpPr>
+        <p:spPr>
+          <a:xfrm>
+            <a:off x="427512" y="180754"/>
+            <a:ext cx="8360228" cy="674270"/>
+          </a:xfrm>
+          <a:prstGeom prst="rect">
+            <a:avLst/>
+          </a:prstGeom>
+        </p:spPr>
+        <p:txBody>
+          <a:bodyPr/>
+          <a:lstStyle>
+            <a:lvl1pPr algn="l" defTabSz="914400" rtl="0" eaLnBrk="1" latinLnBrk="0" hangingPunct="1">
+              <a:spcBef>
+                <a:spcPct val="0"/>
+              </a:spcBef>
+              <a:buNone/>
+              <a:defRPr sz="3600" kern="1200">
+                <a:solidFill>
+                  <a:srgbClr val="492582"/>
+                </a:solidFill>
+                <a:latin typeface="+mj-lt"/>
+                <a:ea typeface="+mj-ea"/>
+                <a:cs typeface="+mj-cs"/>
+              </a:defRPr>
+            </a:lvl1pPr>
+          </a:lstStyle>
+          <a:p>
+            <a:endParaRPr lang="zh-CN" altLang="en-US" dirty="0"/>
+          </a:p>
+        </p:txBody>
+      </p:sp>
+      <p:sp>
+        <p:nvSpPr>
+          <p:cNvPr id="5" name="圆角矩形 4"/>
+          <p:cNvSpPr/>
+          <p:nvPr/>
+        </p:nvSpPr>
+        <p:spPr>
+          <a:xfrm>
+            <a:off x="523590" y="2379370"/>
+            <a:ext cx="1277028" cy="904741"/>
+          </a:xfrm>
+          <a:prstGeom prst="roundRect">
+            <a:avLst/>
+          </a:prstGeom>
+        </p:spPr>
+        <p:style>
+          <a:lnRef idx="2">
+            <a:schemeClr val="accent1">
+              <a:shade val="50000"/>
+            </a:schemeClr>
+          </a:lnRef>
+          <a:fillRef idx="1">
+            <a:schemeClr val="accent1"/>
+          </a:fillRef>
+          <a:effectRef idx="0">
+            <a:schemeClr val="accent1"/>
+          </a:effectRef>
+          <a:fontRef idx="minor">
+            <a:schemeClr val="lt1"/>
+          </a:fontRef>
+        </p:style>
+        <p:txBody>
+          <a:bodyPr rtlCol="0" anchor="ctr"/>
+          <a:lstStyle/>
+          <a:p>
+            <a:pPr algn="ctr"/>
+            <a:r>
+              <a:rPr lang="zh-CN" altLang="en-US" sz="1600" dirty="0" smtClean="0"/>
+              <a:t>爬虫调度器</a:t>
+            </a:r>
+            <a:endParaRPr lang="zh-CN" altLang="en-US" sz="1600" dirty="0"/>
+          </a:p>
+        </p:txBody>
+      </p:sp>
+      <p:sp>
+        <p:nvSpPr>
+          <p:cNvPr id="6" name="圆角矩形 5"/>
+          <p:cNvSpPr/>
+          <p:nvPr/>
+        </p:nvSpPr>
+        <p:spPr>
+          <a:xfrm>
+            <a:off x="2682133" y="1474630"/>
+            <a:ext cx="1545465" cy="1146220"/>
+          </a:xfrm>
+          <a:prstGeom prst="roundRect">
+            <a:avLst/>
+          </a:prstGeom>
+        </p:spPr>
+        <p:style>
+          <a:lnRef idx="2">
+            <a:schemeClr val="accent1">
+              <a:shade val="50000"/>
+            </a:schemeClr>
+          </a:lnRef>
+          <a:fillRef idx="1">
+            <a:schemeClr val="accent1"/>
+          </a:fillRef>
+          <a:effectRef idx="0">
+            <a:schemeClr val="accent1"/>
+          </a:effectRef>
+          <a:fontRef idx="minor">
+            <a:schemeClr val="lt1"/>
+          </a:fontRef>
+        </p:style>
+        <p:txBody>
+          <a:bodyPr rtlCol="0" anchor="ctr"/>
+          <a:lstStyle/>
+          <a:p>
+            <a:pPr algn="ctr"/>
+            <a:r>
+              <a:rPr lang="en-US" altLang="zh-CN" dirty="0" smtClean="0"/>
+              <a:t>URL</a:t>
+            </a:r>
+            <a:r>
+              <a:rPr lang="zh-CN" altLang="en-US" dirty="0" smtClean="0"/>
+              <a:t>管理器</a:t>
+            </a:r>
+            <a:endParaRPr lang="zh-CN" altLang="en-US" dirty="0"/>
+          </a:p>
+        </p:txBody>
+      </p:sp>
+      <p:sp>
+        <p:nvSpPr>
+          <p:cNvPr id="7" name="圆角矩形 6"/>
+          <p:cNvSpPr/>
+          <p:nvPr/>
+        </p:nvSpPr>
+        <p:spPr>
+          <a:xfrm>
+            <a:off x="2679861" y="3220146"/>
+            <a:ext cx="1545465" cy="1146220"/>
+          </a:xfrm>
+          <a:prstGeom prst="roundRect">
+            <a:avLst/>
+          </a:prstGeom>
+        </p:spPr>
+        <p:style>
+          <a:lnRef idx="2">
+            <a:schemeClr val="accent1">
+              <a:shade val="50000"/>
+            </a:schemeClr>
+          </a:lnRef>
+          <a:fillRef idx="1">
+            <a:schemeClr val="accent1"/>
+          </a:fillRef>
+          <a:effectRef idx="0">
+            <a:schemeClr val="accent1"/>
+          </a:effectRef>
+          <a:fontRef idx="minor">
+            <a:schemeClr val="lt1"/>
+          </a:fontRef>
+        </p:style>
+        <p:txBody>
+          <a:bodyPr rtlCol="0" anchor="ctr"/>
+          <a:lstStyle/>
+          <a:p>
+            <a:pPr algn="ctr"/>
+            <a:r>
+              <a:rPr lang="zh-CN" altLang="en-US" dirty="0" smtClean="0"/>
+              <a:t>网页下载器</a:t>
+            </a:r>
+            <a:endParaRPr lang="zh-CN" altLang="en-US" dirty="0"/>
+          </a:p>
+        </p:txBody>
+      </p:sp>
+      <p:sp>
+        <p:nvSpPr>
+          <p:cNvPr id="8" name="圆角矩形 7"/>
+          <p:cNvSpPr/>
+          <p:nvPr/>
+        </p:nvSpPr>
+        <p:spPr>
+          <a:xfrm>
+            <a:off x="5097664" y="2334563"/>
+            <a:ext cx="1545465" cy="1146220"/>
+          </a:xfrm>
+          <a:prstGeom prst="roundRect">
+            <a:avLst/>
+          </a:prstGeom>
+        </p:spPr>
+        <p:style>
+          <a:lnRef idx="2">
+            <a:schemeClr val="accent1">
+              <a:shade val="50000"/>
+            </a:schemeClr>
+          </a:lnRef>
+          <a:fillRef idx="1">
+            <a:schemeClr val="accent1"/>
+          </a:fillRef>
+          <a:effectRef idx="0">
+            <a:schemeClr val="accent1"/>
+          </a:effectRef>
+          <a:fontRef idx="minor">
+            <a:schemeClr val="lt1"/>
+          </a:fontRef>
+        </p:style>
+        <p:txBody>
+          <a:bodyPr rtlCol="0" anchor="ctr"/>
+          <a:lstStyle/>
+          <a:p>
+            <a:pPr algn="ctr"/>
+            <a:r>
+              <a:rPr lang="zh-CN" altLang="en-US" dirty="0" smtClean="0"/>
+              <a:t>网页解析器</a:t>
+            </a:r>
+            <a:endParaRPr lang="zh-CN" altLang="en-US" dirty="0"/>
+          </a:p>
+        </p:txBody>
+      </p:sp>
+      <p:sp>
+        <p:nvSpPr>
+          <p:cNvPr id="9" name="圆角矩形 8"/>
+          <p:cNvSpPr/>
+          <p:nvPr/>
+        </p:nvSpPr>
+        <p:spPr>
+          <a:xfrm>
+            <a:off x="7596336" y="2576275"/>
+            <a:ext cx="1307261" cy="817950"/>
+          </a:xfrm>
+          <a:prstGeom prst="roundRect">
+            <a:avLst/>
+          </a:prstGeom>
+        </p:spPr>
+        <p:style>
+          <a:lnRef idx="2">
+            <a:schemeClr val="accent1">
+              <a:shade val="50000"/>
+            </a:schemeClr>
+          </a:lnRef>
+          <a:fillRef idx="1">
+            <a:schemeClr val="accent1"/>
+          </a:fillRef>
+          <a:effectRef idx="0">
+            <a:schemeClr val="accent1"/>
+          </a:effectRef>
+          <a:fontRef idx="minor">
+            <a:schemeClr val="lt1"/>
+          </a:fontRef>
+        </p:style>
+        <p:txBody>
+          <a:bodyPr rtlCol="0" anchor="ctr"/>
+          <a:lstStyle/>
+          <a:p>
+            <a:pPr algn="ctr"/>
+            <a:r>
+              <a:rPr lang="en-US" altLang="zh-CN" dirty="0" smtClean="0"/>
+              <a:t>Value</a:t>
+            </a:r>
+            <a:endParaRPr lang="zh-CN" altLang="en-US" dirty="0"/>
+          </a:p>
+        </p:txBody>
+      </p:sp>
+      <p:sp>
+        <p:nvSpPr>
+          <p:cNvPr id="10" name="矩形 9"/>
+          <p:cNvSpPr/>
+          <p:nvPr/>
+        </p:nvSpPr>
+        <p:spPr>
+          <a:xfrm>
+            <a:off x="2339752" y="1249250"/>
+            <a:ext cx="4733968" cy="3468710"/>
+          </a:xfrm>
+          <a:prstGeom prst="rect">
+            <a:avLst/>
+          </a:prstGeom>
+          <a:noFill/>
+        </p:spPr>
+        <p:style>
+          <a:lnRef idx="2">
+            <a:schemeClr val="accent1">
+              <a:shade val="50000"/>
+            </a:schemeClr>
+          </a:lnRef>
+          <a:fillRef idx="1">
+            <a:schemeClr val="accent1"/>
+          </a:fillRef>
+          <a:effectRef idx="0">
+            <a:schemeClr val="accent1"/>
+          </a:effectRef>
+          <a:fontRef idx="minor">
+            <a:schemeClr val="lt1"/>
+          </a:fontRef>
+        </p:style>
+        <p:txBody>
+          <a:bodyPr rtlCol="0" anchor="ctr"/>
+          <a:lstStyle/>
+          <a:p>
+            <a:pPr algn="ctr"/>
+            <a:endParaRPr lang="zh-CN" altLang="en-US"/>
+          </a:p>
+        </p:txBody>
+      </p:sp>
+      <p:cxnSp>
+        <p:nvCxnSpPr>
+          <p:cNvPr id="11" name="直接箭头连接符 10"/>
+          <p:cNvCxnSpPr>
+            <a:stCxn id="5" idx="3"/>
+            <a:endCxn id="10" idx="1"/>
+          </p:cNvCxnSpPr>
+          <p:nvPr/>
+        </p:nvCxnSpPr>
+        <p:spPr>
+          <a:xfrm>
+            <a:off x="1800618" y="2831741"/>
+            <a:ext cx="539134" cy="151864"/>
+          </a:xfrm>
+          <a:prstGeom prst="straightConnector1">
+            <a:avLst/>
+          </a:prstGeom>
+          <a:ln>
+            <a:tailEnd type="triangle"/>
+          </a:ln>
+        </p:spPr>
+        <p:style>
+          <a:lnRef idx="1">
+            <a:schemeClr val="accent1"/>
+          </a:lnRef>
+          <a:fillRef idx="0">
+            <a:schemeClr val="accent1"/>
+          </a:fillRef>
+          <a:effectRef idx="0">
+            <a:schemeClr val="accent1"/>
+          </a:effectRef>
+          <a:fontRef idx="minor">
+            <a:schemeClr val="tx1"/>
+          </a:fontRef>
+        </p:style>
+      </p:cxnSp>
+      <p:cxnSp>
+        <p:nvCxnSpPr>
+          <p:cNvPr id="12" name="直接箭头连接符 11"/>
+          <p:cNvCxnSpPr>
+            <a:stCxn id="6" idx="2"/>
+            <a:endCxn id="7" idx="0"/>
+          </p:cNvCxnSpPr>
+          <p:nvPr/>
+        </p:nvCxnSpPr>
+        <p:spPr>
+          <a:xfrm flipH="1">
+            <a:off x="3452594" y="2620850"/>
+            <a:ext cx="2272" cy="599296"/>
+          </a:xfrm>
+          <a:prstGeom prst="straightConnector1">
+            <a:avLst/>
+          </a:prstGeom>
+          <a:ln>
+            <a:tailEnd type="triangle"/>
+          </a:ln>
+        </p:spPr>
+        <p:style>
+          <a:lnRef idx="1">
+            <a:schemeClr val="accent1"/>
+          </a:lnRef>
+          <a:fillRef idx="0">
+            <a:schemeClr val="accent1"/>
+          </a:fillRef>
+          <a:effectRef idx="0">
+            <a:schemeClr val="accent1"/>
+          </a:effectRef>
+          <a:fontRef idx="minor">
+            <a:schemeClr val="tx1"/>
+          </a:fontRef>
+        </p:style>
+      </p:cxnSp>
+      <p:cxnSp>
+        <p:nvCxnSpPr>
+          <p:cNvPr id="13" name="直接箭头连接符 12"/>
+          <p:cNvCxnSpPr>
+            <a:stCxn id="7" idx="3"/>
+          </p:cNvCxnSpPr>
+          <p:nvPr/>
+        </p:nvCxnSpPr>
+        <p:spPr>
+          <a:xfrm flipV="1">
+            <a:off x="4225326" y="2977595"/>
+            <a:ext cx="834978" cy="815661"/>
+          </a:xfrm>
+          <a:prstGeom prst="straightConnector1">
+            <a:avLst/>
+          </a:prstGeom>
+          <a:ln>
+            <a:tailEnd type="triangle"/>
+          </a:ln>
+        </p:spPr>
+        <p:style>
+          <a:lnRef idx="1">
+            <a:schemeClr val="accent1"/>
+          </a:lnRef>
+          <a:fillRef idx="0">
+            <a:schemeClr val="accent1"/>
+          </a:fillRef>
+          <a:effectRef idx="0">
+            <a:schemeClr val="accent1"/>
+          </a:effectRef>
+          <a:fontRef idx="minor">
+            <a:schemeClr val="tx1"/>
+          </a:fontRef>
+        </p:style>
+      </p:cxnSp>
+      <p:cxnSp>
+        <p:nvCxnSpPr>
+          <p:cNvPr id="14" name="直接箭头连接符 13"/>
+          <p:cNvCxnSpPr>
+            <a:stCxn id="8" idx="1"/>
+          </p:cNvCxnSpPr>
+          <p:nvPr/>
+        </p:nvCxnSpPr>
+        <p:spPr>
+          <a:xfrm flipH="1" flipV="1">
+            <a:off x="4254722" y="2096520"/>
+            <a:ext cx="842942" cy="811153"/>
+          </a:xfrm>
+          <a:prstGeom prst="straightConnector1">
+            <a:avLst/>
+          </a:prstGeom>
+          <a:ln>
+            <a:tailEnd type="triangle"/>
+          </a:ln>
+        </p:spPr>
+        <p:style>
+          <a:lnRef idx="1">
+            <a:schemeClr val="accent1"/>
+          </a:lnRef>
+          <a:fillRef idx="0">
+            <a:schemeClr val="accent1"/>
+          </a:fillRef>
+          <a:effectRef idx="0">
+            <a:schemeClr val="accent1"/>
+          </a:effectRef>
+          <a:fontRef idx="minor">
+            <a:schemeClr val="tx1"/>
+          </a:fontRef>
+        </p:style>
+      </p:cxnSp>
+      <p:cxnSp>
+        <p:nvCxnSpPr>
+          <p:cNvPr id="15" name="直接箭头连接符 14"/>
+          <p:cNvCxnSpPr>
+            <a:endCxn id="9" idx="1"/>
+          </p:cNvCxnSpPr>
+          <p:nvPr/>
+        </p:nvCxnSpPr>
+        <p:spPr>
+          <a:xfrm>
+            <a:off x="7073720" y="2985250"/>
+            <a:ext cx="522616" cy="0"/>
+          </a:xfrm>
+          <a:prstGeom prst="straightConnector1">
+            <a:avLst/>
+          </a:prstGeom>
+          <a:ln>
+            <a:tailEnd type="triangle"/>
+          </a:ln>
+        </p:spPr>
+        <p:style>
+          <a:lnRef idx="1">
+            <a:schemeClr val="accent1"/>
+          </a:lnRef>
+          <a:fillRef idx="0">
+            <a:schemeClr val="accent1"/>
+          </a:fillRef>
+          <a:effectRef idx="0">
+            <a:schemeClr val="accent1"/>
+          </a:effectRef>
+          <a:fontRef idx="minor">
+            <a:schemeClr val="tx1"/>
+          </a:fontRef>
+        </p:style>
+      </p:cxnSp>
     </p:spTree>
   </p:cSld>
   <p:clrMapOvr>
@@ -6788,47 +6247,6 @@
       </p:grpSpPr>
       <p:sp>
         <p:nvSpPr>
-          <p:cNvPr id="2" name="文字版面配置區 1"/>
-          <p:cNvSpPr>
-            <a:spLocks noGrp="1"/>
-          </p:cNvSpPr>
-          <p:nvPr>
-            <p:ph type="body" sz="quarter" idx="19"/>
-          </p:nvPr>
-        </p:nvSpPr>
-        <p:spPr/>
-        <p:txBody>
-          <a:bodyPr>
-            <a:normAutofit/>
-          </a:bodyPr>
-          <a:lstStyle/>
-          <a:p>
-            <a:r>
-              <a:rPr lang="en-US" altLang="zh-CN" dirty="0" smtClean="0">
-                <a:latin typeface="微软雅黑" panose="020B0503020204020204" pitchFamily="34" charset="-122"/>
-                <a:ea typeface="微软雅黑" panose="020B0503020204020204" pitchFamily="34" charset="-122"/>
-              </a:rPr>
-              <a:t>SQL</a:t>
-            </a:r>
-            <a:r>
-              <a:rPr lang="zh-CN" altLang="en-US" dirty="0" smtClean="0">
-                <a:latin typeface="微软雅黑" panose="020B0503020204020204" pitchFamily="34" charset="-122"/>
-                <a:ea typeface="微软雅黑" panose="020B0503020204020204" pitchFamily="34" charset="-122"/>
-              </a:rPr>
-              <a:t>执行时间</a:t>
-            </a:r>
-            <a:endParaRPr lang="zh-CN" altLang="en-US" dirty="0">
-              <a:latin typeface="微软雅黑" panose="020B0503020204020204" pitchFamily="34" charset="-122"/>
-              <a:ea typeface="微软雅黑" panose="020B0503020204020204" pitchFamily="34" charset="-122"/>
-            </a:endParaRPr>
-          </a:p>
-          <a:p>
-            <a:endParaRPr lang="zh-TW" altLang="en-US" dirty="0"/>
-          </a:p>
-        </p:txBody>
-      </p:sp>
-      <p:sp>
-        <p:nvSpPr>
           <p:cNvPr id="3" name="内容占位符 2"/>
           <p:cNvSpPr>
             <a:spLocks noGrp="1"/>
@@ -6837,214 +6255,170 @@
             <p:ph sz="quarter" idx="22"/>
           </p:nvPr>
         </p:nvSpPr>
-        <p:spPr/>
+        <p:spPr>
+          <a:xfrm>
+            <a:off x="427512" y="987574"/>
+            <a:ext cx="8064896" cy="3726415"/>
+          </a:xfrm>
+        </p:spPr>
         <p:txBody>
           <a:bodyPr>
             <a:normAutofit/>
           </a:bodyPr>
           <a:lstStyle/>
           <a:p>
-            <a:r>
-              <a:rPr lang="zh-CN" altLang="en-US" sz="1800" b="1" dirty="0">
-                <a:latin typeface="微软雅黑" panose="020B0503020204020204" pitchFamily="34" charset="-122"/>
-                <a:ea typeface="微软雅黑" panose="020B0503020204020204" pitchFamily="34" charset="-122"/>
-              </a:rPr>
-              <a:t>目的</a:t>
-            </a:r>
-            <a:r>
-              <a:rPr lang="zh-CN" altLang="en-US" sz="1800" dirty="0">
-                <a:latin typeface="微软雅黑" panose="020B0503020204020204" pitchFamily="34" charset="-122"/>
-                <a:ea typeface="微软雅黑" panose="020B0503020204020204" pitchFamily="34" charset="-122"/>
-              </a:rPr>
-              <a:t>：</a:t>
-            </a:r>
-          </a:p>
-          <a:p>
             <a:pPr>
-              <a:buFont typeface="Wingdings" panose="05000000000000000000" pitchFamily="2" charset="2"/>
-              <a:buNone/>
-            </a:pPr>
-            <a:r>
-              <a:rPr lang="zh-CN" altLang="en-US" sz="1800" dirty="0">
-                <a:latin typeface="微软雅黑" panose="020B0503020204020204" pitchFamily="34" charset="-122"/>
-                <a:ea typeface="微软雅黑" panose="020B0503020204020204" pitchFamily="34" charset="-122"/>
-              </a:rPr>
-              <a:t>		</a:t>
-            </a:r>
-            <a:r>
-              <a:rPr lang="zh-CN" altLang="en-US" sz="1800" dirty="0" smtClean="0">
-                <a:latin typeface="微软雅黑" panose="020B0503020204020204" pitchFamily="34" charset="-122"/>
-                <a:ea typeface="微软雅黑" panose="020B0503020204020204" pitchFamily="34" charset="-122"/>
-              </a:rPr>
-              <a:t> 在</a:t>
-            </a:r>
-            <a:r>
-              <a:rPr lang="zh-CN" altLang="en-US" sz="1800" dirty="0">
-                <a:latin typeface="微软雅黑" panose="020B0503020204020204" pitchFamily="34" charset="-122"/>
-                <a:ea typeface="微软雅黑" panose="020B0503020204020204" pitchFamily="34" charset="-122"/>
-              </a:rPr>
-              <a:t>有限的资源上以最短的时间返回</a:t>
-            </a:r>
-            <a:r>
-              <a:rPr lang="en-US" altLang="zh-CN" sz="1800" dirty="0">
-                <a:latin typeface="微软雅黑" panose="020B0503020204020204" pitchFamily="34" charset="-122"/>
-                <a:ea typeface="微软雅黑" panose="020B0503020204020204" pitchFamily="34" charset="-122"/>
-              </a:rPr>
-              <a:t>SQL</a:t>
-            </a:r>
-            <a:r>
-              <a:rPr lang="zh-CN" altLang="en-US" sz="1800" dirty="0">
-                <a:latin typeface="微软雅黑" panose="020B0503020204020204" pitchFamily="34" charset="-122"/>
-                <a:ea typeface="微软雅黑" panose="020B0503020204020204" pitchFamily="34" charset="-122"/>
-              </a:rPr>
-              <a:t>结果，但不影响整体的数据库性能。</a:t>
-            </a:r>
+              <a:lnSpc>
+                <a:spcPct val="150000"/>
+              </a:lnSpc>
+            </a:pPr>
+            <a:r>
+              <a:rPr lang="zh-CN" altLang="en-US" dirty="0"/>
+              <a:t>（</a:t>
+            </a:r>
+            <a:r>
+              <a:rPr lang="en-US" altLang="zh-CN" dirty="0"/>
+              <a:t>1</a:t>
+            </a:r>
+            <a:r>
+              <a:rPr lang="zh-CN" altLang="en-US" dirty="0"/>
+              <a:t>）大数据：现在太多互联网公司都在做大数据，每个公司的数据来源都不止一个，其中占比重较大的一个数据源非网络爬虫莫属。</a:t>
+            </a:r>
+            <a:endParaRPr lang="en-US" altLang="zh-CN" dirty="0"/>
           </a:p>
           <a:p>
             <a:pPr>
-              <a:buFont typeface="Wingdings" panose="05000000000000000000" pitchFamily="2" charset="2"/>
-              <a:buNone/>
-            </a:pPr>
-            <a:endParaRPr lang="zh-CN" altLang="en-US" sz="1800" dirty="0">
-              <a:latin typeface="微软雅黑" panose="020B0503020204020204" pitchFamily="34" charset="-122"/>
-              <a:ea typeface="微软雅黑" panose="020B0503020204020204" pitchFamily="34" charset="-122"/>
-            </a:endParaRPr>
-          </a:p>
-          <a:p>
-            <a:r>
-              <a:rPr lang="zh-CN" altLang="en-US" sz="1800" b="1" dirty="0">
-                <a:latin typeface="微软雅黑" panose="020B0503020204020204" pitchFamily="34" charset="-122"/>
-                <a:ea typeface="微软雅黑" panose="020B0503020204020204" pitchFamily="34" charset="-122"/>
-              </a:rPr>
-              <a:t>依据</a:t>
-            </a:r>
-            <a:r>
-              <a:rPr lang="zh-CN" altLang="en-US" sz="1800" dirty="0">
-                <a:latin typeface="微软雅黑" panose="020B0503020204020204" pitchFamily="34" charset="-122"/>
-                <a:ea typeface="微软雅黑" panose="020B0503020204020204" pitchFamily="34" charset="-122"/>
-              </a:rPr>
-              <a:t>：数据库</a:t>
-            </a:r>
-            <a:r>
-              <a:rPr lang="zh-CN" altLang="en-US" sz="1800" dirty="0" smtClean="0">
-                <a:latin typeface="微软雅黑" panose="020B0503020204020204" pitchFamily="34" charset="-122"/>
-                <a:ea typeface="微软雅黑" panose="020B0503020204020204" pitchFamily="34" charset="-122"/>
-              </a:rPr>
-              <a:t>响应时间</a:t>
-            </a:r>
-            <a:endParaRPr lang="zh-CN" altLang="en-US" sz="1800" dirty="0">
-              <a:latin typeface="微软雅黑" panose="020B0503020204020204" pitchFamily="34" charset="-122"/>
-              <a:ea typeface="微软雅黑" panose="020B0503020204020204" pitchFamily="34" charset="-122"/>
-            </a:endParaRPr>
+              <a:lnSpc>
+                <a:spcPct val="150000"/>
+              </a:lnSpc>
+            </a:pPr>
+            <a:r>
+              <a:rPr lang="zh-CN" altLang="en-US" dirty="0"/>
+              <a:t>（</a:t>
+            </a:r>
+            <a:r>
+              <a:rPr lang="en-US" altLang="zh-CN" dirty="0"/>
+              <a:t>2</a:t>
+            </a:r>
+            <a:r>
+              <a:rPr lang="zh-CN" altLang="en-US" dirty="0"/>
+              <a:t>）搜索引擎：百度、谷歌，</a:t>
+            </a:r>
+            <a:r>
+              <a:rPr lang="en-US" altLang="zh-CN" dirty="0" err="1"/>
+              <a:t>nutch</a:t>
+            </a:r>
+            <a:r>
+              <a:rPr lang="zh-CN" altLang="en-US" dirty="0"/>
+              <a:t>。</a:t>
+            </a:r>
+            <a:endParaRPr lang="en-US" altLang="zh-CN" dirty="0"/>
           </a:p>
           <a:p>
             <a:pPr>
-              <a:buFont typeface="Wingdings" panose="05000000000000000000" pitchFamily="2" charset="2"/>
-              <a:buNone/>
-            </a:pPr>
-            <a:r>
-              <a:rPr lang="zh-CN" altLang="en-US" sz="1800" dirty="0">
-                <a:latin typeface="微软雅黑" panose="020B0503020204020204" pitchFamily="34" charset="-122"/>
-                <a:ea typeface="微软雅黑" panose="020B0503020204020204" pitchFamily="34" charset="-122"/>
-              </a:rPr>
-              <a:t>		</a:t>
-            </a:r>
-            <a:r>
-              <a:rPr lang="zh-CN" altLang="en-US" sz="1800" dirty="0" smtClean="0">
-                <a:latin typeface="微软雅黑" panose="020B0503020204020204" pitchFamily="34" charset="-122"/>
-                <a:ea typeface="微软雅黑" panose="020B0503020204020204" pitchFamily="34" charset="-122"/>
-              </a:rPr>
-              <a:t>  响应时间 </a:t>
-            </a:r>
-            <a:r>
-              <a:rPr lang="en-US" altLang="zh-CN" sz="1800" dirty="0">
-                <a:latin typeface="微软雅黑" panose="020B0503020204020204" pitchFamily="34" charset="-122"/>
-                <a:ea typeface="微软雅黑" panose="020B0503020204020204" pitchFamily="34" charset="-122"/>
-              </a:rPr>
-              <a:t>= </a:t>
-            </a:r>
-            <a:r>
-              <a:rPr lang="zh-CN" altLang="en-US" sz="1800" dirty="0">
-                <a:latin typeface="微软雅黑" panose="020B0503020204020204" pitchFamily="34" charset="-122"/>
-                <a:ea typeface="微软雅黑" panose="020B0503020204020204" pitchFamily="34" charset="-122"/>
-              </a:rPr>
-              <a:t>等待时间 </a:t>
-            </a:r>
-            <a:r>
-              <a:rPr lang="zh-CN" altLang="en-US" sz="1800" dirty="0" smtClean="0">
-                <a:latin typeface="微软雅黑" panose="020B0503020204020204" pitchFamily="34" charset="-122"/>
-                <a:ea typeface="微软雅黑" panose="020B0503020204020204" pitchFamily="34" charset="-122"/>
-              </a:rPr>
-              <a:t>      </a:t>
-            </a:r>
-            <a:r>
-              <a:rPr lang="en-US" altLang="zh-CN" sz="1800" dirty="0" smtClean="0">
-                <a:latin typeface="微软雅黑" panose="020B0503020204020204" pitchFamily="34" charset="-122"/>
-                <a:ea typeface="微软雅黑" panose="020B0503020204020204" pitchFamily="34" charset="-122"/>
-              </a:rPr>
-              <a:t>+ </a:t>
-            </a:r>
-            <a:r>
-              <a:rPr lang="zh-CN" altLang="en-US" sz="1800" dirty="0">
-                <a:latin typeface="微软雅黑" panose="020B0503020204020204" pitchFamily="34" charset="-122"/>
-                <a:ea typeface="微软雅黑" panose="020B0503020204020204" pitchFamily="34" charset="-122"/>
-              </a:rPr>
-              <a:t>运行时间 </a:t>
-            </a:r>
-          </a:p>
-          <a:p>
-            <a:pPr>
-              <a:buFont typeface="Wingdings" panose="05000000000000000000" pitchFamily="2" charset="2"/>
-              <a:buNone/>
-            </a:pPr>
-            <a:r>
-              <a:rPr lang="zh-CN" altLang="en-US" sz="1800" dirty="0">
-                <a:latin typeface="微软雅黑" panose="020B0503020204020204" pitchFamily="34" charset="-122"/>
-                <a:ea typeface="微软雅黑" panose="020B0503020204020204" pitchFamily="34" charset="-122"/>
-              </a:rPr>
-              <a:t>		</a:t>
-            </a:r>
-            <a:r>
-              <a:rPr lang="zh-CN" altLang="en-US" sz="1800" dirty="0" smtClean="0">
-                <a:latin typeface="微软雅黑" panose="020B0503020204020204" pitchFamily="34" charset="-122"/>
-                <a:ea typeface="微软雅黑" panose="020B0503020204020204" pitchFamily="34" charset="-122"/>
-              </a:rPr>
-              <a:t>  等待时间 </a:t>
-            </a:r>
-            <a:r>
-              <a:rPr lang="en-US" altLang="zh-CN" sz="1800" dirty="0">
-                <a:latin typeface="微软雅黑" panose="020B0503020204020204" pitchFamily="34" charset="-122"/>
-                <a:ea typeface="微软雅黑" panose="020B0503020204020204" pitchFamily="34" charset="-122"/>
-              </a:rPr>
-              <a:t>= SQL</a:t>
-            </a:r>
-            <a:r>
-              <a:rPr lang="zh-CN" altLang="en-US" sz="1800" dirty="0">
-                <a:latin typeface="微软雅黑" panose="020B0503020204020204" pitchFamily="34" charset="-122"/>
-                <a:ea typeface="微软雅黑" panose="020B0503020204020204" pitchFamily="34" charset="-122"/>
-              </a:rPr>
-              <a:t>解析时间 </a:t>
-            </a:r>
-            <a:r>
-              <a:rPr lang="en-US" altLang="zh-CN" sz="1800" dirty="0">
-                <a:latin typeface="微软雅黑" panose="020B0503020204020204" pitchFamily="34" charset="-122"/>
-                <a:ea typeface="微软雅黑" panose="020B0503020204020204" pitchFamily="34" charset="-122"/>
-              </a:rPr>
-              <a:t>+ </a:t>
-            </a:r>
-            <a:r>
-              <a:rPr lang="zh-CN" altLang="en-US" sz="1800" dirty="0">
-                <a:latin typeface="微软雅黑" panose="020B0503020204020204" pitchFamily="34" charset="-122"/>
-                <a:ea typeface="微软雅黑" panose="020B0503020204020204" pitchFamily="34" charset="-122"/>
-              </a:rPr>
-              <a:t>结果返回时间</a:t>
-            </a:r>
-          </a:p>
-          <a:p>
+              <a:lnSpc>
+                <a:spcPct val="150000"/>
+              </a:lnSpc>
+            </a:pPr>
+            <a:r>
+              <a:rPr lang="zh-CN" altLang="en-US" dirty="0"/>
+              <a:t>（</a:t>
+            </a:r>
+            <a:r>
+              <a:rPr lang="en-US" altLang="zh-CN" dirty="0"/>
+              <a:t>3</a:t>
+            </a:r>
+            <a:r>
+              <a:rPr lang="zh-CN" altLang="en-US" dirty="0"/>
+              <a:t>）数据挖掘：从大量的数据中分析出有用的数据，爬虫给数据挖掘做出了重要铺垫。</a:t>
+            </a:r>
+          </a:p>
+          <a:p>
+            <a:pPr marL="0" indent="0">
+              <a:buNone/>
+            </a:pPr>
             <a:endParaRPr lang="zh-CN" altLang="en-US" dirty="0">
               <a:latin typeface="微软雅黑" panose="020B0503020204020204" pitchFamily="34" charset="-122"/>
               <a:ea typeface="微软雅黑" panose="020B0503020204020204" pitchFamily="34" charset="-122"/>
             </a:endParaRPr>
+          </a:p>
+        </p:txBody>
+      </p:sp>
+      <p:sp>
+        <p:nvSpPr>
+          <p:cNvPr id="4" name="标题 3"/>
+          <p:cNvSpPr txBox="1">
+            <a:spLocks/>
+          </p:cNvSpPr>
+          <p:nvPr/>
+        </p:nvSpPr>
+        <p:spPr>
+          <a:xfrm>
+            <a:off x="427512" y="180754"/>
+            <a:ext cx="8360228" cy="674270"/>
+          </a:xfrm>
+          <a:prstGeom prst="rect">
+            <a:avLst/>
+          </a:prstGeom>
+        </p:spPr>
+        <p:txBody>
+          <a:bodyPr/>
+          <a:lstStyle>
+            <a:lvl1pPr algn="l" defTabSz="914400" rtl="0" eaLnBrk="1" latinLnBrk="0" hangingPunct="1">
+              <a:spcBef>
+                <a:spcPct val="0"/>
+              </a:spcBef>
+              <a:buNone/>
+              <a:defRPr sz="3600" kern="1200">
+                <a:solidFill>
+                  <a:srgbClr val="492582"/>
+                </a:solidFill>
+                <a:latin typeface="+mj-lt"/>
+                <a:ea typeface="+mj-ea"/>
+                <a:cs typeface="+mj-cs"/>
+              </a:defRPr>
+            </a:lvl1pPr>
+          </a:lstStyle>
+          <a:p>
+            <a:r>
+              <a:rPr lang="zh-CN" altLang="en-US" dirty="0" smtClean="0"/>
+              <a:t>网络爬虫</a:t>
+            </a:r>
+            <a:r>
+              <a:rPr lang="en-US" altLang="zh-CN" dirty="0" smtClean="0"/>
+              <a:t>-</a:t>
+            </a:r>
+            <a:r>
+              <a:rPr lang="zh-CN" altLang="en-US" dirty="0" smtClean="0"/>
+              <a:t>应用领域</a:t>
+            </a:r>
+            <a:endParaRPr lang="zh-CN" altLang="en-US" dirty="0"/>
+          </a:p>
+        </p:txBody>
+      </p:sp>
+      <p:sp>
+        <p:nvSpPr>
+          <p:cNvPr id="5" name="文本框 4"/>
+          <p:cNvSpPr txBox="1"/>
+          <p:nvPr/>
+        </p:nvSpPr>
+        <p:spPr>
+          <a:xfrm>
+            <a:off x="2076008" y="1996225"/>
+            <a:ext cx="6359653" cy="461665"/>
+          </a:xfrm>
+          <a:prstGeom prst="rect">
+            <a:avLst/>
+          </a:prstGeom>
+          <a:noFill/>
+        </p:spPr>
+        <p:txBody>
+          <a:bodyPr wrap="square" rtlCol="0">
+            <a:spAutoFit/>
+          </a:bodyPr>
+          <a:lstStyle/>
+          <a:p>
+            <a:endParaRPr lang="zh-CN" altLang="en-US" sz="2400" dirty="0"/>
           </a:p>
         </p:txBody>
       </p:sp>
@@ -7103,32 +6477,17 @@
           <a:lstStyle/>
           <a:p>
             <a:r>
-              <a:rPr lang="zh-CN" altLang="en-US" dirty="0" smtClean="0">
-                <a:latin typeface="微软雅黑" panose="020B0503020204020204" pitchFamily="34" charset="-122"/>
-                <a:ea typeface="微软雅黑" panose="020B0503020204020204" pitchFamily="34" charset="-122"/>
-              </a:rPr>
-              <a:t>这个</a:t>
-            </a:r>
-            <a:r>
-              <a:rPr lang="en-US" altLang="zh-CN" dirty="0" smtClean="0">
-                <a:latin typeface="微软雅黑" panose="020B0503020204020204" pitchFamily="34" charset="-122"/>
-                <a:ea typeface="微软雅黑" panose="020B0503020204020204" pitchFamily="34" charset="-122"/>
-              </a:rPr>
-              <a:t>SQL</a:t>
-            </a:r>
-            <a:r>
-              <a:rPr lang="zh-CN" altLang="en-US" dirty="0" smtClean="0">
-                <a:latin typeface="微软雅黑" panose="020B0503020204020204" pitchFamily="34" charset="-122"/>
-                <a:ea typeface="微软雅黑" panose="020B0503020204020204" pitchFamily="34" charset="-122"/>
-              </a:rPr>
-              <a:t>有哪里可以提升性能吗？</a:t>
-            </a:r>
-            <a:endParaRPr lang="zh-CN" altLang="en-US" dirty="0">
-              <a:latin typeface="微软雅黑" panose="020B0503020204020204" pitchFamily="34" charset="-122"/>
-              <a:ea typeface="微软雅黑" panose="020B0503020204020204" pitchFamily="34" charset="-122"/>
-            </a:endParaRPr>
-          </a:p>
-          <a:p>
+              <a:rPr lang="zh-CN" altLang="en-US" dirty="0"/>
+              <a:t>网络爬虫</a:t>
+            </a:r>
+            <a:r>
+              <a:rPr lang="en-US" altLang="zh-CN" dirty="0"/>
+              <a:t>-</a:t>
+            </a:r>
+            <a:r>
+              <a:rPr lang="zh-CN" altLang="en-US" dirty="0"/>
+              <a:t>面临的问题</a:t>
+            </a:r>
             <a:endParaRPr lang="zh-TW" altLang="en-US" dirty="0"/>
           </a:p>
         </p:txBody>
@@ -7145,1396 +6504,160 @@
         </p:nvSpPr>
         <p:spPr>
           <a:xfrm>
-            <a:off x="539552" y="1069542"/>
+            <a:off x="539552" y="1069544"/>
             <a:ext cx="8064896" cy="3726415"/>
           </a:xfrm>
         </p:spPr>
         <p:txBody>
           <a:bodyPr>
-            <a:normAutofit fontScale="25000" lnSpcReduction="20000"/>
+            <a:normAutofit/>
           </a:bodyPr>
           <a:lstStyle/>
           <a:p>
-            <a:pPr>
-              <a:buFontTx/>
-              <a:buNone/>
-            </a:pPr>
-            <a:r>
-              <a:rPr lang="en-US" altLang="zh-CN" sz="4200" b="1" dirty="0" err="1" smtClean="0">
-                <a:solidFill>
-                  <a:srgbClr val="0000FF"/>
-                </a:solidFill>
-                <a:ea typeface="宋体" panose="02010600030101010101" pitchFamily="2" charset="-122"/>
-              </a:rPr>
-              <a:t>sel</a:t>
-            </a:r>
-            <a:r>
-              <a:rPr lang="en-US" altLang="zh-CN" sz="4200" b="1" dirty="0">
-                <a:solidFill>
-                  <a:srgbClr val="0000FF"/>
-                </a:solidFill>
-                <a:ea typeface="宋体" panose="02010600030101010101" pitchFamily="2" charset="-122"/>
-              </a:rPr>
-              <a:t>	                                                                                       </a:t>
-            </a:r>
-          </a:p>
-          <a:p>
-            <a:pPr>
-              <a:buFontTx/>
-              <a:buNone/>
-            </a:pPr>
-            <a:r>
-              <a:rPr lang="en-US" altLang="zh-CN" sz="4200" dirty="0">
-                <a:solidFill>
-                  <a:srgbClr val="0000FF"/>
-                </a:solidFill>
-                <a:ea typeface="宋体" panose="02010600030101010101" pitchFamily="2" charset="-122"/>
-              </a:rPr>
-              <a:t>  </a:t>
-            </a:r>
-            <a:r>
-              <a:rPr lang="en-US" altLang="zh-CN" sz="4200" dirty="0" err="1">
-                <a:solidFill>
-                  <a:srgbClr val="800000"/>
-                </a:solidFill>
-                <a:ea typeface="宋体" panose="02010600030101010101" pitchFamily="2" charset="-122"/>
-              </a:rPr>
-              <a:t>mem.c_usr_nbr</a:t>
-            </a:r>
-            <a:r>
-              <a:rPr lang="en-US" altLang="zh-CN" sz="4200" dirty="0">
-                <a:solidFill>
-                  <a:srgbClr val="800000"/>
-                </a:solidFill>
-                <a:ea typeface="宋体" panose="02010600030101010101" pitchFamily="2" charset="-122"/>
-              </a:rPr>
-              <a:t>                                                               </a:t>
-            </a:r>
-          </a:p>
-          <a:p>
-            <a:pPr>
-              <a:buFontTx/>
-              <a:buNone/>
-            </a:pPr>
-            <a:r>
-              <a:rPr lang="zh-CN" altLang="en-US" sz="4200" dirty="0">
-                <a:solidFill>
-                  <a:srgbClr val="800000"/>
-                </a:solidFill>
-                <a:ea typeface="宋体" panose="02010600030101010101" pitchFamily="2" charset="-122"/>
-              </a:rPr>
-              <a:t>  </a:t>
-            </a:r>
-            <a:r>
-              <a:rPr lang="en-US" altLang="zh-CN" sz="4200" dirty="0">
-                <a:solidFill>
-                  <a:srgbClr val="800000"/>
-                </a:solidFill>
-                <a:ea typeface="宋体" panose="02010600030101010101" pitchFamily="2" charset="-122"/>
-              </a:rPr>
-              <a:t>...                                                                 </a:t>
-            </a:r>
-          </a:p>
-          <a:p>
-            <a:pPr>
-              <a:buFontTx/>
-              <a:buNone/>
-            </a:pPr>
-            <a:r>
-              <a:rPr lang="en-US" altLang="zh-CN" sz="4200" b="1" dirty="0">
-                <a:solidFill>
-                  <a:srgbClr val="0000FF"/>
-                </a:solidFill>
-                <a:ea typeface="宋体" panose="02010600030101010101" pitchFamily="2" charset="-122"/>
-              </a:rPr>
-              <a:t>from	                                                                           </a:t>
-            </a:r>
-          </a:p>
-          <a:p>
-            <a:pPr>
-              <a:buFontTx/>
-              <a:buNone/>
-            </a:pPr>
-            <a:r>
-              <a:rPr lang="en-US" altLang="zh-CN" sz="4200" dirty="0">
-                <a:solidFill>
-                  <a:srgbClr val="0000FF"/>
-                </a:solidFill>
-                <a:ea typeface="宋体" panose="02010600030101010101" pitchFamily="2" charset="-122"/>
-              </a:rPr>
-              <a:t>(</a:t>
-            </a:r>
-          </a:p>
-          <a:p>
-            <a:pPr>
-              <a:buFontTx/>
-              <a:buNone/>
-            </a:pPr>
-            <a:r>
-              <a:rPr lang="en-US" altLang="zh-CN" sz="4200" b="1" dirty="0" err="1">
-                <a:solidFill>
-                  <a:srgbClr val="0000FF"/>
-                </a:solidFill>
-                <a:ea typeface="宋体" panose="02010600030101010101" pitchFamily="2" charset="-122"/>
-              </a:rPr>
-              <a:t>sel</a:t>
-            </a:r>
-            <a:r>
-              <a:rPr lang="en-US" altLang="zh-CN" sz="4200" b="1" dirty="0">
-                <a:solidFill>
-                  <a:srgbClr val="0000FF"/>
-                </a:solidFill>
-                <a:ea typeface="宋体" panose="02010600030101010101" pitchFamily="2" charset="-122"/>
-              </a:rPr>
-              <a:t>	* from </a:t>
-            </a:r>
-            <a:r>
-              <a:rPr lang="en-US" altLang="zh-CN" sz="4200" b="1" dirty="0" err="1">
-                <a:solidFill>
-                  <a:srgbClr val="800000"/>
-                </a:solidFill>
-                <a:ea typeface="宋体" panose="02010600030101010101" pitchFamily="2" charset="-122"/>
-              </a:rPr>
-              <a:t>pmarttemp.tb_grp_prev_all_items_mem</a:t>
-            </a:r>
-            <a:r>
-              <a:rPr lang="en-US" altLang="zh-CN" sz="4200" b="1" dirty="0">
-                <a:solidFill>
-                  <a:srgbClr val="800000"/>
-                </a:solidFill>
-                <a:ea typeface="宋体" panose="02010600030101010101" pitchFamily="2" charset="-122"/>
-              </a:rPr>
-              <a:t> </a:t>
-            </a:r>
-          </a:p>
-          <a:p>
-            <a:pPr>
-              <a:buFontTx/>
-              <a:buNone/>
-            </a:pPr>
-            <a:r>
-              <a:rPr lang="en-US" altLang="zh-CN" sz="4200" b="1" dirty="0">
-                <a:solidFill>
-                  <a:srgbClr val="0000FF"/>
-                </a:solidFill>
-                <a:ea typeface="宋体" panose="02010600030101010101" pitchFamily="2" charset="-122"/>
-              </a:rPr>
-              <a:t>where	</a:t>
-            </a:r>
-            <a:r>
-              <a:rPr lang="en-US" altLang="zh-CN" sz="4200" b="1" dirty="0" err="1">
-                <a:solidFill>
-                  <a:srgbClr val="800000"/>
-                </a:solidFill>
-                <a:ea typeface="宋体" panose="02010600030101010101" pitchFamily="2" charset="-122"/>
-              </a:rPr>
-              <a:t>int_bill_month</a:t>
-            </a:r>
-            <a:r>
-              <a:rPr lang="en-US" altLang="zh-CN" sz="4200" b="1" dirty="0">
-                <a:solidFill>
-                  <a:srgbClr val="800000"/>
-                </a:solidFill>
-                <a:ea typeface="宋体" panose="02010600030101010101" pitchFamily="2" charset="-122"/>
-              </a:rPr>
-              <a:t>=</a:t>
-            </a:r>
-            <a:r>
-              <a:rPr lang="en-US" altLang="zh-CN" sz="4200" b="1" dirty="0">
-                <a:solidFill>
-                  <a:srgbClr val="FF00FF"/>
-                </a:solidFill>
-                <a:ea typeface="宋体" panose="02010600030101010101" pitchFamily="2" charset="-122"/>
-              </a:rPr>
-              <a:t>201007) </a:t>
-            </a:r>
-            <a:r>
-              <a:rPr lang="en-US" altLang="zh-CN" sz="4200" b="1" dirty="0">
-                <a:solidFill>
-                  <a:srgbClr val="800000"/>
-                </a:solidFill>
-                <a:ea typeface="宋体" panose="02010600030101010101" pitchFamily="2" charset="-122"/>
-              </a:rPr>
-              <a:t>mem</a:t>
-            </a:r>
-          </a:p>
-          <a:p>
-            <a:pPr>
-              <a:buFontTx/>
-              <a:buNone/>
-            </a:pPr>
-            <a:r>
-              <a:rPr lang="en-US" altLang="zh-CN" sz="4200" b="1" dirty="0">
-                <a:solidFill>
-                  <a:srgbClr val="0000FF"/>
-                </a:solidFill>
-                <a:ea typeface="宋体" panose="02010600030101010101" pitchFamily="2" charset="-122"/>
-              </a:rPr>
-              <a:t>left outer join                                                                   </a:t>
-            </a:r>
-          </a:p>
-          <a:p>
-            <a:pPr>
-              <a:buFontTx/>
-              <a:buNone/>
-            </a:pPr>
-            <a:r>
-              <a:rPr lang="en-US" altLang="zh-CN" sz="4200" dirty="0">
-                <a:solidFill>
-                  <a:srgbClr val="0000FF"/>
-                </a:solidFill>
-                <a:ea typeface="宋体" panose="02010600030101010101" pitchFamily="2" charset="-122"/>
-              </a:rPr>
-              <a:t>(</a:t>
-            </a:r>
-          </a:p>
-          <a:p>
-            <a:pPr>
-              <a:buFontTx/>
-              <a:buNone/>
-            </a:pPr>
-            <a:r>
-              <a:rPr lang="en-US" altLang="zh-CN" sz="4200" b="1" dirty="0" err="1">
-                <a:solidFill>
-                  <a:srgbClr val="0000FF"/>
-                </a:solidFill>
-                <a:ea typeface="宋体" panose="02010600030101010101" pitchFamily="2" charset="-122"/>
-              </a:rPr>
-              <a:t>sel</a:t>
-            </a:r>
-            <a:r>
-              <a:rPr lang="en-US" altLang="zh-CN" sz="4200" b="1" dirty="0">
-                <a:solidFill>
-                  <a:srgbClr val="0000FF"/>
-                </a:solidFill>
-                <a:ea typeface="宋体" panose="02010600030101010101" pitchFamily="2" charset="-122"/>
-              </a:rPr>
-              <a:t>	* from </a:t>
-            </a:r>
-            <a:r>
-              <a:rPr lang="en-US" altLang="zh-CN" sz="4200" b="1" dirty="0" err="1">
-                <a:solidFill>
-                  <a:srgbClr val="800000"/>
-                </a:solidFill>
-                <a:ea typeface="宋体" panose="02010600030101010101" pitchFamily="2" charset="-122"/>
-              </a:rPr>
-              <a:t>pmarttemp.tb_grp_prev_all_items</a:t>
-            </a:r>
-            <a:r>
-              <a:rPr lang="en-US" altLang="zh-CN" sz="4200" b="1" dirty="0">
-                <a:solidFill>
-                  <a:srgbClr val="800000"/>
-                </a:solidFill>
-                <a:ea typeface="宋体" panose="02010600030101010101" pitchFamily="2" charset="-122"/>
-              </a:rPr>
-              <a:t> </a:t>
-            </a:r>
-          </a:p>
-          <a:p>
-            <a:pPr>
-              <a:buFontTx/>
-              <a:buNone/>
-            </a:pPr>
-            <a:r>
-              <a:rPr lang="en-US" altLang="zh-CN" sz="4200" b="1" dirty="0">
-                <a:solidFill>
-                  <a:srgbClr val="0000FF"/>
-                </a:solidFill>
-                <a:ea typeface="宋体" panose="02010600030101010101" pitchFamily="2" charset="-122"/>
-              </a:rPr>
-              <a:t>where	</a:t>
-            </a:r>
-            <a:r>
-              <a:rPr lang="en-US" altLang="zh-CN" sz="4200" b="1" dirty="0" err="1">
-                <a:solidFill>
-                  <a:srgbClr val="800000"/>
-                </a:solidFill>
-                <a:ea typeface="宋体" panose="02010600030101010101" pitchFamily="2" charset="-122"/>
-              </a:rPr>
-              <a:t>int_bill_month</a:t>
-            </a:r>
-            <a:r>
-              <a:rPr lang="en-US" altLang="zh-CN" sz="4200" b="1" dirty="0">
-                <a:solidFill>
-                  <a:srgbClr val="800000"/>
-                </a:solidFill>
-                <a:ea typeface="宋体" panose="02010600030101010101" pitchFamily="2" charset="-122"/>
-              </a:rPr>
-              <a:t>=</a:t>
-            </a:r>
-            <a:r>
-              <a:rPr lang="en-US" altLang="zh-CN" sz="4200" b="1" dirty="0">
-                <a:solidFill>
-                  <a:srgbClr val="FF00FF"/>
-                </a:solidFill>
-                <a:ea typeface="宋体" panose="02010600030101010101" pitchFamily="2" charset="-122"/>
-              </a:rPr>
-              <a:t>201007) </a:t>
-            </a:r>
-            <a:r>
-              <a:rPr lang="en-US" altLang="zh-CN" sz="4200" b="1" dirty="0">
-                <a:solidFill>
-                  <a:srgbClr val="800000"/>
-                </a:solidFill>
-                <a:ea typeface="宋体" panose="02010600030101010101" pitchFamily="2" charset="-122"/>
-              </a:rPr>
-              <a:t>grp             </a:t>
-            </a:r>
-          </a:p>
-          <a:p>
-            <a:pPr>
-              <a:buFontTx/>
-              <a:buNone/>
-            </a:pPr>
-            <a:r>
-              <a:rPr lang="en-US" altLang="zh-CN" sz="4200" dirty="0">
-                <a:solidFill>
-                  <a:srgbClr val="800000"/>
-                </a:solidFill>
-                <a:ea typeface="宋体" panose="02010600030101010101" pitchFamily="2" charset="-122"/>
-              </a:rPr>
-              <a:t>	</a:t>
-            </a:r>
-            <a:r>
-              <a:rPr lang="en-US" altLang="zh-CN" sz="4200" b="1" dirty="0">
-                <a:solidFill>
-                  <a:srgbClr val="0000FF"/>
-                </a:solidFill>
-                <a:ea typeface="宋体" panose="02010600030101010101" pitchFamily="2" charset="-122"/>
-              </a:rPr>
-              <a:t>on	</a:t>
-            </a:r>
-            <a:r>
-              <a:rPr lang="en-US" altLang="zh-CN" sz="4200" b="1" dirty="0" err="1">
-                <a:solidFill>
-                  <a:srgbClr val="800000"/>
-                </a:solidFill>
-                <a:ea typeface="宋体" panose="02010600030101010101" pitchFamily="2" charset="-122"/>
-              </a:rPr>
-              <a:t>grp.c_groupid</a:t>
-            </a:r>
-            <a:r>
-              <a:rPr lang="en-US" altLang="zh-CN" sz="4200" b="1" dirty="0">
-                <a:solidFill>
-                  <a:srgbClr val="800000"/>
-                </a:solidFill>
-                <a:ea typeface="宋体" panose="02010600030101010101" pitchFamily="2" charset="-122"/>
-              </a:rPr>
-              <a:t>=</a:t>
-            </a:r>
-            <a:r>
-              <a:rPr lang="en-US" altLang="zh-CN" sz="4200" b="1" dirty="0" err="1">
-                <a:solidFill>
-                  <a:srgbClr val="800000"/>
-                </a:solidFill>
-                <a:ea typeface="宋体" panose="02010600030101010101" pitchFamily="2" charset="-122"/>
-              </a:rPr>
-              <a:t>mem.c_groupid</a:t>
-            </a:r>
-            <a:r>
-              <a:rPr lang="en-US" altLang="zh-CN" sz="4200" b="1" dirty="0">
-                <a:solidFill>
-                  <a:srgbClr val="800000"/>
-                </a:solidFill>
-                <a:ea typeface="宋体" panose="02010600030101010101" pitchFamily="2" charset="-122"/>
-              </a:rPr>
-              <a:t>                                            </a:t>
-            </a:r>
-          </a:p>
-          <a:p>
-            <a:pPr>
-              <a:buFontTx/>
-              <a:buNone/>
-            </a:pPr>
-            <a:r>
-              <a:rPr lang="en-US" altLang="zh-CN" sz="4200" b="1" dirty="0">
-                <a:solidFill>
-                  <a:srgbClr val="0000FF"/>
-                </a:solidFill>
-                <a:ea typeface="宋体" panose="02010600030101010101" pitchFamily="2" charset="-122"/>
-              </a:rPr>
-              <a:t>left outer join</a:t>
-            </a:r>
-          </a:p>
-          <a:p>
-            <a:pPr>
-              <a:buFontTx/>
-              <a:buNone/>
-            </a:pPr>
-            <a:r>
-              <a:rPr lang="en-US" altLang="zh-CN" sz="4200" dirty="0">
-                <a:solidFill>
-                  <a:srgbClr val="0000FF"/>
-                </a:solidFill>
-                <a:ea typeface="宋体" panose="02010600030101010101" pitchFamily="2" charset="-122"/>
-              </a:rPr>
-              <a:t>(</a:t>
-            </a:r>
-          </a:p>
-          <a:p>
-            <a:pPr>
-              <a:buFontTx/>
-              <a:buNone/>
-            </a:pPr>
-            <a:r>
-              <a:rPr lang="en-US" altLang="zh-CN" sz="4200" b="1" dirty="0" err="1">
-                <a:solidFill>
-                  <a:srgbClr val="0000FF"/>
-                </a:solidFill>
-                <a:ea typeface="宋体" panose="02010600030101010101" pitchFamily="2" charset="-122"/>
-              </a:rPr>
-              <a:t>sel</a:t>
-            </a:r>
-            <a:r>
-              <a:rPr lang="en-US" altLang="zh-CN" sz="4200" b="1" dirty="0">
-                <a:solidFill>
-                  <a:srgbClr val="0000FF"/>
-                </a:solidFill>
-                <a:ea typeface="宋体" panose="02010600030101010101" pitchFamily="2" charset="-122"/>
-              </a:rPr>
-              <a:t>	* </a:t>
-            </a:r>
-          </a:p>
-          <a:p>
-            <a:pPr>
-              <a:buFontTx/>
-              <a:buNone/>
-            </a:pPr>
-            <a:r>
-              <a:rPr lang="en-US" altLang="zh-CN" sz="4200" b="1" dirty="0">
-                <a:solidFill>
-                  <a:srgbClr val="0000FF"/>
-                </a:solidFill>
-                <a:ea typeface="宋体" panose="02010600030101010101" pitchFamily="2" charset="-122"/>
-              </a:rPr>
-              <a:t>from	</a:t>
-            </a:r>
-            <a:r>
-              <a:rPr lang="en-US" altLang="zh-CN" sz="4200" b="1" dirty="0">
-                <a:solidFill>
-                  <a:srgbClr val="800000"/>
-                </a:solidFill>
-                <a:ea typeface="宋体" panose="02010600030101010101" pitchFamily="2" charset="-122"/>
-              </a:rPr>
-              <a:t>pdata15.TB_CUS_GCUS_HIS  </a:t>
-            </a:r>
-          </a:p>
-          <a:p>
-            <a:pPr>
-              <a:buFontTx/>
-              <a:buNone/>
-            </a:pPr>
-            <a:r>
-              <a:rPr lang="en-US" altLang="zh-CN" sz="4200" b="1" dirty="0">
-                <a:solidFill>
-                  <a:srgbClr val="0000FF"/>
-                </a:solidFill>
-                <a:ea typeface="宋体" panose="02010600030101010101" pitchFamily="2" charset="-122"/>
-              </a:rPr>
-              <a:t>where	</a:t>
-            </a:r>
-          </a:p>
-          <a:p>
-            <a:pPr>
-              <a:buFontTx/>
-              <a:buNone/>
-            </a:pPr>
-            <a:r>
-              <a:rPr lang="en-US" altLang="zh-CN" sz="4200" dirty="0" err="1">
-                <a:solidFill>
-                  <a:srgbClr val="800000"/>
-                </a:solidFill>
-                <a:ea typeface="宋体" panose="02010600030101010101" pitchFamily="2" charset="-122"/>
-              </a:rPr>
-              <a:t>dt_chgstartdate</a:t>
-            </a:r>
-            <a:r>
-              <a:rPr lang="en-US" altLang="zh-CN" sz="4200" dirty="0">
-                <a:solidFill>
-                  <a:srgbClr val="800000"/>
-                </a:solidFill>
-                <a:ea typeface="宋体" panose="02010600030101010101" pitchFamily="2" charset="-122"/>
-              </a:rPr>
-              <a:t>&lt;=</a:t>
-            </a:r>
-            <a:r>
-              <a:rPr lang="en-US" altLang="zh-CN" sz="4200" dirty="0">
-                <a:solidFill>
-                  <a:srgbClr val="FF00FF"/>
-                </a:solidFill>
-                <a:ea typeface="宋体" panose="02010600030101010101" pitchFamily="2" charset="-122"/>
-              </a:rPr>
-              <a:t>'2010-07-31' </a:t>
-            </a:r>
-          </a:p>
-          <a:p>
-            <a:pPr>
-              <a:buFontTx/>
-              <a:buNone/>
-            </a:pPr>
-            <a:r>
-              <a:rPr lang="en-US" altLang="zh-CN" sz="4200" dirty="0">
-                <a:solidFill>
-                  <a:srgbClr val="FF00FF"/>
-                </a:solidFill>
-                <a:ea typeface="宋体" panose="02010600030101010101" pitchFamily="2" charset="-122"/>
-              </a:rPr>
-              <a:t>	</a:t>
-            </a:r>
-            <a:r>
-              <a:rPr lang="en-US" altLang="zh-CN" sz="4200" b="1" dirty="0">
-                <a:solidFill>
-                  <a:srgbClr val="0000FF"/>
-                </a:solidFill>
-                <a:ea typeface="宋体" panose="02010600030101010101" pitchFamily="2" charset="-122"/>
-              </a:rPr>
-              <a:t>and	</a:t>
-            </a:r>
-            <a:r>
-              <a:rPr lang="en-US" altLang="zh-CN" sz="4200" b="1" dirty="0" err="1">
-                <a:solidFill>
-                  <a:srgbClr val="800000"/>
-                </a:solidFill>
-                <a:ea typeface="宋体" panose="02010600030101010101" pitchFamily="2" charset="-122"/>
-              </a:rPr>
-              <a:t>dt_chgenddate</a:t>
-            </a:r>
-            <a:r>
-              <a:rPr lang="en-US" altLang="zh-CN" sz="4200" b="1" dirty="0">
-                <a:solidFill>
-                  <a:srgbClr val="800000"/>
-                </a:solidFill>
-                <a:ea typeface="宋体" panose="02010600030101010101" pitchFamily="2" charset="-122"/>
-              </a:rPr>
-              <a:t>&gt;</a:t>
-            </a:r>
-            <a:r>
-              <a:rPr lang="en-US" altLang="zh-CN" sz="4200" b="1" dirty="0">
-                <a:solidFill>
-                  <a:srgbClr val="FF00FF"/>
-                </a:solidFill>
-                <a:ea typeface="宋体" panose="02010600030101010101" pitchFamily="2" charset="-122"/>
-              </a:rPr>
-              <a:t>'2010-07-31'</a:t>
-            </a:r>
-          </a:p>
-          <a:p>
-            <a:pPr>
-              <a:buFontTx/>
-              <a:buNone/>
-            </a:pPr>
-            <a:r>
-              <a:rPr lang="en-US" altLang="zh-CN" sz="4200" dirty="0">
-                <a:solidFill>
-                  <a:srgbClr val="FF00FF"/>
-                </a:solidFill>
-                <a:ea typeface="宋体" panose="02010600030101010101" pitchFamily="2" charset="-122"/>
-              </a:rPr>
-              <a:t>	</a:t>
-            </a:r>
-            <a:r>
-              <a:rPr lang="en-US" altLang="zh-CN" sz="4200" b="1" dirty="0">
-                <a:solidFill>
-                  <a:srgbClr val="0000FF"/>
-                </a:solidFill>
-                <a:ea typeface="宋体" panose="02010600030101010101" pitchFamily="2" charset="-122"/>
-              </a:rPr>
-              <a:t>and	</a:t>
-            </a:r>
-            <a:r>
-              <a:rPr lang="en-US" altLang="zh-CN" sz="4200" b="1" dirty="0" err="1">
-                <a:solidFill>
-                  <a:srgbClr val="800000"/>
-                </a:solidFill>
-                <a:ea typeface="宋体" panose="02010600030101010101" pitchFamily="2" charset="-122"/>
-              </a:rPr>
-              <a:t>c_source_sys</a:t>
-            </a:r>
-            <a:r>
-              <a:rPr lang="en-US" altLang="zh-CN" sz="4200" b="1" dirty="0">
-                <a:solidFill>
-                  <a:srgbClr val="800000"/>
-                </a:solidFill>
-                <a:ea typeface="宋体" panose="02010600030101010101" pitchFamily="2" charset="-122"/>
-              </a:rPr>
-              <a:t> </a:t>
-            </a:r>
-            <a:r>
-              <a:rPr lang="en-US" altLang="zh-CN" sz="4200" b="1" dirty="0">
-                <a:solidFill>
-                  <a:srgbClr val="0000FF"/>
-                </a:solidFill>
-                <a:ea typeface="宋体" panose="02010600030101010101" pitchFamily="2" charset="-122"/>
-              </a:rPr>
-              <a:t>in (</a:t>
-            </a:r>
-            <a:r>
-              <a:rPr lang="en-US" altLang="zh-CN" sz="4200" b="1" dirty="0">
-                <a:solidFill>
-                  <a:srgbClr val="FF00FF"/>
-                </a:solidFill>
-                <a:ea typeface="宋体" panose="02010600030101010101" pitchFamily="2" charset="-122"/>
-              </a:rPr>
-              <a:t>'</a:t>
-            </a:r>
-            <a:r>
-              <a:rPr lang="en-US" altLang="zh-CN" sz="4200" b="1" dirty="0" err="1">
-                <a:solidFill>
-                  <a:srgbClr val="FF00FF"/>
-                </a:solidFill>
-                <a:ea typeface="宋体" panose="02010600030101010101" pitchFamily="2" charset="-122"/>
-              </a:rPr>
-              <a:t>zh</a:t>
-            </a:r>
-            <a:r>
-              <a:rPr lang="en-US" altLang="zh-CN" sz="4200" b="1" dirty="0">
-                <a:solidFill>
-                  <a:srgbClr val="FF00FF"/>
-                </a:solidFill>
-                <a:ea typeface="宋体" panose="02010600030101010101" pitchFamily="2" charset="-122"/>
-              </a:rPr>
-              <a:t>')   </a:t>
-            </a:r>
-          </a:p>
-          <a:p>
-            <a:pPr>
-              <a:buFontTx/>
-              <a:buNone/>
-            </a:pPr>
-            <a:r>
-              <a:rPr lang="en-US" altLang="zh-CN" sz="4200" dirty="0">
-                <a:solidFill>
-                  <a:srgbClr val="FF00FF"/>
-                </a:solidFill>
-                <a:ea typeface="宋体" panose="02010600030101010101" pitchFamily="2" charset="-122"/>
-              </a:rPr>
-              <a:t>	</a:t>
-            </a:r>
-            <a:r>
-              <a:rPr lang="en-US" altLang="zh-CN" sz="4200" b="1" dirty="0">
-                <a:solidFill>
-                  <a:srgbClr val="0000FF"/>
-                </a:solidFill>
-                <a:ea typeface="宋体" panose="02010600030101010101" pitchFamily="2" charset="-122"/>
-              </a:rPr>
-              <a:t>and	</a:t>
-            </a:r>
-            <a:r>
-              <a:rPr lang="en-US" altLang="zh-CN" sz="4200" b="1" dirty="0" err="1">
-                <a:solidFill>
-                  <a:srgbClr val="800000"/>
-                </a:solidFill>
-                <a:ea typeface="宋体" panose="02010600030101010101" pitchFamily="2" charset="-122"/>
-              </a:rPr>
-              <a:t>si_cust_stat</a:t>
-            </a:r>
-            <a:r>
-              <a:rPr lang="en-US" altLang="zh-CN" sz="4200" b="1" dirty="0">
-                <a:solidFill>
-                  <a:srgbClr val="800000"/>
-                </a:solidFill>
-                <a:ea typeface="宋体" panose="02010600030101010101" pitchFamily="2" charset="-122"/>
-              </a:rPr>
-              <a:t>=</a:t>
-            </a:r>
-            <a:r>
-              <a:rPr lang="en-US" altLang="zh-CN" sz="4200" b="1" dirty="0">
-                <a:solidFill>
-                  <a:srgbClr val="FF00FF"/>
-                </a:solidFill>
-                <a:ea typeface="宋体" panose="02010600030101010101" pitchFamily="2" charset="-122"/>
-              </a:rPr>
-              <a:t>'</a:t>
-            </a:r>
-            <a:r>
-              <a:rPr lang="en-US" altLang="zh-CN" sz="4200" b="1" dirty="0" err="1">
-                <a:solidFill>
-                  <a:srgbClr val="FF00FF"/>
-                </a:solidFill>
-                <a:ea typeface="宋体" panose="02010600030101010101" pitchFamily="2" charset="-122"/>
-              </a:rPr>
-              <a:t>stcmNml</a:t>
-            </a:r>
-            <a:r>
-              <a:rPr lang="en-US" altLang="zh-CN" sz="4200" b="1" dirty="0">
-                <a:solidFill>
-                  <a:srgbClr val="FF00FF"/>
-                </a:solidFill>
-                <a:ea typeface="宋体" panose="02010600030101010101" pitchFamily="2" charset="-122"/>
-              </a:rPr>
-              <a:t>') </a:t>
-            </a:r>
-            <a:r>
-              <a:rPr lang="en-US" altLang="zh-CN" sz="4200" b="1" dirty="0" err="1">
-                <a:solidFill>
-                  <a:srgbClr val="800000"/>
-                </a:solidFill>
-                <a:ea typeface="宋体" panose="02010600030101010101" pitchFamily="2" charset="-122"/>
-              </a:rPr>
-              <a:t>ghis</a:t>
-            </a:r>
-            <a:endParaRPr lang="en-US" altLang="zh-CN" sz="4200" b="1" dirty="0">
-              <a:solidFill>
-                <a:srgbClr val="800000"/>
-              </a:solidFill>
-              <a:ea typeface="宋体" panose="02010600030101010101" pitchFamily="2" charset="-122"/>
-            </a:endParaRPr>
-          </a:p>
-          <a:p>
-            <a:pPr>
-              <a:buFontTx/>
-              <a:buNone/>
-            </a:pPr>
-            <a:r>
-              <a:rPr lang="en-US" altLang="zh-CN" sz="4200" dirty="0">
-                <a:solidFill>
-                  <a:srgbClr val="800000"/>
-                </a:solidFill>
-                <a:ea typeface="宋体" panose="02010600030101010101" pitchFamily="2" charset="-122"/>
-              </a:rPr>
-              <a:t>	</a:t>
-            </a:r>
-            <a:r>
-              <a:rPr lang="en-US" altLang="zh-CN" sz="4200" b="1" dirty="0">
-                <a:solidFill>
-                  <a:srgbClr val="0000FF"/>
-                </a:solidFill>
-                <a:ea typeface="宋体" panose="02010600030101010101" pitchFamily="2" charset="-122"/>
-              </a:rPr>
-              <a:t>on </a:t>
-            </a:r>
-            <a:r>
-              <a:rPr lang="en-US" altLang="zh-CN" sz="4200" b="1" dirty="0" err="1">
-                <a:solidFill>
-                  <a:srgbClr val="800000"/>
-                </a:solidFill>
-                <a:ea typeface="宋体" panose="02010600030101010101" pitchFamily="2" charset="-122"/>
-              </a:rPr>
-              <a:t>mem.c_groupid</a:t>
-            </a:r>
-            <a:r>
-              <a:rPr lang="en-US" altLang="zh-CN" sz="4200" b="1" dirty="0">
-                <a:solidFill>
-                  <a:srgbClr val="800000"/>
-                </a:solidFill>
-                <a:ea typeface="宋体" panose="02010600030101010101" pitchFamily="2" charset="-122"/>
-              </a:rPr>
-              <a:t>=</a:t>
-            </a:r>
-            <a:r>
-              <a:rPr lang="en-US" altLang="zh-CN" sz="4200" b="1" dirty="0" err="1">
-                <a:solidFill>
-                  <a:srgbClr val="800000"/>
-                </a:solidFill>
-                <a:ea typeface="宋体" panose="02010600030101010101" pitchFamily="2" charset="-122"/>
-              </a:rPr>
-              <a:t>ghis.c_groupid</a:t>
-            </a:r>
-            <a:endParaRPr lang="en-US" altLang="zh-CN" sz="4200" b="1" dirty="0">
-              <a:solidFill>
-                <a:srgbClr val="800000"/>
-              </a:solidFill>
-              <a:ea typeface="宋体" panose="02010600030101010101" pitchFamily="2" charset="-122"/>
-            </a:endParaRPr>
+            <a:pPr marL="0" indent="0">
+              <a:lnSpc>
+                <a:spcPct val="150000"/>
+              </a:lnSpc>
+              <a:buNone/>
+            </a:pPr>
+            <a:r>
+              <a:rPr lang="zh-CN" altLang="en-US" dirty="0"/>
+              <a:t>现在众多网站对于爬虫都有防爬虫机制，一般来说有如下</a:t>
+            </a:r>
+            <a:r>
+              <a:rPr lang="zh-CN" altLang="en-US" dirty="0" smtClean="0"/>
+              <a:t>难点</a:t>
+            </a:r>
+            <a:r>
+              <a:rPr lang="zh-CN" altLang="en-US" dirty="0"/>
+              <a:t>：</a:t>
+            </a:r>
+            <a:endParaRPr lang="en-US" altLang="zh-CN" dirty="0"/>
+          </a:p>
+          <a:p>
+            <a:pPr marL="0" indent="0">
+              <a:lnSpc>
+                <a:spcPct val="150000"/>
+              </a:lnSpc>
+              <a:buNone/>
+            </a:pPr>
+            <a:r>
+              <a:rPr lang="en-US" altLang="zh-CN" dirty="0"/>
+              <a:t>     </a:t>
+            </a:r>
+            <a:r>
+              <a:rPr lang="zh-CN" altLang="en-US" dirty="0"/>
+              <a:t>（</a:t>
+            </a:r>
+            <a:r>
+              <a:rPr lang="en-US" altLang="zh-CN" dirty="0"/>
+              <a:t>1</a:t>
+            </a:r>
+            <a:r>
+              <a:rPr lang="zh-CN" altLang="en-US" dirty="0"/>
+              <a:t>）</a:t>
+            </a:r>
+            <a:r>
+              <a:rPr lang="en-US" altLang="zh-CN" dirty="0"/>
+              <a:t>IP</a:t>
+            </a:r>
+            <a:r>
+              <a:rPr lang="zh-CN" altLang="en-US" dirty="0"/>
+              <a:t>限制，限制其单位时间的访问次数。</a:t>
+            </a:r>
+            <a:endParaRPr lang="en-US" altLang="zh-CN" dirty="0"/>
+          </a:p>
+          <a:p>
+            <a:pPr marL="0" indent="0">
+              <a:lnSpc>
+                <a:spcPct val="150000"/>
+              </a:lnSpc>
+              <a:buNone/>
+            </a:pPr>
+            <a:r>
+              <a:rPr lang="en-US" altLang="zh-CN" dirty="0"/>
+              <a:t>     </a:t>
+            </a:r>
+            <a:r>
+              <a:rPr lang="zh-CN" altLang="en-US" dirty="0"/>
+              <a:t>（</a:t>
+            </a:r>
+            <a:r>
+              <a:rPr lang="en-US" altLang="zh-CN" dirty="0"/>
+              <a:t>2</a:t>
+            </a:r>
+            <a:r>
+              <a:rPr lang="zh-CN" altLang="en-US" dirty="0"/>
+              <a:t>）</a:t>
+            </a:r>
+            <a:r>
+              <a:rPr lang="en-US" altLang="zh-CN" dirty="0"/>
+              <a:t>session</a:t>
+            </a:r>
+            <a:r>
+              <a:rPr lang="zh-CN" altLang="en-US" dirty="0"/>
+              <a:t>限制，对于同一</a:t>
+            </a:r>
+            <a:r>
+              <a:rPr lang="en-US" altLang="zh-CN" dirty="0"/>
+              <a:t>session</a:t>
+            </a:r>
+            <a:r>
+              <a:rPr lang="zh-CN" altLang="en-US" dirty="0"/>
+              <a:t>限制其操作。</a:t>
+            </a:r>
+            <a:endParaRPr lang="en-US" altLang="zh-CN" dirty="0"/>
+          </a:p>
+          <a:p>
+            <a:pPr marL="0" indent="0">
+              <a:lnSpc>
+                <a:spcPct val="150000"/>
+              </a:lnSpc>
+              <a:buNone/>
+            </a:pPr>
+            <a:r>
+              <a:rPr lang="zh-CN" altLang="en-US" dirty="0"/>
+              <a:t>     （</a:t>
+            </a:r>
+            <a:r>
+              <a:rPr lang="en-US" altLang="zh-CN" dirty="0"/>
+              <a:t>3</a:t>
+            </a:r>
+            <a:r>
+              <a:rPr lang="zh-CN" altLang="en-US" dirty="0"/>
+              <a:t>）验证码，验证码是为了防止机器人，而不是人。</a:t>
+            </a:r>
+            <a:endParaRPr lang="en-US" altLang="zh-CN" dirty="0"/>
+          </a:p>
+          <a:p>
+            <a:pPr marL="0" indent="0">
+              <a:lnSpc>
+                <a:spcPct val="150000"/>
+              </a:lnSpc>
+              <a:buNone/>
+            </a:pPr>
+            <a:r>
+              <a:rPr lang="en-US" altLang="zh-CN" dirty="0"/>
+              <a:t>     </a:t>
+            </a:r>
+            <a:r>
+              <a:rPr lang="zh-CN" altLang="en-US" dirty="0"/>
+              <a:t>（</a:t>
+            </a:r>
+            <a:r>
+              <a:rPr lang="en-US" altLang="zh-CN" dirty="0"/>
+              <a:t>4</a:t>
+            </a:r>
+            <a:r>
+              <a:rPr lang="zh-CN" altLang="en-US" dirty="0"/>
+              <a:t>）并发限制，限制同一客户的并发数。</a:t>
+            </a:r>
+            <a:endParaRPr lang="en-US" altLang="zh-CN" dirty="0"/>
           </a:p>
           <a:p>
             <a:endParaRPr lang="zh-CN" altLang="en-US" dirty="0">
               <a:latin typeface="微软雅黑" panose="020B0503020204020204" pitchFamily="34" charset="-122"/>
               <a:ea typeface="微软雅黑" panose="020B0503020204020204" pitchFamily="34" charset="-122"/>
-            </a:endParaRPr>
-          </a:p>
-        </p:txBody>
-      </p:sp>
-      <p:sp>
-        <p:nvSpPr>
-          <p:cNvPr id="8" name="二十四角星 3"/>
-          <p:cNvSpPr>
-            <a:spLocks noChangeArrowheads="1"/>
-          </p:cNvSpPr>
-          <p:nvPr/>
-        </p:nvSpPr>
-        <p:spPr bwMode="auto">
-          <a:xfrm>
-            <a:off x="4835624" y="4339258"/>
-            <a:ext cx="4038600" cy="762000"/>
-          </a:xfrm>
-          <a:prstGeom prst="star24">
-            <a:avLst>
-              <a:gd name="adj" fmla="val 37500"/>
-            </a:avLst>
-          </a:prstGeom>
-          <a:solidFill>
-            <a:schemeClr val="accent1"/>
-          </a:solidFill>
-          <a:ln w="9525" algn="ctr">
-            <a:solidFill>
-              <a:schemeClr val="tx1"/>
-            </a:solidFill>
-            <a:round/>
-            <a:headEnd/>
-            <a:tailEnd/>
-          </a:ln>
-        </p:spPr>
-        <p:txBody>
-          <a:bodyPr wrap="none" anchor="ctr"/>
-          <a:lstStyle>
-            <a:lvl1pPr marL="230188" indent="-230188">
-              <a:defRPr>
-                <a:solidFill>
-                  <a:schemeClr val="tx1"/>
-                </a:solidFill>
-                <a:latin typeface="Verdana" panose="020B0604030504040204" pitchFamily="34" charset="0"/>
-              </a:defRPr>
-            </a:lvl1pPr>
-            <a:lvl2pPr marL="742950" indent="-285750">
-              <a:defRPr>
-                <a:solidFill>
-                  <a:schemeClr val="tx1"/>
-                </a:solidFill>
-                <a:latin typeface="Verdana" panose="020B0604030504040204" pitchFamily="34" charset="0"/>
-              </a:defRPr>
-            </a:lvl2pPr>
-            <a:lvl3pPr marL="1143000" indent="-228600">
-              <a:defRPr>
-                <a:solidFill>
-                  <a:schemeClr val="tx1"/>
-                </a:solidFill>
-                <a:latin typeface="Verdana" panose="020B0604030504040204" pitchFamily="34" charset="0"/>
-              </a:defRPr>
-            </a:lvl3pPr>
-            <a:lvl4pPr marL="1600200" indent="-228600">
-              <a:defRPr>
-                <a:solidFill>
-                  <a:schemeClr val="tx1"/>
-                </a:solidFill>
-                <a:latin typeface="Verdana" panose="020B0604030504040204" pitchFamily="34" charset="0"/>
-              </a:defRPr>
-            </a:lvl4pPr>
-            <a:lvl5pPr marL="2057400" indent="-228600">
-              <a:defRPr>
-                <a:solidFill>
-                  <a:schemeClr val="tx1"/>
-                </a:solidFill>
-                <a:latin typeface="Verdana" panose="020B0604030504040204" pitchFamily="34" charset="0"/>
-              </a:defRPr>
-            </a:lvl5pPr>
-            <a:lvl6pPr marL="2514600" indent="-228600" algn="ctr" eaLnBrk="0" fontAlgn="base" hangingPunct="0">
-              <a:lnSpc>
-                <a:spcPct val="90000"/>
-              </a:lnSpc>
-              <a:spcBef>
-                <a:spcPct val="20000"/>
-              </a:spcBef>
-              <a:spcAft>
-                <a:spcPct val="0"/>
-              </a:spcAft>
-              <a:buClr>
-                <a:schemeClr val="accent1"/>
-              </a:buClr>
-              <a:defRPr>
-                <a:solidFill>
-                  <a:schemeClr val="tx1"/>
-                </a:solidFill>
-                <a:latin typeface="Verdana" panose="020B0604030504040204" pitchFamily="34" charset="0"/>
-              </a:defRPr>
-            </a:lvl6pPr>
-            <a:lvl7pPr marL="2971800" indent="-228600" algn="ctr" eaLnBrk="0" fontAlgn="base" hangingPunct="0">
-              <a:lnSpc>
-                <a:spcPct val="90000"/>
-              </a:lnSpc>
-              <a:spcBef>
-                <a:spcPct val="20000"/>
-              </a:spcBef>
-              <a:spcAft>
-                <a:spcPct val="0"/>
-              </a:spcAft>
-              <a:buClr>
-                <a:schemeClr val="accent1"/>
-              </a:buClr>
-              <a:defRPr>
-                <a:solidFill>
-                  <a:schemeClr val="tx1"/>
-                </a:solidFill>
-                <a:latin typeface="Verdana" panose="020B0604030504040204" pitchFamily="34" charset="0"/>
-              </a:defRPr>
-            </a:lvl7pPr>
-            <a:lvl8pPr marL="3429000" indent="-228600" algn="ctr" eaLnBrk="0" fontAlgn="base" hangingPunct="0">
-              <a:lnSpc>
-                <a:spcPct val="90000"/>
-              </a:lnSpc>
-              <a:spcBef>
-                <a:spcPct val="20000"/>
-              </a:spcBef>
-              <a:spcAft>
-                <a:spcPct val="0"/>
-              </a:spcAft>
-              <a:buClr>
-                <a:schemeClr val="accent1"/>
-              </a:buClr>
-              <a:defRPr>
-                <a:solidFill>
-                  <a:schemeClr val="tx1"/>
-                </a:solidFill>
-                <a:latin typeface="Verdana" panose="020B0604030504040204" pitchFamily="34" charset="0"/>
-              </a:defRPr>
-            </a:lvl8pPr>
-            <a:lvl9pPr marL="3886200" indent="-228600" algn="ctr" eaLnBrk="0" fontAlgn="base" hangingPunct="0">
-              <a:lnSpc>
-                <a:spcPct val="90000"/>
-              </a:lnSpc>
-              <a:spcBef>
-                <a:spcPct val="20000"/>
-              </a:spcBef>
-              <a:spcAft>
-                <a:spcPct val="0"/>
-              </a:spcAft>
-              <a:buClr>
-                <a:schemeClr val="accent1"/>
-              </a:buClr>
-              <a:defRPr>
-                <a:solidFill>
-                  <a:schemeClr val="tx1"/>
-                </a:solidFill>
-                <a:latin typeface="Verdana" panose="020B0604030504040204" pitchFamily="34" charset="0"/>
-              </a:defRPr>
-            </a:lvl9pPr>
-          </a:lstStyle>
-          <a:p>
-            <a:r>
-              <a:rPr lang="zh-CN" altLang="en-US" dirty="0" smtClean="0">
-                <a:ea typeface="宋体" panose="02010600030101010101" pitchFamily="2" charset="-122"/>
-              </a:rPr>
-              <a:t>跑</a:t>
-            </a:r>
-            <a:r>
-              <a:rPr lang="zh-CN" altLang="en-US" dirty="0">
-                <a:ea typeface="宋体" panose="02010600030101010101" pitchFamily="2" charset="-122"/>
-              </a:rPr>
-              <a:t>了</a:t>
-            </a:r>
-            <a:r>
-              <a:rPr lang="en-US" altLang="zh-CN" dirty="0">
-                <a:ea typeface="宋体" panose="02010600030101010101" pitchFamily="2" charset="-122"/>
-              </a:rPr>
-              <a:t>2</a:t>
-            </a:r>
-            <a:r>
-              <a:rPr lang="zh-CN" altLang="en-US" dirty="0">
-                <a:ea typeface="宋体" panose="02010600030101010101" pitchFamily="2" charset="-122"/>
-              </a:rPr>
-              <a:t>个小时！</a:t>
-            </a:r>
-          </a:p>
-        </p:txBody>
-      </p:sp>
-      <p:sp>
-        <p:nvSpPr>
-          <p:cNvPr id="9" name="椭圆形标注 4"/>
-          <p:cNvSpPr>
-            <a:spLocks noChangeArrowheads="1"/>
-          </p:cNvSpPr>
-          <p:nvPr/>
-        </p:nvSpPr>
-        <p:spPr bwMode="auto">
-          <a:xfrm>
-            <a:off x="4716016" y="1426874"/>
-            <a:ext cx="4427984" cy="914400"/>
-          </a:xfrm>
-          <a:prstGeom prst="wedgeEllipseCallout">
-            <a:avLst>
-              <a:gd name="adj1" fmla="val -137509"/>
-              <a:gd name="adj2" fmla="val 74847"/>
-            </a:avLst>
-          </a:prstGeom>
-          <a:solidFill>
-            <a:schemeClr val="accent1"/>
-          </a:solidFill>
-          <a:ln w="9525" algn="ctr">
-            <a:solidFill>
-              <a:schemeClr val="tx1"/>
-            </a:solidFill>
-            <a:round/>
-            <a:headEnd/>
-            <a:tailEnd/>
-          </a:ln>
-        </p:spPr>
-        <p:txBody>
-          <a:bodyPr wrap="none" anchor="ctr"/>
-          <a:lstStyle>
-            <a:lvl1pPr marL="230188" indent="-230188">
-              <a:defRPr>
-                <a:solidFill>
-                  <a:schemeClr val="tx1"/>
-                </a:solidFill>
-                <a:latin typeface="Verdana" panose="020B0604030504040204" pitchFamily="34" charset="0"/>
-              </a:defRPr>
-            </a:lvl1pPr>
-            <a:lvl2pPr marL="742950" indent="-285750">
-              <a:defRPr>
-                <a:solidFill>
-                  <a:schemeClr val="tx1"/>
-                </a:solidFill>
-                <a:latin typeface="Verdana" panose="020B0604030504040204" pitchFamily="34" charset="0"/>
-              </a:defRPr>
-            </a:lvl2pPr>
-            <a:lvl3pPr marL="1143000" indent="-228600">
-              <a:defRPr>
-                <a:solidFill>
-                  <a:schemeClr val="tx1"/>
-                </a:solidFill>
-                <a:latin typeface="Verdana" panose="020B0604030504040204" pitchFamily="34" charset="0"/>
-              </a:defRPr>
-            </a:lvl3pPr>
-            <a:lvl4pPr marL="1600200" indent="-228600">
-              <a:defRPr>
-                <a:solidFill>
-                  <a:schemeClr val="tx1"/>
-                </a:solidFill>
-                <a:latin typeface="Verdana" panose="020B0604030504040204" pitchFamily="34" charset="0"/>
-              </a:defRPr>
-            </a:lvl4pPr>
-            <a:lvl5pPr marL="2057400" indent="-228600">
-              <a:defRPr>
-                <a:solidFill>
-                  <a:schemeClr val="tx1"/>
-                </a:solidFill>
-                <a:latin typeface="Verdana" panose="020B0604030504040204" pitchFamily="34" charset="0"/>
-              </a:defRPr>
-            </a:lvl5pPr>
-            <a:lvl6pPr marL="2514600" indent="-228600" algn="ctr" eaLnBrk="0" fontAlgn="base" hangingPunct="0">
-              <a:lnSpc>
-                <a:spcPct val="90000"/>
-              </a:lnSpc>
-              <a:spcBef>
-                <a:spcPct val="20000"/>
-              </a:spcBef>
-              <a:spcAft>
-                <a:spcPct val="0"/>
-              </a:spcAft>
-              <a:buClr>
-                <a:schemeClr val="accent1"/>
-              </a:buClr>
-              <a:defRPr>
-                <a:solidFill>
-                  <a:schemeClr val="tx1"/>
-                </a:solidFill>
-                <a:latin typeface="Verdana" panose="020B0604030504040204" pitchFamily="34" charset="0"/>
-              </a:defRPr>
-            </a:lvl6pPr>
-            <a:lvl7pPr marL="2971800" indent="-228600" algn="ctr" eaLnBrk="0" fontAlgn="base" hangingPunct="0">
-              <a:lnSpc>
-                <a:spcPct val="90000"/>
-              </a:lnSpc>
-              <a:spcBef>
-                <a:spcPct val="20000"/>
-              </a:spcBef>
-              <a:spcAft>
-                <a:spcPct val="0"/>
-              </a:spcAft>
-              <a:buClr>
-                <a:schemeClr val="accent1"/>
-              </a:buClr>
-              <a:defRPr>
-                <a:solidFill>
-                  <a:schemeClr val="tx1"/>
-                </a:solidFill>
-                <a:latin typeface="Verdana" panose="020B0604030504040204" pitchFamily="34" charset="0"/>
-              </a:defRPr>
-            </a:lvl7pPr>
-            <a:lvl8pPr marL="3429000" indent="-228600" algn="ctr" eaLnBrk="0" fontAlgn="base" hangingPunct="0">
-              <a:lnSpc>
-                <a:spcPct val="90000"/>
-              </a:lnSpc>
-              <a:spcBef>
-                <a:spcPct val="20000"/>
-              </a:spcBef>
-              <a:spcAft>
-                <a:spcPct val="0"/>
-              </a:spcAft>
-              <a:buClr>
-                <a:schemeClr val="accent1"/>
-              </a:buClr>
-              <a:defRPr>
-                <a:solidFill>
-                  <a:schemeClr val="tx1"/>
-                </a:solidFill>
-                <a:latin typeface="Verdana" panose="020B0604030504040204" pitchFamily="34" charset="0"/>
-              </a:defRPr>
-            </a:lvl8pPr>
-            <a:lvl9pPr marL="3886200" indent="-228600" algn="ctr" eaLnBrk="0" fontAlgn="base" hangingPunct="0">
-              <a:lnSpc>
-                <a:spcPct val="90000"/>
-              </a:lnSpc>
-              <a:spcBef>
-                <a:spcPct val="20000"/>
-              </a:spcBef>
-              <a:spcAft>
-                <a:spcPct val="0"/>
-              </a:spcAft>
-              <a:buClr>
-                <a:schemeClr val="accent1"/>
-              </a:buClr>
-              <a:defRPr>
-                <a:solidFill>
-                  <a:schemeClr val="tx1"/>
-                </a:solidFill>
-                <a:latin typeface="Verdana" panose="020B0604030504040204" pitchFamily="34" charset="0"/>
-              </a:defRPr>
-            </a:lvl9pPr>
-          </a:lstStyle>
-          <a:p>
-            <a:r>
-              <a:rPr lang="zh-CN" altLang="en-US" sz="1400" dirty="0">
-                <a:ea typeface="宋体" panose="02010600030101010101" pitchFamily="2" charset="-122"/>
-              </a:rPr>
-              <a:t>不是所有子查询的字段都用到，但用了</a:t>
-            </a:r>
-            <a:r>
-              <a:rPr lang="en-US" altLang="zh-CN" sz="1400" dirty="0">
-                <a:ea typeface="宋体" panose="02010600030101010101" pitchFamily="2" charset="-122"/>
-              </a:rPr>
-              <a:t>SEL *</a:t>
-            </a:r>
-            <a:r>
-              <a:rPr lang="zh-CN" altLang="en-US" sz="1400" dirty="0">
-                <a:ea typeface="宋体" panose="02010600030101010101" pitchFamily="2" charset="-122"/>
-              </a:rPr>
-              <a:t>。</a:t>
-            </a:r>
-            <a:endParaRPr lang="en-US" altLang="zh-CN" sz="1400" dirty="0">
-              <a:ea typeface="宋体" panose="02010600030101010101" pitchFamily="2" charset="-122"/>
-            </a:endParaRPr>
-          </a:p>
-          <a:p>
-            <a:r>
-              <a:rPr lang="zh-CN" altLang="en-US" sz="1400" dirty="0">
-                <a:ea typeface="宋体" panose="02010600030101010101" pitchFamily="2" charset="-122"/>
-              </a:rPr>
-              <a:t>加大了</a:t>
-            </a:r>
-            <a:r>
-              <a:rPr lang="en-US" altLang="zh-CN" sz="1400" dirty="0">
-                <a:ea typeface="宋体" panose="02010600030101010101" pitchFamily="2" charset="-122"/>
-              </a:rPr>
-              <a:t>IO</a:t>
-            </a:r>
-            <a:r>
-              <a:rPr lang="zh-CN" altLang="en-US" sz="1400" dirty="0">
-                <a:ea typeface="宋体" panose="02010600030101010101" pitchFamily="2" charset="-122"/>
-              </a:rPr>
-              <a:t>量，无用功，完成时间加长</a:t>
-            </a:r>
-          </a:p>
-        </p:txBody>
-      </p:sp>
-      <p:sp>
-        <p:nvSpPr>
-          <p:cNvPr id="10" name="椭圆形标注 9"/>
-          <p:cNvSpPr>
-            <a:spLocks noChangeArrowheads="1"/>
-          </p:cNvSpPr>
-          <p:nvPr/>
-        </p:nvSpPr>
-        <p:spPr bwMode="auto">
-          <a:xfrm>
-            <a:off x="3275856" y="3197311"/>
-            <a:ext cx="4495800" cy="914400"/>
-          </a:xfrm>
-          <a:prstGeom prst="wedgeEllipseCallout">
-            <a:avLst>
-              <a:gd name="adj1" fmla="val -55236"/>
-              <a:gd name="adj2" fmla="val 31634"/>
-            </a:avLst>
-          </a:prstGeom>
-          <a:solidFill>
-            <a:schemeClr val="accent1"/>
-          </a:solidFill>
-          <a:ln w="9525" algn="ctr">
-            <a:solidFill>
-              <a:schemeClr val="tx1"/>
-            </a:solidFill>
-            <a:round/>
-            <a:headEnd/>
-            <a:tailEnd/>
-          </a:ln>
-        </p:spPr>
-        <p:txBody>
-          <a:bodyPr wrap="none" anchor="ctr"/>
-          <a:lstStyle>
-            <a:defPPr>
-              <a:defRPr lang="en-US"/>
-            </a:defPPr>
-            <a:lvl1pPr algn="ctr" rtl="0" eaLnBrk="0" fontAlgn="base" hangingPunct="0">
-              <a:lnSpc>
-                <a:spcPct val="90000"/>
-              </a:lnSpc>
-              <a:spcBef>
-                <a:spcPct val="20000"/>
-              </a:spcBef>
-              <a:spcAft>
-                <a:spcPct val="0"/>
-              </a:spcAft>
-              <a:buClr>
-                <a:schemeClr val="accent1"/>
-              </a:buClr>
-              <a:defRPr kern="1200">
-                <a:solidFill>
-                  <a:schemeClr val="tx1"/>
-                </a:solidFill>
-                <a:latin typeface="Verdana" panose="020B0604030504040204" pitchFamily="34" charset="0"/>
-                <a:ea typeface="+mn-ea"/>
-                <a:cs typeface="+mn-cs"/>
-              </a:defRPr>
-            </a:lvl1pPr>
-            <a:lvl2pPr marL="457200" algn="ctr" rtl="0" eaLnBrk="0" fontAlgn="base" hangingPunct="0">
-              <a:lnSpc>
-                <a:spcPct val="90000"/>
-              </a:lnSpc>
-              <a:spcBef>
-                <a:spcPct val="20000"/>
-              </a:spcBef>
-              <a:spcAft>
-                <a:spcPct val="0"/>
-              </a:spcAft>
-              <a:buClr>
-                <a:schemeClr val="accent1"/>
-              </a:buClr>
-              <a:defRPr kern="1200">
-                <a:solidFill>
-                  <a:schemeClr val="tx1"/>
-                </a:solidFill>
-                <a:latin typeface="Verdana" panose="020B0604030504040204" pitchFamily="34" charset="0"/>
-                <a:ea typeface="+mn-ea"/>
-                <a:cs typeface="+mn-cs"/>
-              </a:defRPr>
-            </a:lvl2pPr>
-            <a:lvl3pPr marL="914400" algn="ctr" rtl="0" eaLnBrk="0" fontAlgn="base" hangingPunct="0">
-              <a:lnSpc>
-                <a:spcPct val="90000"/>
-              </a:lnSpc>
-              <a:spcBef>
-                <a:spcPct val="20000"/>
-              </a:spcBef>
-              <a:spcAft>
-                <a:spcPct val="0"/>
-              </a:spcAft>
-              <a:buClr>
-                <a:schemeClr val="accent1"/>
-              </a:buClr>
-              <a:defRPr kern="1200">
-                <a:solidFill>
-                  <a:schemeClr val="tx1"/>
-                </a:solidFill>
-                <a:latin typeface="Verdana" panose="020B0604030504040204" pitchFamily="34" charset="0"/>
-                <a:ea typeface="+mn-ea"/>
-                <a:cs typeface="+mn-cs"/>
-              </a:defRPr>
-            </a:lvl3pPr>
-            <a:lvl4pPr marL="1371600" algn="ctr" rtl="0" eaLnBrk="0" fontAlgn="base" hangingPunct="0">
-              <a:lnSpc>
-                <a:spcPct val="90000"/>
-              </a:lnSpc>
-              <a:spcBef>
-                <a:spcPct val="20000"/>
-              </a:spcBef>
-              <a:spcAft>
-                <a:spcPct val="0"/>
-              </a:spcAft>
-              <a:buClr>
-                <a:schemeClr val="accent1"/>
-              </a:buClr>
-              <a:defRPr kern="1200">
-                <a:solidFill>
-                  <a:schemeClr val="tx1"/>
-                </a:solidFill>
-                <a:latin typeface="Verdana" panose="020B0604030504040204" pitchFamily="34" charset="0"/>
-                <a:ea typeface="+mn-ea"/>
-                <a:cs typeface="+mn-cs"/>
-              </a:defRPr>
-            </a:lvl4pPr>
-            <a:lvl5pPr marL="1828800" algn="ctr" rtl="0" eaLnBrk="0" fontAlgn="base" hangingPunct="0">
-              <a:lnSpc>
-                <a:spcPct val="90000"/>
-              </a:lnSpc>
-              <a:spcBef>
-                <a:spcPct val="20000"/>
-              </a:spcBef>
-              <a:spcAft>
-                <a:spcPct val="0"/>
-              </a:spcAft>
-              <a:buClr>
-                <a:schemeClr val="accent1"/>
-              </a:buClr>
-              <a:defRPr kern="1200">
-                <a:solidFill>
-                  <a:schemeClr val="tx1"/>
-                </a:solidFill>
-                <a:latin typeface="Verdana" panose="020B0604030504040204" pitchFamily="34" charset="0"/>
-                <a:ea typeface="+mn-ea"/>
-                <a:cs typeface="+mn-cs"/>
-              </a:defRPr>
-            </a:lvl5pPr>
-            <a:lvl6pPr marL="2286000" algn="l" defTabSz="914400" rtl="0" eaLnBrk="1" latinLnBrk="0" hangingPunct="1">
-              <a:defRPr kern="1200">
-                <a:solidFill>
-                  <a:schemeClr val="tx1"/>
-                </a:solidFill>
-                <a:latin typeface="Verdana" panose="020B0604030504040204" pitchFamily="34" charset="0"/>
-                <a:ea typeface="+mn-ea"/>
-                <a:cs typeface="+mn-cs"/>
-              </a:defRPr>
-            </a:lvl6pPr>
-            <a:lvl7pPr marL="2743200" algn="l" defTabSz="914400" rtl="0" eaLnBrk="1" latinLnBrk="0" hangingPunct="1">
-              <a:defRPr kern="1200">
-                <a:solidFill>
-                  <a:schemeClr val="tx1"/>
-                </a:solidFill>
-                <a:latin typeface="Verdana" panose="020B0604030504040204" pitchFamily="34" charset="0"/>
-                <a:ea typeface="+mn-ea"/>
-                <a:cs typeface="+mn-cs"/>
-              </a:defRPr>
-            </a:lvl7pPr>
-            <a:lvl8pPr marL="3200400" algn="l" defTabSz="914400" rtl="0" eaLnBrk="1" latinLnBrk="0" hangingPunct="1">
-              <a:defRPr kern="1200">
-                <a:solidFill>
-                  <a:schemeClr val="tx1"/>
-                </a:solidFill>
-                <a:latin typeface="Verdana" panose="020B0604030504040204" pitchFamily="34" charset="0"/>
-                <a:ea typeface="+mn-ea"/>
-                <a:cs typeface="+mn-cs"/>
-              </a:defRPr>
-            </a:lvl8pPr>
-            <a:lvl9pPr marL="3657600" algn="l" defTabSz="914400" rtl="0" eaLnBrk="1" latinLnBrk="0" hangingPunct="1">
-              <a:defRPr kern="1200">
-                <a:solidFill>
-                  <a:schemeClr val="tx1"/>
-                </a:solidFill>
-                <a:latin typeface="Verdana" panose="020B0604030504040204" pitchFamily="34" charset="0"/>
-                <a:ea typeface="+mn-ea"/>
-                <a:cs typeface="+mn-cs"/>
-              </a:defRPr>
-            </a:lvl9pPr>
-          </a:lstStyle>
-          <a:p>
-            <a:r>
-              <a:rPr lang="zh-CN" altLang="en-US" sz="1200">
-                <a:ea typeface="宋体" panose="02010600030101010101" pitchFamily="2" charset="-122"/>
-              </a:rPr>
-              <a:t>历史表大，没有收集统计信息。</a:t>
-            </a:r>
-            <a:endParaRPr lang="en-US" altLang="zh-CN" sz="1200">
-              <a:ea typeface="宋体" panose="02010600030101010101" pitchFamily="2" charset="-122"/>
-            </a:endParaRPr>
-          </a:p>
-          <a:p>
-            <a:r>
-              <a:rPr lang="zh-CN" altLang="en-US" sz="1200">
-                <a:ea typeface="宋体" panose="02010600030101010101" pitchFamily="2" charset="-122"/>
-              </a:rPr>
-              <a:t>能放到临时表，这样数据量也清楚了，也可以方便以后使用</a:t>
-            </a:r>
-            <a:endParaRPr lang="zh-CN" altLang="en-US" sz="1600">
-              <a:ea typeface="宋体" panose="02010600030101010101" pitchFamily="2" charset="-122"/>
             </a:endParaRPr>
           </a:p>
         </p:txBody>
@@ -8594,32 +6717,17 @@
           <a:lstStyle/>
           <a:p>
             <a:r>
-              <a:rPr lang="zh-CN" altLang="en-US" dirty="0" smtClean="0">
-                <a:latin typeface="微软雅黑" panose="020B0503020204020204" pitchFamily="34" charset="-122"/>
-                <a:ea typeface="微软雅黑" panose="020B0503020204020204" pitchFamily="34" charset="-122"/>
-              </a:rPr>
-              <a:t>这个</a:t>
-            </a:r>
-            <a:r>
-              <a:rPr lang="en-US" altLang="zh-CN" dirty="0" smtClean="0">
-                <a:latin typeface="微软雅黑" panose="020B0503020204020204" pitchFamily="34" charset="-122"/>
-                <a:ea typeface="微软雅黑" panose="020B0503020204020204" pitchFamily="34" charset="-122"/>
-              </a:rPr>
-              <a:t>SQL</a:t>
-            </a:r>
-            <a:r>
-              <a:rPr lang="zh-CN" altLang="en-US" dirty="0" smtClean="0">
-                <a:latin typeface="微软雅黑" panose="020B0503020204020204" pitchFamily="34" charset="-122"/>
-                <a:ea typeface="微软雅黑" panose="020B0503020204020204" pitchFamily="34" charset="-122"/>
-              </a:rPr>
-              <a:t>有哪里可以提升性能吗？</a:t>
-            </a:r>
-            <a:endParaRPr lang="zh-CN" altLang="en-US" dirty="0">
-              <a:latin typeface="微软雅黑" panose="020B0503020204020204" pitchFamily="34" charset="-122"/>
-              <a:ea typeface="微软雅黑" panose="020B0503020204020204" pitchFamily="34" charset="-122"/>
-            </a:endParaRPr>
-          </a:p>
-          <a:p>
+              <a:rPr lang="zh-CN" altLang="en-US" dirty="0"/>
+              <a:t>网络爬虫</a:t>
+            </a:r>
+            <a:r>
+              <a:rPr lang="en-US" altLang="zh-CN" dirty="0"/>
+              <a:t>-</a:t>
+            </a:r>
+            <a:r>
+              <a:rPr lang="zh-CN" altLang="en-US" dirty="0"/>
+              <a:t>分类</a:t>
+            </a:r>
             <a:endParaRPr lang="zh-TW" altLang="en-US" dirty="0"/>
           </a:p>
         </p:txBody>
@@ -8636,7 +6744,7 @@
         </p:nvSpPr>
         <p:spPr>
           <a:xfrm>
-            <a:off x="539552" y="1069542"/>
+            <a:off x="539552" y="1069544"/>
             <a:ext cx="8064896" cy="3726415"/>
           </a:xfrm>
         </p:spPr>
@@ -8646,1259 +6754,71 @@
           </a:bodyPr>
           <a:lstStyle/>
           <a:p>
-            <a:pPr>
-              <a:buFontTx/>
-              <a:buNone/>
-            </a:pPr>
-            <a:r>
-              <a:rPr lang="en-US" altLang="zh-CN" sz="1100" b="1" dirty="0" err="1">
-                <a:solidFill>
-                  <a:srgbClr val="0000FF"/>
-                </a:solidFill>
-                <a:latin typeface="+mj-ea"/>
-                <a:ea typeface="+mj-ea"/>
-              </a:rPr>
-              <a:t>sel</a:t>
-            </a:r>
-            <a:r>
-              <a:rPr lang="en-US" altLang="zh-CN" sz="1100" b="1" dirty="0">
-                <a:solidFill>
-                  <a:srgbClr val="0000FF"/>
-                </a:solidFill>
-                <a:latin typeface="+mj-ea"/>
-                <a:ea typeface="+mj-ea"/>
-              </a:rPr>
-              <a:t>	                                                                                       </a:t>
-            </a:r>
-          </a:p>
-          <a:p>
-            <a:pPr>
-              <a:buFontTx/>
-              <a:buNone/>
-            </a:pPr>
-            <a:r>
-              <a:rPr lang="en-US" altLang="zh-CN" sz="1100" dirty="0">
-                <a:solidFill>
-                  <a:srgbClr val="0000FF"/>
-                </a:solidFill>
-                <a:latin typeface="+mj-ea"/>
-                <a:ea typeface="+mj-ea"/>
-              </a:rPr>
-              <a:t>  </a:t>
-            </a:r>
-            <a:r>
-              <a:rPr lang="en-US" altLang="zh-CN" sz="1100" dirty="0" err="1">
-                <a:solidFill>
-                  <a:srgbClr val="800000"/>
-                </a:solidFill>
-                <a:latin typeface="+mj-ea"/>
-                <a:ea typeface="+mj-ea"/>
-              </a:rPr>
-              <a:t>mem.c_usr_nbr</a:t>
-            </a:r>
-            <a:r>
-              <a:rPr lang="en-US" altLang="zh-CN" sz="1100" dirty="0">
-                <a:solidFill>
-                  <a:srgbClr val="800000"/>
-                </a:solidFill>
-                <a:latin typeface="+mj-ea"/>
-                <a:ea typeface="+mj-ea"/>
-              </a:rPr>
-              <a:t>                                                               </a:t>
-            </a:r>
-          </a:p>
-          <a:p>
-            <a:pPr>
-              <a:buFontTx/>
-              <a:buNone/>
-            </a:pPr>
-            <a:r>
-              <a:rPr lang="zh-CN" altLang="en-US" sz="1100" dirty="0">
-                <a:solidFill>
-                  <a:srgbClr val="800000"/>
-                </a:solidFill>
-                <a:latin typeface="+mj-ea"/>
-                <a:ea typeface="+mj-ea"/>
-              </a:rPr>
-              <a:t>  </a:t>
-            </a:r>
-            <a:r>
-              <a:rPr lang="en-US" altLang="zh-CN" sz="1100" dirty="0">
-                <a:solidFill>
-                  <a:srgbClr val="800000"/>
-                </a:solidFill>
-                <a:latin typeface="+mj-ea"/>
-                <a:ea typeface="+mj-ea"/>
-              </a:rPr>
-              <a:t>...                                                                 </a:t>
-            </a:r>
-          </a:p>
-          <a:p>
-            <a:pPr>
-              <a:buFontTx/>
-              <a:buNone/>
-            </a:pPr>
-            <a:r>
-              <a:rPr lang="en-US" altLang="zh-CN" sz="1100" b="1" dirty="0">
-                <a:solidFill>
-                  <a:srgbClr val="0000FF"/>
-                </a:solidFill>
-                <a:latin typeface="+mj-ea"/>
-                <a:ea typeface="+mj-ea"/>
-              </a:rPr>
-              <a:t>from	                                                                           </a:t>
-            </a:r>
-          </a:p>
-          <a:p>
-            <a:pPr>
-              <a:buFontTx/>
-              <a:buNone/>
-            </a:pPr>
-            <a:r>
-              <a:rPr lang="en-US" altLang="zh-CN" sz="1100" dirty="0">
-                <a:solidFill>
-                  <a:srgbClr val="0000FF"/>
-                </a:solidFill>
-                <a:latin typeface="+mj-ea"/>
-                <a:ea typeface="+mj-ea"/>
-              </a:rPr>
-              <a:t>(</a:t>
-            </a:r>
-          </a:p>
-          <a:p>
-            <a:pPr>
-              <a:buFontTx/>
-              <a:buNone/>
-            </a:pPr>
-            <a:r>
-              <a:rPr lang="en-US" altLang="zh-CN" sz="1100" dirty="0">
-                <a:latin typeface="+mj-ea"/>
-                <a:ea typeface="+mj-ea"/>
-              </a:rPr>
-              <a:t>(</a:t>
-            </a:r>
-            <a:r>
-              <a:rPr lang="en-US" altLang="zh-CN" sz="1100" b="1" dirty="0" err="1">
-                <a:solidFill>
-                  <a:srgbClr val="0000FF"/>
-                </a:solidFill>
-                <a:latin typeface="+mj-ea"/>
-                <a:ea typeface="+mj-ea"/>
-              </a:rPr>
-              <a:t>sel</a:t>
-            </a:r>
-            <a:r>
-              <a:rPr lang="en-US" altLang="zh-CN" sz="1100" b="1" dirty="0">
-                <a:solidFill>
-                  <a:srgbClr val="0000FF"/>
-                </a:solidFill>
-                <a:latin typeface="+mj-ea"/>
-                <a:ea typeface="+mj-ea"/>
-              </a:rPr>
-              <a:t> * from </a:t>
-            </a:r>
-            <a:r>
-              <a:rPr lang="en-US" altLang="zh-CN" sz="1100" b="1" dirty="0" err="1">
-                <a:solidFill>
-                  <a:srgbClr val="800000"/>
-                </a:solidFill>
-                <a:latin typeface="+mj-ea"/>
-                <a:ea typeface="+mj-ea"/>
-              </a:rPr>
-              <a:t>pmarttemp.tb_grp_prev_all_items_mem</a:t>
-            </a:r>
-            <a:r>
-              <a:rPr lang="en-US" altLang="zh-CN" sz="1100" b="1" dirty="0">
-                <a:solidFill>
-                  <a:srgbClr val="800000"/>
-                </a:solidFill>
-                <a:latin typeface="+mj-ea"/>
-                <a:ea typeface="+mj-ea"/>
-              </a:rPr>
-              <a:t> </a:t>
-            </a:r>
-            <a:r>
-              <a:rPr lang="en-US" altLang="zh-CN" sz="1100" b="1" dirty="0">
-                <a:solidFill>
-                  <a:srgbClr val="0000FF"/>
-                </a:solidFill>
-                <a:latin typeface="+mj-ea"/>
-                <a:ea typeface="+mj-ea"/>
-              </a:rPr>
-              <a:t>where </a:t>
-            </a:r>
-            <a:r>
-              <a:rPr lang="en-US" altLang="zh-CN" sz="1100" b="1" dirty="0" err="1">
-                <a:solidFill>
-                  <a:srgbClr val="800000"/>
-                </a:solidFill>
-                <a:latin typeface="+mj-ea"/>
-                <a:ea typeface="+mj-ea"/>
-              </a:rPr>
-              <a:t>int_bill_month</a:t>
-            </a:r>
-            <a:r>
-              <a:rPr lang="en-US" altLang="zh-CN" sz="1100" b="1" dirty="0">
-                <a:solidFill>
-                  <a:srgbClr val="800000"/>
-                </a:solidFill>
-                <a:latin typeface="+mj-ea"/>
-                <a:ea typeface="+mj-ea"/>
-              </a:rPr>
-              <a:t>=</a:t>
-            </a:r>
-            <a:r>
-              <a:rPr lang="en-US" altLang="zh-CN" sz="1100" b="1" dirty="0">
-                <a:solidFill>
-                  <a:srgbClr val="FF00FF"/>
-                </a:solidFill>
-                <a:latin typeface="+mj-ea"/>
-                <a:ea typeface="+mj-ea"/>
-              </a:rPr>
-              <a:t>201007) </a:t>
-            </a:r>
-            <a:r>
-              <a:rPr lang="en-US" altLang="zh-CN" sz="1100" b="1" dirty="0">
-                <a:solidFill>
-                  <a:srgbClr val="800000"/>
-                </a:solidFill>
-                <a:latin typeface="+mj-ea"/>
-                <a:ea typeface="+mj-ea"/>
-              </a:rPr>
-              <a:t>mem</a:t>
-            </a:r>
-          </a:p>
-          <a:p>
-            <a:pPr>
-              <a:buFontTx/>
-              <a:buNone/>
-            </a:pPr>
-            <a:r>
-              <a:rPr lang="en-US" altLang="zh-CN" sz="1100" b="1" dirty="0">
-                <a:solidFill>
-                  <a:srgbClr val="0000FF"/>
-                </a:solidFill>
-                <a:latin typeface="+mj-ea"/>
-                <a:ea typeface="+mj-ea"/>
-              </a:rPr>
-              <a:t>left outer join                                                                   </a:t>
-            </a:r>
-          </a:p>
-          <a:p>
-            <a:pPr>
-              <a:buFontTx/>
-              <a:buNone/>
-            </a:pPr>
-            <a:r>
-              <a:rPr lang="en-US" altLang="zh-CN" sz="1100" dirty="0">
-                <a:solidFill>
-                  <a:srgbClr val="0000FF"/>
-                </a:solidFill>
-                <a:latin typeface="+mj-ea"/>
-                <a:ea typeface="+mj-ea"/>
-              </a:rPr>
-              <a:t>(</a:t>
-            </a:r>
-            <a:r>
-              <a:rPr lang="en-US" altLang="zh-CN" sz="1100" b="1" dirty="0" err="1">
-                <a:solidFill>
-                  <a:srgbClr val="0000FF"/>
-                </a:solidFill>
-                <a:latin typeface="+mj-ea"/>
-                <a:ea typeface="+mj-ea"/>
-              </a:rPr>
-              <a:t>sel</a:t>
-            </a:r>
-            <a:r>
-              <a:rPr lang="en-US" altLang="zh-CN" sz="1100" b="1" dirty="0">
-                <a:solidFill>
-                  <a:srgbClr val="0000FF"/>
-                </a:solidFill>
-                <a:latin typeface="+mj-ea"/>
-                <a:ea typeface="+mj-ea"/>
-              </a:rPr>
-              <a:t> </a:t>
-            </a:r>
-            <a:r>
-              <a:rPr lang="en-US" altLang="zh-CN" sz="1100" b="1" dirty="0" err="1">
-                <a:solidFill>
-                  <a:srgbClr val="800000"/>
-                </a:solidFill>
-                <a:latin typeface="+mj-ea"/>
-                <a:ea typeface="+mj-ea"/>
-              </a:rPr>
-              <a:t>c_groupid,VC_COUNTYCOMPID_DESC,vc_phototype</a:t>
-            </a:r>
-            <a:r>
-              <a:rPr lang="en-US" altLang="zh-CN" sz="1100" b="1" dirty="0">
-                <a:solidFill>
-                  <a:srgbClr val="800000"/>
-                </a:solidFill>
-                <a:latin typeface="+mj-ea"/>
-                <a:ea typeface="+mj-ea"/>
-              </a:rPr>
-              <a:t> </a:t>
-            </a:r>
-            <a:r>
-              <a:rPr lang="en-US" altLang="zh-CN" sz="1100" b="1" dirty="0">
-                <a:solidFill>
-                  <a:srgbClr val="0000FF"/>
-                </a:solidFill>
-                <a:latin typeface="+mj-ea"/>
-                <a:ea typeface="+mj-ea"/>
-              </a:rPr>
-              <a:t>from </a:t>
-            </a:r>
-            <a:r>
-              <a:rPr lang="en-US" altLang="zh-CN" sz="1100" b="1" dirty="0" err="1">
-                <a:solidFill>
-                  <a:srgbClr val="800000"/>
-                </a:solidFill>
-                <a:latin typeface="+mj-ea"/>
-                <a:ea typeface="+mj-ea"/>
-              </a:rPr>
-              <a:t>pmarttemp.tb_grp_prev_all_items</a:t>
-            </a:r>
-            <a:r>
-              <a:rPr lang="en-US" altLang="zh-CN" sz="1100" b="1" dirty="0">
-                <a:solidFill>
-                  <a:srgbClr val="800000"/>
-                </a:solidFill>
-                <a:latin typeface="+mj-ea"/>
-                <a:ea typeface="+mj-ea"/>
-              </a:rPr>
-              <a:t> </a:t>
-            </a:r>
-            <a:r>
-              <a:rPr lang="en-US" altLang="zh-CN" sz="1100" b="1" dirty="0">
-                <a:solidFill>
-                  <a:srgbClr val="0000FF"/>
-                </a:solidFill>
-                <a:latin typeface="+mj-ea"/>
-                <a:ea typeface="+mj-ea"/>
-              </a:rPr>
-              <a:t>where </a:t>
-            </a:r>
-            <a:r>
-              <a:rPr lang="en-US" altLang="zh-CN" sz="1100" b="1" dirty="0" err="1">
-                <a:solidFill>
-                  <a:srgbClr val="800000"/>
-                </a:solidFill>
-                <a:latin typeface="+mj-ea"/>
-                <a:ea typeface="+mj-ea"/>
-              </a:rPr>
-              <a:t>int_bill_month</a:t>
-            </a:r>
-            <a:r>
-              <a:rPr lang="en-US" altLang="zh-CN" sz="1100" b="1" dirty="0">
-                <a:solidFill>
-                  <a:srgbClr val="800000"/>
-                </a:solidFill>
-                <a:latin typeface="+mj-ea"/>
-                <a:ea typeface="+mj-ea"/>
-              </a:rPr>
-              <a:t>=</a:t>
-            </a:r>
-            <a:r>
-              <a:rPr lang="en-US" altLang="zh-CN" sz="1100" b="1" dirty="0">
-                <a:solidFill>
-                  <a:srgbClr val="FF00FF"/>
-                </a:solidFill>
-                <a:latin typeface="+mj-ea"/>
-                <a:ea typeface="+mj-ea"/>
-              </a:rPr>
-              <a:t>201007)  </a:t>
-            </a:r>
-            <a:r>
-              <a:rPr lang="en-US" altLang="zh-CN" sz="1100" b="1" dirty="0">
-                <a:solidFill>
-                  <a:srgbClr val="800000"/>
-                </a:solidFill>
-                <a:latin typeface="+mj-ea"/>
-                <a:ea typeface="+mj-ea"/>
-              </a:rPr>
-              <a:t>grp             </a:t>
-            </a:r>
-          </a:p>
-          <a:p>
-            <a:pPr>
-              <a:buFontTx/>
-              <a:buNone/>
-            </a:pPr>
-            <a:r>
-              <a:rPr lang="en-US" altLang="zh-CN" sz="1100" b="1" dirty="0">
-                <a:solidFill>
-                  <a:srgbClr val="0000FF"/>
-                </a:solidFill>
-                <a:latin typeface="+mj-ea"/>
-                <a:ea typeface="+mj-ea"/>
-              </a:rPr>
-              <a:t>on </a:t>
-            </a:r>
-            <a:r>
-              <a:rPr lang="en-US" altLang="zh-CN" sz="1100" b="1" dirty="0" err="1">
-                <a:solidFill>
-                  <a:srgbClr val="800000"/>
-                </a:solidFill>
-                <a:latin typeface="+mj-ea"/>
-                <a:ea typeface="+mj-ea"/>
-              </a:rPr>
-              <a:t>grp.c_groupid</a:t>
-            </a:r>
-            <a:r>
-              <a:rPr lang="en-US" altLang="zh-CN" sz="1100" b="1" dirty="0">
-                <a:solidFill>
-                  <a:srgbClr val="800000"/>
-                </a:solidFill>
-                <a:latin typeface="+mj-ea"/>
-                <a:ea typeface="+mj-ea"/>
-              </a:rPr>
-              <a:t>=</a:t>
-            </a:r>
-            <a:r>
-              <a:rPr lang="en-US" altLang="zh-CN" sz="1100" b="1" dirty="0" err="1">
-                <a:solidFill>
-                  <a:srgbClr val="800000"/>
-                </a:solidFill>
-                <a:latin typeface="+mj-ea"/>
-                <a:ea typeface="+mj-ea"/>
-              </a:rPr>
-              <a:t>mem.c_groupid</a:t>
-            </a:r>
-            <a:r>
-              <a:rPr lang="en-US" altLang="zh-CN" sz="1100" b="1" dirty="0">
-                <a:solidFill>
-                  <a:srgbClr val="800000"/>
-                </a:solidFill>
-                <a:latin typeface="+mj-ea"/>
-                <a:ea typeface="+mj-ea"/>
-              </a:rPr>
-              <a:t>                                          </a:t>
-            </a:r>
-          </a:p>
-          <a:p>
-            <a:pPr>
-              <a:buFontTx/>
-              <a:buNone/>
-            </a:pPr>
-            <a:r>
-              <a:rPr lang="en-US" altLang="zh-CN" sz="1100" b="1" dirty="0">
-                <a:solidFill>
-                  <a:srgbClr val="0000FF"/>
-                </a:solidFill>
-                <a:latin typeface="+mj-ea"/>
-                <a:ea typeface="+mj-ea"/>
-              </a:rPr>
-              <a:t>left outer join                                                                   </a:t>
-            </a:r>
-          </a:p>
-          <a:p>
-            <a:pPr>
-              <a:buFontTx/>
-              <a:buNone/>
-            </a:pPr>
-            <a:r>
-              <a:rPr lang="en-US" altLang="zh-CN" sz="1100" dirty="0">
-                <a:solidFill>
-                  <a:srgbClr val="0000FF"/>
-                </a:solidFill>
-                <a:latin typeface="+mj-ea"/>
-                <a:ea typeface="+mj-ea"/>
-              </a:rPr>
-              <a:t>(</a:t>
-            </a:r>
-            <a:r>
-              <a:rPr lang="en-US" altLang="zh-CN" sz="1100" b="1" dirty="0" err="1">
-                <a:solidFill>
-                  <a:srgbClr val="0000FF"/>
-                </a:solidFill>
-                <a:latin typeface="+mj-ea"/>
-                <a:ea typeface="+mj-ea"/>
-              </a:rPr>
-              <a:t>sel</a:t>
-            </a:r>
-            <a:r>
-              <a:rPr lang="en-US" altLang="zh-CN" sz="1100" b="1" dirty="0">
-                <a:solidFill>
-                  <a:srgbClr val="0000FF"/>
-                </a:solidFill>
-                <a:latin typeface="+mj-ea"/>
-                <a:ea typeface="+mj-ea"/>
-              </a:rPr>
-              <a:t> </a:t>
-            </a:r>
-            <a:r>
-              <a:rPr lang="en-US" altLang="zh-CN" sz="1100" b="1" dirty="0" err="1">
-                <a:solidFill>
-                  <a:srgbClr val="800000"/>
-                </a:solidFill>
-                <a:latin typeface="+mj-ea"/>
-                <a:ea typeface="+mj-ea"/>
-              </a:rPr>
-              <a:t>c_usr_nbr,mem_kind</a:t>
-            </a:r>
-            <a:r>
-              <a:rPr lang="en-US" altLang="zh-CN" sz="1100" b="1" dirty="0">
-                <a:solidFill>
-                  <a:srgbClr val="800000"/>
-                </a:solidFill>
-                <a:latin typeface="+mj-ea"/>
-                <a:ea typeface="+mj-ea"/>
-              </a:rPr>
-              <a:t> </a:t>
-            </a:r>
-            <a:r>
-              <a:rPr lang="en-US" altLang="zh-CN" sz="1100" b="1" dirty="0">
-                <a:solidFill>
-                  <a:srgbClr val="0000FF"/>
-                </a:solidFill>
-                <a:latin typeface="+mj-ea"/>
-                <a:ea typeface="+mj-ea"/>
-              </a:rPr>
-              <a:t>from </a:t>
-            </a:r>
-            <a:r>
-              <a:rPr lang="en-US" altLang="zh-CN" sz="1100" b="1" dirty="0" err="1">
-                <a:solidFill>
-                  <a:srgbClr val="800000"/>
-                </a:solidFill>
-                <a:latin typeface="+mj-ea"/>
-                <a:ea typeface="+mj-ea"/>
-              </a:rPr>
-              <a:t>pmarttemp.TB_grp_keyman_info</a:t>
-            </a:r>
-            <a:r>
-              <a:rPr lang="en-US" altLang="zh-CN" sz="1100" b="1" dirty="0">
-                <a:solidFill>
-                  <a:srgbClr val="800000"/>
-                </a:solidFill>
-                <a:latin typeface="+mj-ea"/>
-                <a:ea typeface="+mj-ea"/>
-              </a:rPr>
-              <a:t>  </a:t>
-            </a:r>
-            <a:r>
-              <a:rPr lang="en-US" altLang="zh-CN" sz="1100" b="1" dirty="0">
-                <a:solidFill>
-                  <a:srgbClr val="0000FF"/>
-                </a:solidFill>
-                <a:latin typeface="+mj-ea"/>
-                <a:ea typeface="+mj-ea"/>
-              </a:rPr>
-              <a:t>where </a:t>
-            </a:r>
-            <a:r>
-              <a:rPr lang="en-US" altLang="zh-CN" sz="1100" b="1" dirty="0" err="1">
-                <a:solidFill>
-                  <a:srgbClr val="800000"/>
-                </a:solidFill>
-                <a:latin typeface="+mj-ea"/>
-                <a:ea typeface="+mj-ea"/>
-              </a:rPr>
-              <a:t>int_bill_month</a:t>
-            </a:r>
-            <a:r>
-              <a:rPr lang="en-US" altLang="zh-CN" sz="1100" b="1" dirty="0">
-                <a:solidFill>
-                  <a:srgbClr val="800000"/>
-                </a:solidFill>
-                <a:latin typeface="+mj-ea"/>
-                <a:ea typeface="+mj-ea"/>
-              </a:rPr>
-              <a:t>=</a:t>
-            </a:r>
-            <a:r>
-              <a:rPr lang="en-US" altLang="zh-CN" sz="1100" b="1" dirty="0">
-                <a:solidFill>
-                  <a:srgbClr val="FF00FF"/>
-                </a:solidFill>
-                <a:latin typeface="+mj-ea"/>
-                <a:ea typeface="+mj-ea"/>
-              </a:rPr>
-              <a:t>201007)   </a:t>
-            </a:r>
-            <a:r>
-              <a:rPr lang="en-US" altLang="zh-CN" sz="1100" b="1" dirty="0">
-                <a:solidFill>
-                  <a:srgbClr val="800000"/>
-                </a:solidFill>
-                <a:latin typeface="+mj-ea"/>
-                <a:ea typeface="+mj-ea"/>
-              </a:rPr>
-              <a:t>info              </a:t>
-            </a:r>
-          </a:p>
-          <a:p>
-            <a:pPr>
-              <a:buFontTx/>
-              <a:buNone/>
-            </a:pPr>
-            <a:r>
-              <a:rPr lang="en-US" altLang="zh-CN" sz="1100" b="1" dirty="0">
-                <a:solidFill>
-                  <a:srgbClr val="0000FF"/>
-                </a:solidFill>
-                <a:latin typeface="+mj-ea"/>
-                <a:ea typeface="+mj-ea"/>
-              </a:rPr>
-              <a:t>on </a:t>
-            </a:r>
-            <a:r>
-              <a:rPr lang="en-US" altLang="zh-CN" sz="1100" b="1" dirty="0" err="1">
-                <a:solidFill>
-                  <a:srgbClr val="800000"/>
-                </a:solidFill>
-                <a:latin typeface="+mj-ea"/>
-                <a:ea typeface="+mj-ea"/>
-              </a:rPr>
-              <a:t>mem.c_usr_nbr</a:t>
-            </a:r>
-            <a:r>
-              <a:rPr lang="en-US" altLang="zh-CN" sz="1100" b="1" dirty="0">
-                <a:solidFill>
-                  <a:srgbClr val="800000"/>
-                </a:solidFill>
-                <a:latin typeface="+mj-ea"/>
-                <a:ea typeface="+mj-ea"/>
-              </a:rPr>
-              <a:t>=</a:t>
-            </a:r>
-            <a:r>
-              <a:rPr lang="en-US" altLang="zh-CN" sz="1100" b="1" dirty="0" err="1">
-                <a:solidFill>
-                  <a:srgbClr val="800000"/>
-                </a:solidFill>
-                <a:latin typeface="+mj-ea"/>
-                <a:ea typeface="+mj-ea"/>
-              </a:rPr>
-              <a:t>info.c_usr_nbr</a:t>
-            </a:r>
-            <a:r>
-              <a:rPr lang="en-US" altLang="zh-CN" sz="1100" b="1" dirty="0">
-                <a:solidFill>
-                  <a:srgbClr val="800000"/>
-                </a:solidFill>
-                <a:latin typeface="+mj-ea"/>
-                <a:ea typeface="+mj-ea"/>
-              </a:rPr>
-              <a:t> </a:t>
-            </a:r>
-          </a:p>
-          <a:p>
-            <a:pPr>
-              <a:buFontTx/>
-              <a:buNone/>
-            </a:pPr>
-            <a:r>
-              <a:rPr lang="en-US" altLang="zh-CN" sz="1100" b="1" dirty="0">
-                <a:solidFill>
-                  <a:srgbClr val="0000FF"/>
-                </a:solidFill>
-                <a:latin typeface="+mj-ea"/>
-                <a:ea typeface="+mj-ea"/>
-              </a:rPr>
-              <a:t>left outer join </a:t>
-            </a:r>
-            <a:r>
-              <a:rPr lang="en-US" altLang="zh-CN" sz="1100" b="1" dirty="0">
-                <a:solidFill>
-                  <a:srgbClr val="800000"/>
-                </a:solidFill>
-                <a:latin typeface="+mj-ea"/>
-                <a:ea typeface="+mj-ea"/>
-              </a:rPr>
-              <a:t>pmarttemp.tb_grp_his_df1102 </a:t>
-            </a:r>
-            <a:r>
-              <a:rPr lang="en-US" altLang="zh-CN" sz="1100" b="1" dirty="0" err="1">
-                <a:solidFill>
-                  <a:srgbClr val="800000"/>
-                </a:solidFill>
-                <a:latin typeface="+mj-ea"/>
-                <a:ea typeface="+mj-ea"/>
-              </a:rPr>
-              <a:t>ghis</a:t>
-            </a:r>
-            <a:endParaRPr lang="en-US" altLang="zh-CN" sz="1100" b="1" dirty="0">
-              <a:solidFill>
-                <a:srgbClr val="800000"/>
-              </a:solidFill>
-              <a:latin typeface="+mj-ea"/>
-              <a:ea typeface="+mj-ea"/>
-            </a:endParaRPr>
-          </a:p>
-          <a:p>
-            <a:pPr>
-              <a:buFontTx/>
-              <a:buNone/>
-            </a:pPr>
-            <a:r>
-              <a:rPr lang="en-US" altLang="zh-CN" sz="1100" b="1" dirty="0">
-                <a:solidFill>
-                  <a:srgbClr val="0000FF"/>
-                </a:solidFill>
-                <a:latin typeface="+mj-ea"/>
-                <a:ea typeface="+mj-ea"/>
-              </a:rPr>
-              <a:t>on</a:t>
-            </a:r>
-          </a:p>
-          <a:p>
-            <a:pPr>
-              <a:buFontTx/>
-              <a:buNone/>
-            </a:pPr>
-            <a:r>
-              <a:rPr lang="en-US" altLang="zh-CN" sz="1100" dirty="0" err="1">
-                <a:solidFill>
-                  <a:srgbClr val="800000"/>
-                </a:solidFill>
-                <a:latin typeface="+mj-ea"/>
-                <a:ea typeface="+mj-ea"/>
-              </a:rPr>
-              <a:t>mem.c_groupid</a:t>
-            </a:r>
-            <a:r>
-              <a:rPr lang="en-US" altLang="zh-CN" sz="1100" dirty="0">
-                <a:solidFill>
-                  <a:srgbClr val="800000"/>
-                </a:solidFill>
-                <a:latin typeface="+mj-ea"/>
-                <a:ea typeface="+mj-ea"/>
-              </a:rPr>
-              <a:t>=</a:t>
-            </a:r>
-            <a:r>
-              <a:rPr lang="en-US" altLang="zh-CN" sz="1100" dirty="0" err="1">
-                <a:solidFill>
-                  <a:srgbClr val="800000"/>
-                </a:solidFill>
-                <a:latin typeface="+mj-ea"/>
-                <a:ea typeface="+mj-ea"/>
-              </a:rPr>
-              <a:t>ghis.c_groupid</a:t>
-            </a:r>
-            <a:endParaRPr lang="en-US" altLang="zh-CN" sz="1100" b="1" dirty="0">
-              <a:solidFill>
-                <a:srgbClr val="800000"/>
-              </a:solidFill>
-              <a:latin typeface="+mj-ea"/>
-              <a:ea typeface="+mj-ea"/>
-            </a:endParaRPr>
-          </a:p>
-          <a:p>
-            <a:endParaRPr lang="zh-CN" altLang="en-US" sz="1100" dirty="0">
+            <a:pPr marL="0" indent="0">
+              <a:buNone/>
+            </a:pPr>
+            <a:r>
+              <a:rPr lang="zh-CN" altLang="en-US" dirty="0"/>
+              <a:t>网络爬虫按照系统结构和实现技术，大致可以分为以下几种类型：</a:t>
+            </a:r>
+            <a:endParaRPr lang="en-US" altLang="zh-CN" dirty="0"/>
+          </a:p>
+          <a:p>
+            <a:endParaRPr lang="en-US" altLang="zh-CN" sz="2000" dirty="0" smtClean="0">
               <a:latin typeface="微软雅黑" panose="020B0503020204020204" pitchFamily="34" charset="-122"/>
               <a:ea typeface="微软雅黑" panose="020B0503020204020204" pitchFamily="34" charset="-122"/>
             </a:endParaRPr>
           </a:p>
-        </p:txBody>
-      </p:sp>
-      <p:sp>
-        <p:nvSpPr>
-          <p:cNvPr id="7" name="矩形标注 8"/>
-          <p:cNvSpPr>
-            <a:spLocks noChangeArrowheads="1"/>
-          </p:cNvSpPr>
-          <p:nvPr/>
-        </p:nvSpPr>
-        <p:spPr bwMode="auto">
-          <a:xfrm>
-            <a:off x="4572000" y="2758821"/>
-            <a:ext cx="3200400" cy="381000"/>
-          </a:xfrm>
-          <a:prstGeom prst="wedgeRectCallout">
-            <a:avLst>
-              <a:gd name="adj1" fmla="val -75153"/>
-              <a:gd name="adj2" fmla="val -78241"/>
-            </a:avLst>
-          </a:prstGeom>
-          <a:solidFill>
-            <a:schemeClr val="accent1"/>
-          </a:solidFill>
-          <a:ln w="9525" algn="ctr">
-            <a:solidFill>
-              <a:schemeClr val="tx1"/>
-            </a:solidFill>
-            <a:round/>
-            <a:headEnd/>
-            <a:tailEnd/>
-          </a:ln>
-        </p:spPr>
-        <p:txBody>
-          <a:bodyPr wrap="none" anchor="ctr"/>
-          <a:lstStyle>
-            <a:lvl1pPr marL="230188" indent="-230188">
-              <a:defRPr>
-                <a:solidFill>
-                  <a:schemeClr val="tx1"/>
-                </a:solidFill>
-                <a:latin typeface="Verdana" panose="020B0604030504040204" pitchFamily="34" charset="0"/>
-              </a:defRPr>
-            </a:lvl1pPr>
-            <a:lvl2pPr marL="742950" indent="-285750">
-              <a:defRPr>
-                <a:solidFill>
-                  <a:schemeClr val="tx1"/>
-                </a:solidFill>
-                <a:latin typeface="Verdana" panose="020B0604030504040204" pitchFamily="34" charset="0"/>
-              </a:defRPr>
-            </a:lvl2pPr>
-            <a:lvl3pPr marL="1143000" indent="-228600">
-              <a:defRPr>
-                <a:solidFill>
-                  <a:schemeClr val="tx1"/>
-                </a:solidFill>
-                <a:latin typeface="Verdana" panose="020B0604030504040204" pitchFamily="34" charset="0"/>
-              </a:defRPr>
-            </a:lvl3pPr>
-            <a:lvl4pPr marL="1600200" indent="-228600">
-              <a:defRPr>
-                <a:solidFill>
-                  <a:schemeClr val="tx1"/>
-                </a:solidFill>
-                <a:latin typeface="Verdana" panose="020B0604030504040204" pitchFamily="34" charset="0"/>
-              </a:defRPr>
-            </a:lvl4pPr>
-            <a:lvl5pPr marL="2057400" indent="-228600">
-              <a:defRPr>
-                <a:solidFill>
-                  <a:schemeClr val="tx1"/>
-                </a:solidFill>
-                <a:latin typeface="Verdana" panose="020B0604030504040204" pitchFamily="34" charset="0"/>
-              </a:defRPr>
-            </a:lvl5pPr>
-            <a:lvl6pPr marL="2514600" indent="-228600" algn="ctr" eaLnBrk="0" fontAlgn="base" hangingPunct="0">
-              <a:lnSpc>
-                <a:spcPct val="90000"/>
-              </a:lnSpc>
-              <a:spcBef>
-                <a:spcPct val="20000"/>
-              </a:spcBef>
-              <a:spcAft>
-                <a:spcPct val="0"/>
-              </a:spcAft>
-              <a:buClr>
-                <a:schemeClr val="accent1"/>
-              </a:buClr>
-              <a:defRPr>
-                <a:solidFill>
-                  <a:schemeClr val="tx1"/>
-                </a:solidFill>
-                <a:latin typeface="Verdana" panose="020B0604030504040204" pitchFamily="34" charset="0"/>
-              </a:defRPr>
-            </a:lvl6pPr>
-            <a:lvl7pPr marL="2971800" indent="-228600" algn="ctr" eaLnBrk="0" fontAlgn="base" hangingPunct="0">
-              <a:lnSpc>
-                <a:spcPct val="90000"/>
-              </a:lnSpc>
-              <a:spcBef>
-                <a:spcPct val="20000"/>
-              </a:spcBef>
-              <a:spcAft>
-                <a:spcPct val="0"/>
-              </a:spcAft>
-              <a:buClr>
-                <a:schemeClr val="accent1"/>
-              </a:buClr>
-              <a:defRPr>
-                <a:solidFill>
-                  <a:schemeClr val="tx1"/>
-                </a:solidFill>
-                <a:latin typeface="Verdana" panose="020B0604030504040204" pitchFamily="34" charset="0"/>
-              </a:defRPr>
-            </a:lvl7pPr>
-            <a:lvl8pPr marL="3429000" indent="-228600" algn="ctr" eaLnBrk="0" fontAlgn="base" hangingPunct="0">
-              <a:lnSpc>
-                <a:spcPct val="90000"/>
-              </a:lnSpc>
-              <a:spcBef>
-                <a:spcPct val="20000"/>
-              </a:spcBef>
-              <a:spcAft>
-                <a:spcPct val="0"/>
-              </a:spcAft>
-              <a:buClr>
-                <a:schemeClr val="accent1"/>
-              </a:buClr>
-              <a:defRPr>
-                <a:solidFill>
-                  <a:schemeClr val="tx1"/>
-                </a:solidFill>
-                <a:latin typeface="Verdana" panose="020B0604030504040204" pitchFamily="34" charset="0"/>
-              </a:defRPr>
-            </a:lvl8pPr>
-            <a:lvl9pPr marL="3886200" indent="-228600" algn="ctr" eaLnBrk="0" fontAlgn="base" hangingPunct="0">
-              <a:lnSpc>
-                <a:spcPct val="90000"/>
-              </a:lnSpc>
-              <a:spcBef>
-                <a:spcPct val="20000"/>
-              </a:spcBef>
-              <a:spcAft>
-                <a:spcPct val="0"/>
-              </a:spcAft>
-              <a:buClr>
-                <a:schemeClr val="accent1"/>
-              </a:buClr>
-              <a:defRPr>
-                <a:solidFill>
-                  <a:schemeClr val="tx1"/>
-                </a:solidFill>
-                <a:latin typeface="Verdana" panose="020B0604030504040204" pitchFamily="34" charset="0"/>
-              </a:defRPr>
-            </a:lvl9pPr>
-          </a:lstStyle>
-          <a:p>
-            <a:r>
-              <a:rPr lang="zh-CN" altLang="en-US" dirty="0">
-                <a:ea typeface="宋体" panose="02010600030101010101" pitchFamily="2" charset="-122"/>
-              </a:rPr>
-              <a:t>只取需要的字段</a:t>
-            </a:r>
-          </a:p>
-        </p:txBody>
-      </p:sp>
-      <p:sp>
-        <p:nvSpPr>
-          <p:cNvPr id="11" name="左箭头标注 5"/>
-          <p:cNvSpPr>
-            <a:spLocks noChangeArrowheads="1"/>
-          </p:cNvSpPr>
-          <p:nvPr/>
-        </p:nvSpPr>
-        <p:spPr bwMode="auto">
-          <a:xfrm>
-            <a:off x="4355976" y="3480477"/>
-            <a:ext cx="3962400" cy="533400"/>
-          </a:xfrm>
-          <a:prstGeom prst="leftArrowCallout">
-            <a:avLst>
-              <a:gd name="adj1" fmla="val 25000"/>
-              <a:gd name="adj2" fmla="val 25000"/>
-              <a:gd name="adj3" fmla="val 25003"/>
-              <a:gd name="adj4" fmla="val 80134"/>
-            </a:avLst>
-          </a:prstGeom>
-          <a:solidFill>
-            <a:schemeClr val="accent1"/>
-          </a:solidFill>
-          <a:ln w="9525" algn="ctr">
-            <a:solidFill>
-              <a:schemeClr val="tx1"/>
-            </a:solidFill>
-            <a:round/>
-            <a:headEnd/>
-            <a:tailEnd/>
-          </a:ln>
-        </p:spPr>
-        <p:txBody>
-          <a:bodyPr wrap="none" anchor="ctr"/>
-          <a:lstStyle>
-            <a:lvl1pPr marL="230188" indent="-230188">
-              <a:defRPr>
-                <a:solidFill>
-                  <a:schemeClr val="tx1"/>
-                </a:solidFill>
-                <a:latin typeface="Verdana" panose="020B0604030504040204" pitchFamily="34" charset="0"/>
-              </a:defRPr>
-            </a:lvl1pPr>
-            <a:lvl2pPr marL="742950" indent="-285750">
-              <a:defRPr>
-                <a:solidFill>
-                  <a:schemeClr val="tx1"/>
-                </a:solidFill>
-                <a:latin typeface="Verdana" panose="020B0604030504040204" pitchFamily="34" charset="0"/>
-              </a:defRPr>
-            </a:lvl2pPr>
-            <a:lvl3pPr marL="1143000" indent="-228600">
-              <a:defRPr>
-                <a:solidFill>
-                  <a:schemeClr val="tx1"/>
-                </a:solidFill>
-                <a:latin typeface="Verdana" panose="020B0604030504040204" pitchFamily="34" charset="0"/>
-              </a:defRPr>
-            </a:lvl3pPr>
-            <a:lvl4pPr marL="1600200" indent="-228600">
-              <a:defRPr>
-                <a:solidFill>
-                  <a:schemeClr val="tx1"/>
-                </a:solidFill>
-                <a:latin typeface="Verdana" panose="020B0604030504040204" pitchFamily="34" charset="0"/>
-              </a:defRPr>
-            </a:lvl4pPr>
-            <a:lvl5pPr marL="2057400" indent="-228600">
-              <a:defRPr>
-                <a:solidFill>
-                  <a:schemeClr val="tx1"/>
-                </a:solidFill>
-                <a:latin typeface="Verdana" panose="020B0604030504040204" pitchFamily="34" charset="0"/>
-              </a:defRPr>
-            </a:lvl5pPr>
-            <a:lvl6pPr marL="2514600" indent="-228600" algn="ctr" eaLnBrk="0" fontAlgn="base" hangingPunct="0">
-              <a:lnSpc>
-                <a:spcPct val="90000"/>
-              </a:lnSpc>
-              <a:spcBef>
-                <a:spcPct val="20000"/>
-              </a:spcBef>
-              <a:spcAft>
-                <a:spcPct val="0"/>
-              </a:spcAft>
-              <a:buClr>
-                <a:schemeClr val="accent1"/>
-              </a:buClr>
-              <a:defRPr>
-                <a:solidFill>
-                  <a:schemeClr val="tx1"/>
-                </a:solidFill>
-                <a:latin typeface="Verdana" panose="020B0604030504040204" pitchFamily="34" charset="0"/>
-              </a:defRPr>
-            </a:lvl6pPr>
-            <a:lvl7pPr marL="2971800" indent="-228600" algn="ctr" eaLnBrk="0" fontAlgn="base" hangingPunct="0">
-              <a:lnSpc>
-                <a:spcPct val="90000"/>
-              </a:lnSpc>
-              <a:spcBef>
-                <a:spcPct val="20000"/>
-              </a:spcBef>
-              <a:spcAft>
-                <a:spcPct val="0"/>
-              </a:spcAft>
-              <a:buClr>
-                <a:schemeClr val="accent1"/>
-              </a:buClr>
-              <a:defRPr>
-                <a:solidFill>
-                  <a:schemeClr val="tx1"/>
-                </a:solidFill>
-                <a:latin typeface="Verdana" panose="020B0604030504040204" pitchFamily="34" charset="0"/>
-              </a:defRPr>
-            </a:lvl7pPr>
-            <a:lvl8pPr marL="3429000" indent="-228600" algn="ctr" eaLnBrk="0" fontAlgn="base" hangingPunct="0">
-              <a:lnSpc>
-                <a:spcPct val="90000"/>
-              </a:lnSpc>
-              <a:spcBef>
-                <a:spcPct val="20000"/>
-              </a:spcBef>
-              <a:spcAft>
-                <a:spcPct val="0"/>
-              </a:spcAft>
-              <a:buClr>
-                <a:schemeClr val="accent1"/>
-              </a:buClr>
-              <a:defRPr>
-                <a:solidFill>
-                  <a:schemeClr val="tx1"/>
-                </a:solidFill>
-                <a:latin typeface="Verdana" panose="020B0604030504040204" pitchFamily="34" charset="0"/>
-              </a:defRPr>
-            </a:lvl8pPr>
-            <a:lvl9pPr marL="3886200" indent="-228600" algn="ctr" eaLnBrk="0" fontAlgn="base" hangingPunct="0">
-              <a:lnSpc>
-                <a:spcPct val="90000"/>
-              </a:lnSpc>
-              <a:spcBef>
-                <a:spcPct val="20000"/>
-              </a:spcBef>
-              <a:spcAft>
-                <a:spcPct val="0"/>
-              </a:spcAft>
-              <a:buClr>
-                <a:schemeClr val="accent1"/>
-              </a:buClr>
-              <a:defRPr>
-                <a:solidFill>
-                  <a:schemeClr val="tx1"/>
-                </a:solidFill>
-                <a:latin typeface="Verdana" panose="020B0604030504040204" pitchFamily="34" charset="0"/>
-              </a:defRPr>
-            </a:lvl9pPr>
-          </a:lstStyle>
-          <a:p>
-            <a:r>
-              <a:rPr lang="zh-CN" altLang="en-US">
-                <a:ea typeface="宋体" panose="02010600030101010101" pitchFamily="2" charset="-122"/>
-              </a:rPr>
-              <a:t>历史数据放到临时表</a:t>
-            </a:r>
-          </a:p>
-        </p:txBody>
-      </p:sp>
-      <p:sp>
-        <p:nvSpPr>
-          <p:cNvPr id="12" name="二十四角星 6"/>
-          <p:cNvSpPr>
-            <a:spLocks noChangeArrowheads="1"/>
-          </p:cNvSpPr>
-          <p:nvPr/>
-        </p:nvSpPr>
-        <p:spPr bwMode="auto">
-          <a:xfrm>
-            <a:off x="4427984" y="4204285"/>
-            <a:ext cx="4038600" cy="762000"/>
-          </a:xfrm>
-          <a:prstGeom prst="star24">
-            <a:avLst>
-              <a:gd name="adj" fmla="val 37500"/>
-            </a:avLst>
-          </a:prstGeom>
-          <a:solidFill>
-            <a:schemeClr val="accent1"/>
-          </a:solidFill>
-          <a:ln w="9525" algn="ctr">
-            <a:solidFill>
-              <a:schemeClr val="tx1"/>
-            </a:solidFill>
-            <a:round/>
-            <a:headEnd/>
-            <a:tailEnd/>
-          </a:ln>
-        </p:spPr>
-        <p:txBody>
-          <a:bodyPr wrap="none" anchor="ctr"/>
-          <a:lstStyle>
-            <a:lvl1pPr marL="230188" indent="-230188">
-              <a:defRPr>
-                <a:solidFill>
-                  <a:schemeClr val="tx1"/>
-                </a:solidFill>
-                <a:latin typeface="Verdana" panose="020B0604030504040204" pitchFamily="34" charset="0"/>
-              </a:defRPr>
-            </a:lvl1pPr>
-            <a:lvl2pPr marL="742950" indent="-285750">
-              <a:defRPr>
-                <a:solidFill>
-                  <a:schemeClr val="tx1"/>
-                </a:solidFill>
-                <a:latin typeface="Verdana" panose="020B0604030504040204" pitchFamily="34" charset="0"/>
-              </a:defRPr>
-            </a:lvl2pPr>
-            <a:lvl3pPr marL="1143000" indent="-228600">
-              <a:defRPr>
-                <a:solidFill>
-                  <a:schemeClr val="tx1"/>
-                </a:solidFill>
-                <a:latin typeface="Verdana" panose="020B0604030504040204" pitchFamily="34" charset="0"/>
-              </a:defRPr>
-            </a:lvl3pPr>
-            <a:lvl4pPr marL="1600200" indent="-228600">
-              <a:defRPr>
-                <a:solidFill>
-                  <a:schemeClr val="tx1"/>
-                </a:solidFill>
-                <a:latin typeface="Verdana" panose="020B0604030504040204" pitchFamily="34" charset="0"/>
-              </a:defRPr>
-            </a:lvl4pPr>
-            <a:lvl5pPr marL="2057400" indent="-228600">
-              <a:defRPr>
-                <a:solidFill>
-                  <a:schemeClr val="tx1"/>
-                </a:solidFill>
-                <a:latin typeface="Verdana" panose="020B0604030504040204" pitchFamily="34" charset="0"/>
-              </a:defRPr>
-            </a:lvl5pPr>
-            <a:lvl6pPr marL="2514600" indent="-228600" algn="ctr" eaLnBrk="0" fontAlgn="base" hangingPunct="0">
-              <a:lnSpc>
-                <a:spcPct val="90000"/>
-              </a:lnSpc>
-              <a:spcBef>
-                <a:spcPct val="20000"/>
-              </a:spcBef>
-              <a:spcAft>
-                <a:spcPct val="0"/>
-              </a:spcAft>
-              <a:buClr>
-                <a:schemeClr val="accent1"/>
-              </a:buClr>
-              <a:defRPr>
-                <a:solidFill>
-                  <a:schemeClr val="tx1"/>
-                </a:solidFill>
-                <a:latin typeface="Verdana" panose="020B0604030504040204" pitchFamily="34" charset="0"/>
-              </a:defRPr>
-            </a:lvl6pPr>
-            <a:lvl7pPr marL="2971800" indent="-228600" algn="ctr" eaLnBrk="0" fontAlgn="base" hangingPunct="0">
-              <a:lnSpc>
-                <a:spcPct val="90000"/>
-              </a:lnSpc>
-              <a:spcBef>
-                <a:spcPct val="20000"/>
-              </a:spcBef>
-              <a:spcAft>
-                <a:spcPct val="0"/>
-              </a:spcAft>
-              <a:buClr>
-                <a:schemeClr val="accent1"/>
-              </a:buClr>
-              <a:defRPr>
-                <a:solidFill>
-                  <a:schemeClr val="tx1"/>
-                </a:solidFill>
-                <a:latin typeface="Verdana" panose="020B0604030504040204" pitchFamily="34" charset="0"/>
-              </a:defRPr>
-            </a:lvl7pPr>
-            <a:lvl8pPr marL="3429000" indent="-228600" algn="ctr" eaLnBrk="0" fontAlgn="base" hangingPunct="0">
-              <a:lnSpc>
-                <a:spcPct val="90000"/>
-              </a:lnSpc>
-              <a:spcBef>
-                <a:spcPct val="20000"/>
-              </a:spcBef>
-              <a:spcAft>
-                <a:spcPct val="0"/>
-              </a:spcAft>
-              <a:buClr>
-                <a:schemeClr val="accent1"/>
-              </a:buClr>
-              <a:defRPr>
-                <a:solidFill>
-                  <a:schemeClr val="tx1"/>
-                </a:solidFill>
-                <a:latin typeface="Verdana" panose="020B0604030504040204" pitchFamily="34" charset="0"/>
-              </a:defRPr>
-            </a:lvl8pPr>
-            <a:lvl9pPr marL="3886200" indent="-228600" algn="ctr" eaLnBrk="0" fontAlgn="base" hangingPunct="0">
-              <a:lnSpc>
-                <a:spcPct val="90000"/>
-              </a:lnSpc>
-              <a:spcBef>
-                <a:spcPct val="20000"/>
-              </a:spcBef>
-              <a:spcAft>
-                <a:spcPct val="0"/>
-              </a:spcAft>
-              <a:buClr>
-                <a:schemeClr val="accent1"/>
-              </a:buClr>
-              <a:defRPr>
-                <a:solidFill>
-                  <a:schemeClr val="tx1"/>
-                </a:solidFill>
-                <a:latin typeface="Verdana" panose="020B0604030504040204" pitchFamily="34" charset="0"/>
-              </a:defRPr>
-            </a:lvl9pPr>
-          </a:lstStyle>
-          <a:p>
-            <a:r>
-              <a:rPr lang="zh-CN" altLang="en-US">
-                <a:ea typeface="宋体" panose="02010600030101010101" pitchFamily="2" charset="-122"/>
-              </a:rPr>
-              <a:t>优化后跑了不到</a:t>
-            </a:r>
-            <a:r>
-              <a:rPr lang="en-US" altLang="zh-CN">
-                <a:ea typeface="宋体" panose="02010600030101010101" pitchFamily="2" charset="-122"/>
-              </a:rPr>
-              <a:t>4</a:t>
-            </a:r>
-            <a:r>
-              <a:rPr lang="zh-CN" altLang="en-US">
-                <a:ea typeface="宋体" panose="02010600030101010101" pitchFamily="2" charset="-122"/>
-              </a:rPr>
-              <a:t>分钟！</a:t>
-            </a:r>
+          <a:p>
+            <a:r>
+              <a:rPr lang="zh-CN" altLang="en-US" sz="2000" dirty="0" smtClean="0">
+                <a:latin typeface="微软雅黑" panose="020B0503020204020204" pitchFamily="34" charset="-122"/>
+                <a:ea typeface="微软雅黑" panose="020B0503020204020204" pitchFamily="34" charset="-122"/>
+              </a:rPr>
+              <a:t>通用网络爬虫</a:t>
+            </a:r>
+            <a:endParaRPr lang="en-US" altLang="zh-CN" sz="2000" dirty="0" smtClean="0">
+              <a:latin typeface="微软雅黑" panose="020B0503020204020204" pitchFamily="34" charset="-122"/>
+              <a:ea typeface="微软雅黑" panose="020B0503020204020204" pitchFamily="34" charset="-122"/>
+            </a:endParaRPr>
+          </a:p>
+          <a:p>
+            <a:endParaRPr lang="en-US" altLang="zh-CN" sz="2000" dirty="0">
+              <a:latin typeface="微软雅黑" panose="020B0503020204020204" pitchFamily="34" charset="-122"/>
+              <a:ea typeface="微软雅黑" panose="020B0503020204020204" pitchFamily="34" charset="-122"/>
+            </a:endParaRPr>
+          </a:p>
+          <a:p>
+            <a:r>
+              <a:rPr lang="zh-CN" altLang="en-US" sz="2000" dirty="0" smtClean="0">
+                <a:latin typeface="微软雅黑" panose="020B0503020204020204" pitchFamily="34" charset="-122"/>
+                <a:ea typeface="微软雅黑" panose="020B0503020204020204" pitchFamily="34" charset="-122"/>
+              </a:rPr>
+              <a:t>聚焦网络爬虫</a:t>
+            </a:r>
+            <a:endParaRPr lang="en-US" altLang="zh-CN" sz="2000" dirty="0" smtClean="0">
+              <a:latin typeface="微软雅黑" panose="020B0503020204020204" pitchFamily="34" charset="-122"/>
+              <a:ea typeface="微软雅黑" panose="020B0503020204020204" pitchFamily="34" charset="-122"/>
+            </a:endParaRPr>
+          </a:p>
+          <a:p>
+            <a:endParaRPr lang="en-US" altLang="zh-CN" sz="2000" dirty="0">
+              <a:latin typeface="微软雅黑" panose="020B0503020204020204" pitchFamily="34" charset="-122"/>
+              <a:ea typeface="微软雅黑" panose="020B0503020204020204" pitchFamily="34" charset="-122"/>
+            </a:endParaRPr>
+          </a:p>
+          <a:p>
+            <a:r>
+              <a:rPr lang="zh-CN" altLang="en-US" sz="2000" dirty="0" smtClean="0">
+                <a:latin typeface="微软雅黑" panose="020B0503020204020204" pitchFamily="34" charset="-122"/>
+                <a:ea typeface="微软雅黑" panose="020B0503020204020204" pitchFamily="34" charset="-122"/>
+              </a:rPr>
+              <a:t>增量式网络爬虫</a:t>
+            </a:r>
+            <a:endParaRPr lang="zh-CN" altLang="en-US" sz="2000" dirty="0">
+              <a:latin typeface="微软雅黑" panose="020B0503020204020204" pitchFamily="34" charset="-122"/>
+              <a:ea typeface="微软雅黑" panose="020B0503020204020204" pitchFamily="34" charset="-122"/>
+            </a:endParaRPr>
           </a:p>
         </p:txBody>
       </p:sp>
@@ -9915,88 +6835,9 @@
   <p:timing>
     <p:tnLst>
       <p:par>
-        <p:cTn id="1" dur="indefinite" restart="never" nodeType="tmRoot">
-          <p:childTnLst>
-            <p:seq concurrent="1" nextAc="seek">
-              <p:cTn id="2" dur="indefinite" nodeType="mainSeq">
-                <p:childTnLst>
-                  <p:par>
-                    <p:cTn id="3" fill="hold">
-                      <p:stCondLst>
-                        <p:cond delay="indefinite"/>
-                      </p:stCondLst>
-                      <p:childTnLst>
-                        <p:par>
-                          <p:cTn id="4" fill="hold">
-                            <p:stCondLst>
-                              <p:cond delay="0"/>
-                            </p:stCondLst>
-                            <p:childTnLst>
-                              <p:par>
-                                <p:cTn id="5" presetID="8" presetClass="entr" presetSubtype="16" fill="hold" grpId="0" nodeType="clickEffect">
-                                  <p:stCondLst>
-                                    <p:cond delay="0"/>
-                                  </p:stCondLst>
-                                  <p:childTnLst>
-                                    <p:set>
-                                      <p:cBhvr>
-                                        <p:cTn id="6" dur="1" fill="hold">
-                                          <p:stCondLst>
-                                            <p:cond delay="0"/>
-                                          </p:stCondLst>
-                                        </p:cTn>
-                                        <p:tgtEl>
-                                          <p:spTgt spid="12"/>
-                                        </p:tgtEl>
-                                        <p:attrNameLst>
-                                          <p:attrName>style.visibility</p:attrName>
-                                        </p:attrNameLst>
-                                      </p:cBhvr>
-                                      <p:to>
-                                        <p:strVal val="visible"/>
-                                      </p:to>
-                                    </p:set>
-                                    <p:animEffect transition="in" filter="diamond(in)">
-                                      <p:cBhvr>
-                                        <p:cTn id="7" dur="2000"/>
-                                        <p:tgtEl>
-                                          <p:spTgt spid="12"/>
-                                        </p:tgtEl>
-                                      </p:cBhvr>
-                                    </p:animEffect>
-                                  </p:childTnLst>
-                                </p:cTn>
-                              </p:par>
-                            </p:childTnLst>
-                          </p:cTn>
-                        </p:par>
-                      </p:childTnLst>
-                    </p:cTn>
-                  </p:par>
-                </p:childTnLst>
-              </p:cTn>
-              <p:prevCondLst>
-                <p:cond evt="onPrev" delay="0">
-                  <p:tgtEl>
-                    <p:sldTgt/>
-                  </p:tgtEl>
-                </p:cond>
-              </p:prevCondLst>
-              <p:nextCondLst>
-                <p:cond evt="onNext" delay="0">
-                  <p:tgtEl>
-                    <p:sldTgt/>
-                  </p:tgtEl>
-                </p:cond>
-              </p:nextCondLst>
-            </p:seq>
-          </p:childTnLst>
-        </p:cTn>
+        <p:cTn id="1" dur="indefinite" restart="never" nodeType="tmRoot"/>
       </p:par>
     </p:tnLst>
-    <p:bldLst>
-      <p:bldP spid="12" grpId="0" animBg="1"/>
-    </p:bldLst>
   </p:timing>
 </p:sld>
 </file>
@@ -10034,12 +6875,16 @@
           <a:lstStyle/>
           <a:p>
             <a:r>
-              <a:rPr lang="en-US" altLang="zh-CN" dirty="0" smtClean="0"/>
-              <a:t>SQL</a:t>
-            </a:r>
-            <a:r>
-              <a:rPr lang="zh-CN" altLang="en-US" dirty="0" smtClean="0"/>
-              <a:t>性能优化十条经验</a:t>
+              <a:rPr lang="zh-CN" altLang="en-US" dirty="0"/>
+              <a:t>网络爬虫</a:t>
+            </a:r>
+            <a:r>
+              <a:rPr lang="en-US" altLang="zh-CN" dirty="0"/>
+              <a:t>-</a:t>
+            </a:r>
+            <a:r>
+              <a:rPr lang="zh-CN" altLang="en-US" dirty="0"/>
+              <a:t>通用爬虫</a:t>
             </a:r>
             <a:endParaRPr lang="zh-TW" altLang="en-US" dirty="0"/>
           </a:p>
@@ -10057,8 +6902,8 @@
         </p:nvSpPr>
         <p:spPr>
           <a:xfrm>
-            <a:off x="467544" y="987574"/>
-            <a:ext cx="8064896" cy="3726415"/>
+            <a:off x="611560" y="1707654"/>
+            <a:ext cx="8064896" cy="2088232"/>
           </a:xfrm>
         </p:spPr>
         <p:txBody>
@@ -10068,135 +6913,48 @@
           <a:lstStyle/>
           <a:p>
             <a:pPr marL="0" indent="0">
-              <a:buNone/>
-            </a:pPr>
-            <a:r>
-              <a:rPr lang="en-US" altLang="zh-CN" sz="1200" b="1" dirty="0" smtClean="0"/>
-              <a:t>1      </a:t>
-            </a:r>
-            <a:r>
-              <a:rPr lang="zh-CN" altLang="en-US" sz="1200" b="1" dirty="0" smtClean="0"/>
-              <a:t>查询</a:t>
-            </a:r>
-            <a:r>
-              <a:rPr lang="zh-CN" altLang="en-US" sz="1200" b="1" dirty="0"/>
-              <a:t>的模糊匹配</a:t>
-            </a:r>
-            <a:endParaRPr lang="zh-CN" altLang="en-US" sz="1200" dirty="0"/>
-          </a:p>
-          <a:p>
-            <a:pPr marL="0" indent="0">
-              <a:buNone/>
-            </a:pPr>
-            <a:r>
-              <a:rPr lang="zh-CN" altLang="en-US" sz="1200" dirty="0" smtClean="0"/>
-              <a:t>        尽量</a:t>
-            </a:r>
-            <a:r>
-              <a:rPr lang="zh-CN" altLang="en-US" sz="1200" dirty="0"/>
-              <a:t>避免在一个复杂查询里面使用 </a:t>
-            </a:r>
-            <a:r>
-              <a:rPr lang="en-US" altLang="zh-CN" sz="1200" dirty="0"/>
-              <a:t>LIKE '</a:t>
-            </a:r>
-            <a:r>
-              <a:rPr lang="en-US" altLang="zh-CN" sz="1200" dirty="0">
-                <a:solidFill>
-                  <a:srgbClr val="FF0000"/>
-                </a:solidFill>
-              </a:rPr>
-              <a:t>%parm1%</a:t>
-            </a:r>
-            <a:r>
-              <a:rPr lang="en-US" altLang="zh-CN" sz="1200" dirty="0"/>
-              <a:t>'—— </a:t>
-            </a:r>
-            <a:r>
-              <a:rPr lang="zh-CN" altLang="en-US" sz="1200" dirty="0" smtClean="0"/>
-              <a:t>红色标识</a:t>
-            </a:r>
-            <a:r>
-              <a:rPr lang="zh-CN" altLang="en-US" sz="1200" dirty="0"/>
-              <a:t>位置的百分号会导致相关列的索引无法使用，最好不要用</a:t>
-            </a:r>
-            <a:r>
-              <a:rPr lang="en-US" altLang="zh-CN" sz="1200" dirty="0"/>
-              <a:t>.</a:t>
-            </a:r>
-          </a:p>
-          <a:p>
-            <a:pPr marL="0" indent="0">
-              <a:buNone/>
-            </a:pPr>
-            <a:r>
-              <a:rPr lang="zh-CN" altLang="en-US" sz="1200" dirty="0" smtClean="0"/>
-              <a:t>        解决</a:t>
-            </a:r>
-            <a:r>
-              <a:rPr lang="zh-CN" altLang="en-US" sz="1200" dirty="0"/>
-              <a:t>办法</a:t>
-            </a:r>
-            <a:r>
-              <a:rPr lang="en-US" altLang="zh-CN" sz="1200" dirty="0"/>
-              <a:t>:</a:t>
-            </a:r>
-          </a:p>
-          <a:p>
-            <a:pPr marL="0" indent="0">
-              <a:buNone/>
-            </a:pPr>
-            <a:r>
-              <a:rPr lang="zh-CN" altLang="en-US" sz="1200" dirty="0"/>
-              <a:t>其实只需要对该脚本略做改进，查询速度便会提高近百倍。改进方法如下：</a:t>
-            </a:r>
-          </a:p>
-          <a:p>
-            <a:pPr marL="0" indent="0">
-              <a:buNone/>
-            </a:pPr>
-            <a:r>
-              <a:rPr lang="en-US" altLang="zh-CN" sz="1200" dirty="0" smtClean="0"/>
-              <a:t>        a</a:t>
-            </a:r>
-            <a:r>
-              <a:rPr lang="zh-CN" altLang="en-US" sz="1200" dirty="0"/>
-              <a:t>、修改前台程序</a:t>
-            </a:r>
-            <a:r>
-              <a:rPr lang="en-US" altLang="zh-CN" sz="1200" dirty="0"/>
-              <a:t>——</a:t>
-            </a:r>
-            <a:r>
-              <a:rPr lang="zh-CN" altLang="en-US" sz="1200" dirty="0"/>
-              <a:t>把查询条件的供应商名称一栏由原来的文本输入改为下拉列表，用户模糊输入供应商名称时，直接在前台就帮忙定位到具体的供应商，这样在调用后台程序时，这列就可以直接用等于来关联了。</a:t>
-            </a:r>
-          </a:p>
-          <a:p>
-            <a:pPr marL="0" indent="0">
-              <a:buNone/>
-            </a:pPr>
-            <a:r>
-              <a:rPr lang="en-US" altLang="zh-CN" sz="1200" dirty="0" smtClean="0"/>
-              <a:t>        b</a:t>
-            </a:r>
-            <a:r>
-              <a:rPr lang="zh-CN" altLang="en-US" sz="1200" dirty="0"/>
-              <a:t>、直接修改后台</a:t>
-            </a:r>
-            <a:r>
-              <a:rPr lang="en-US" altLang="zh-CN" sz="1200" dirty="0"/>
-              <a:t>——</a:t>
-            </a:r>
-            <a:r>
-              <a:rPr lang="zh-CN" altLang="en-US" sz="1200" dirty="0"/>
-              <a:t>根据输入条件，先查出符合条件的供应商，并把相关记录保存在一个临时表里头，然后再用临时表去做复杂</a:t>
-            </a:r>
-            <a:r>
-              <a:rPr lang="zh-CN" altLang="en-US" sz="1200" dirty="0" smtClean="0"/>
-              <a:t>关联</a:t>
-            </a:r>
-            <a:endParaRPr lang="en-US" altLang="zh-CN" sz="1200" dirty="0" smtClean="0"/>
+              <a:lnSpc>
+                <a:spcPct val="150000"/>
+              </a:lnSpc>
+              <a:buNone/>
+            </a:pPr>
+            <a:r>
+              <a:rPr lang="en-US" altLang="zh-CN" sz="2000" dirty="0" smtClean="0"/>
+              <a:t>	</a:t>
+            </a:r>
+            <a:r>
+              <a:rPr lang="zh-CN" altLang="en-US" sz="2000" dirty="0"/>
+              <a:t>通用</a:t>
+            </a:r>
+            <a:r>
+              <a:rPr lang="zh-CN" altLang="en-US" sz="2000" dirty="0"/>
+              <a:t>网络爬虫：爬行对象从一些种子 </a:t>
+            </a:r>
+            <a:r>
+              <a:rPr lang="en-US" altLang="zh-CN" sz="2000" dirty="0"/>
+              <a:t>URL </a:t>
+            </a:r>
+            <a:r>
+              <a:rPr lang="zh-CN" altLang="en-US" sz="2000" dirty="0"/>
+              <a:t>扩充到整个 </a:t>
+            </a:r>
+            <a:r>
+              <a:rPr lang="en-US" altLang="zh-CN" sz="2000" dirty="0"/>
+              <a:t>Web</a:t>
+            </a:r>
+            <a:r>
+              <a:rPr lang="zh-CN" altLang="en-US" sz="2000" dirty="0"/>
+              <a:t>，主要为门户站点搜索引擎和大型 </a:t>
+            </a:r>
+            <a:r>
+              <a:rPr lang="en-US" altLang="zh-CN" sz="2000" dirty="0"/>
+              <a:t>Web </a:t>
+            </a:r>
+            <a:r>
+              <a:rPr lang="zh-CN" altLang="en-US" sz="2000" dirty="0"/>
+              <a:t>服务提供商采集数据。这类网络爬虫的爬行范围和数量巨大，对于爬行速度和存储空间要求较高。 常用的爬行策略有：深度优先策略、广度优先策略。</a:t>
+            </a:r>
+            <a:endParaRPr lang="en-US" altLang="zh-CN" sz="2000" dirty="0"/>
           </a:p>
           <a:p>
             <a:pPr marL="0" indent="0">
@@ -10289,12 +7047,16 @@
           <a:lstStyle/>
           <a:p>
             <a:r>
-              <a:rPr lang="en-US" altLang="zh-CN" dirty="0" smtClean="0"/>
-              <a:t>SQL</a:t>
-            </a:r>
-            <a:r>
-              <a:rPr lang="zh-CN" altLang="en-US" dirty="0" smtClean="0"/>
-              <a:t>性能优化十条经验</a:t>
+              <a:rPr lang="zh-CN" altLang="en-US" dirty="0"/>
+              <a:t>网络爬虫</a:t>
+            </a:r>
+            <a:r>
+              <a:rPr lang="en-US" altLang="zh-CN" dirty="0"/>
+              <a:t>-</a:t>
+            </a:r>
+            <a:r>
+              <a:rPr lang="zh-CN" altLang="en-US" dirty="0"/>
+              <a:t>爬虫策略</a:t>
             </a:r>
             <a:endParaRPr lang="zh-TW" altLang="en-US" dirty="0"/>
           </a:p>
@@ -10312,7 +7074,7 @@
         </p:nvSpPr>
         <p:spPr>
           <a:xfrm>
-            <a:off x="467544" y="987574"/>
+            <a:off x="467544" y="987576"/>
             <a:ext cx="8064896" cy="3726415"/>
           </a:xfrm>
         </p:spPr>
@@ -10322,457 +7084,103 @@
           </a:bodyPr>
           <a:lstStyle/>
           <a:p>
-            <a:pPr marL="0" indent="0">
-              <a:buNone/>
-            </a:pPr>
-            <a:r>
-              <a:rPr lang="en-US" altLang="zh-CN" sz="1200" b="1" dirty="0" smtClean="0">
-                <a:latin typeface="微软雅黑" panose="020B0503020204020204" pitchFamily="34" charset="-122"/>
-                <a:ea typeface="微软雅黑" panose="020B0503020204020204" pitchFamily="34" charset="-122"/>
-              </a:rPr>
-              <a:t>2.     </a:t>
-            </a:r>
-            <a:r>
-              <a:rPr lang="zh-CN" altLang="en-US" sz="1200" b="1" dirty="0" smtClean="0">
-                <a:latin typeface="微软雅黑" panose="020B0503020204020204" pitchFamily="34" charset="-122"/>
-                <a:ea typeface="微软雅黑" panose="020B0503020204020204" pitchFamily="34" charset="-122"/>
-              </a:rPr>
-              <a:t>索引</a:t>
-            </a:r>
-            <a:r>
-              <a:rPr lang="zh-CN" altLang="en-US" sz="1200" b="1" dirty="0">
-                <a:latin typeface="微软雅黑" panose="020B0503020204020204" pitchFamily="34" charset="-122"/>
-                <a:ea typeface="微软雅黑" panose="020B0503020204020204" pitchFamily="34" charset="-122"/>
-              </a:rPr>
-              <a:t>问题</a:t>
-            </a:r>
-            <a:endParaRPr lang="zh-CN" altLang="en-US" sz="1200" dirty="0">
-              <a:latin typeface="微软雅黑" panose="020B0503020204020204" pitchFamily="34" charset="-122"/>
-              <a:ea typeface="微软雅黑" panose="020B0503020204020204" pitchFamily="34" charset="-122"/>
-            </a:endParaRPr>
-          </a:p>
-          <a:p>
-            <a:pPr marL="0" indent="0">
-              <a:buNone/>
-            </a:pPr>
-            <a:r>
-              <a:rPr lang="zh-CN" altLang="en-US" sz="1200" dirty="0" smtClean="0">
-                <a:latin typeface="微软雅黑" panose="020B0503020204020204" pitchFamily="34" charset="-122"/>
-                <a:ea typeface="微软雅黑" panose="020B0503020204020204" pitchFamily="34" charset="-122"/>
-              </a:rPr>
-              <a:t>       在</a:t>
-            </a:r>
-            <a:r>
-              <a:rPr lang="zh-CN" altLang="en-US" sz="1200" dirty="0">
-                <a:latin typeface="微软雅黑" panose="020B0503020204020204" pitchFamily="34" charset="-122"/>
-                <a:ea typeface="微软雅黑" panose="020B0503020204020204" pitchFamily="34" charset="-122"/>
-              </a:rPr>
-              <a:t>做性能跟踪分析过程中，经常发现有不少后台程序的性能问题是因为缺少合适索引造成的，有些表甚至一个索引都没有。这种情况往往都是因为在设计表时，没去定义索引，而开发初期，由于表记录很少，索引创建与否，可能对性能没啥影响，开发人员因此也未多加重视。然一旦程序发布到生产环境，随着时间的推移，表记录越来越</a:t>
-            </a:r>
-            <a:r>
-              <a:rPr lang="zh-CN" altLang="en-US" sz="1200" dirty="0" smtClean="0">
-                <a:latin typeface="微软雅黑" panose="020B0503020204020204" pitchFamily="34" charset="-122"/>
-                <a:ea typeface="微软雅黑" panose="020B0503020204020204" pitchFamily="34" charset="-122"/>
-              </a:rPr>
-              <a:t>多</a:t>
-            </a:r>
-            <a:endParaRPr lang="en-US" altLang="zh-CN" sz="1200" dirty="0" smtClean="0">
-              <a:latin typeface="微软雅黑" panose="020B0503020204020204" pitchFamily="34" charset="-122"/>
-              <a:ea typeface="微软雅黑" panose="020B0503020204020204" pitchFamily="34" charset="-122"/>
-            </a:endParaRPr>
-          </a:p>
-          <a:p>
-            <a:pPr marL="0" indent="0">
-              <a:buNone/>
-            </a:pPr>
-            <a:r>
-              <a:rPr lang="en-US" altLang="zh-CN" sz="1200" dirty="0" smtClean="0">
-                <a:latin typeface="微软雅黑" panose="020B0503020204020204" pitchFamily="34" charset="-122"/>
-                <a:ea typeface="微软雅黑" panose="020B0503020204020204" pitchFamily="34" charset="-122"/>
-              </a:rPr>
-              <a:t>       </a:t>
-            </a:r>
-            <a:r>
-              <a:rPr lang="zh-CN" altLang="en-US" sz="1200" dirty="0" smtClean="0">
-                <a:latin typeface="微软雅黑" panose="020B0503020204020204" pitchFamily="34" charset="-122"/>
-                <a:ea typeface="微软雅黑" panose="020B0503020204020204" pitchFamily="34" charset="-122"/>
-              </a:rPr>
-              <a:t>这时</a:t>
-            </a:r>
-            <a:r>
-              <a:rPr lang="zh-CN" altLang="en-US" sz="1200" dirty="0">
-                <a:latin typeface="微软雅黑" panose="020B0503020204020204" pitchFamily="34" charset="-122"/>
-                <a:ea typeface="微软雅黑" panose="020B0503020204020204" pitchFamily="34" charset="-122"/>
-              </a:rPr>
-              <a:t>缺少索引，对性能的影响便会越来越大了。</a:t>
-            </a:r>
-          </a:p>
-          <a:p>
-            <a:pPr marL="0" indent="0">
-              <a:buNone/>
-            </a:pPr>
-            <a:r>
-              <a:rPr lang="en-US" altLang="zh-CN" sz="1200" dirty="0">
-                <a:latin typeface="微软雅黑" panose="020B0503020204020204" pitchFamily="34" charset="-122"/>
-                <a:ea typeface="微软雅黑" panose="020B0503020204020204" pitchFamily="34" charset="-122"/>
-              </a:rPr>
-              <a:t> </a:t>
-            </a:r>
-            <a:r>
-              <a:rPr lang="en-US" altLang="zh-CN" sz="1200" dirty="0" smtClean="0">
-                <a:latin typeface="微软雅黑" panose="020B0503020204020204" pitchFamily="34" charset="-122"/>
-                <a:ea typeface="微软雅黑" panose="020B0503020204020204" pitchFamily="34" charset="-122"/>
-              </a:rPr>
-              <a:t>      </a:t>
-            </a:r>
-            <a:r>
-              <a:rPr lang="zh-CN" altLang="en-US" sz="1200" dirty="0" smtClean="0">
-                <a:latin typeface="微软雅黑" panose="020B0503020204020204" pitchFamily="34" charset="-122"/>
-                <a:ea typeface="微软雅黑" panose="020B0503020204020204" pitchFamily="34" charset="-122"/>
-              </a:rPr>
-              <a:t>这个</a:t>
-            </a:r>
-            <a:r>
-              <a:rPr lang="zh-CN" altLang="en-US" sz="1200" dirty="0">
-                <a:latin typeface="微软雅黑" panose="020B0503020204020204" pitchFamily="34" charset="-122"/>
-                <a:ea typeface="微软雅黑" panose="020B0503020204020204" pitchFamily="34" charset="-122"/>
-              </a:rPr>
-              <a:t>问题需要数据库设计人员和开发人员共同关注</a:t>
-            </a:r>
-          </a:p>
-          <a:p>
-            <a:pPr marL="0" indent="0">
-              <a:buNone/>
-            </a:pPr>
-            <a:r>
-              <a:rPr lang="en-US" altLang="zh-CN" sz="1200" dirty="0">
-                <a:latin typeface="微软雅黑" panose="020B0503020204020204" pitchFamily="34" charset="-122"/>
-                <a:ea typeface="微软雅黑" panose="020B0503020204020204" pitchFamily="34" charset="-122"/>
-              </a:rPr>
-              <a:t> </a:t>
-            </a:r>
-            <a:r>
-              <a:rPr lang="en-US" altLang="zh-CN" sz="1200" dirty="0" smtClean="0">
-                <a:latin typeface="微软雅黑" panose="020B0503020204020204" pitchFamily="34" charset="-122"/>
-                <a:ea typeface="微软雅黑" panose="020B0503020204020204" pitchFamily="34" charset="-122"/>
-              </a:rPr>
-              <a:t>      </a:t>
-            </a:r>
-            <a:r>
-              <a:rPr lang="zh-CN" altLang="en-US" sz="1200" dirty="0" smtClean="0">
-                <a:latin typeface="微软雅黑" panose="020B0503020204020204" pitchFamily="34" charset="-122"/>
-                <a:ea typeface="微软雅黑" panose="020B0503020204020204" pitchFamily="34" charset="-122"/>
-              </a:rPr>
-              <a:t>法则</a:t>
-            </a:r>
-            <a:r>
-              <a:rPr lang="zh-CN" altLang="en-US" sz="1200" dirty="0">
-                <a:latin typeface="微软雅黑" panose="020B0503020204020204" pitchFamily="34" charset="-122"/>
-                <a:ea typeface="微软雅黑" panose="020B0503020204020204" pitchFamily="34" charset="-122"/>
-              </a:rPr>
-              <a:t>：不要在建立的索引的数据列上进行下列操作</a:t>
-            </a:r>
-            <a:r>
-              <a:rPr lang="en-US" altLang="zh-CN" sz="1200" dirty="0">
-                <a:latin typeface="微软雅黑" panose="020B0503020204020204" pitchFamily="34" charset="-122"/>
-                <a:ea typeface="微软雅黑" panose="020B0503020204020204" pitchFamily="34" charset="-122"/>
-              </a:rPr>
-              <a:t>:</a:t>
-            </a:r>
-          </a:p>
-          <a:p>
-            <a:pPr marL="0" indent="0">
-              <a:buNone/>
-            </a:pPr>
-            <a:r>
-              <a:rPr lang="en-US" altLang="zh-CN" sz="1200" dirty="0" smtClean="0">
-                <a:latin typeface="微软雅黑" panose="020B0503020204020204" pitchFamily="34" charset="-122"/>
-                <a:ea typeface="微软雅黑" panose="020B0503020204020204" pitchFamily="34" charset="-122"/>
-              </a:rPr>
-              <a:t>	◆</a:t>
-            </a:r>
-            <a:r>
-              <a:rPr lang="zh-CN" altLang="en-US" sz="1200" dirty="0">
-                <a:latin typeface="微软雅黑" panose="020B0503020204020204" pitchFamily="34" charset="-122"/>
-                <a:ea typeface="微软雅黑" panose="020B0503020204020204" pitchFamily="34" charset="-122"/>
-              </a:rPr>
-              <a:t>避免对索引字段进行计算操作</a:t>
-            </a:r>
-          </a:p>
-          <a:p>
-            <a:pPr marL="0" indent="0">
-              <a:buNone/>
-            </a:pPr>
-            <a:r>
-              <a:rPr lang="en-US" altLang="zh-CN" sz="1200" dirty="0" smtClean="0">
-                <a:latin typeface="微软雅黑" panose="020B0503020204020204" pitchFamily="34" charset="-122"/>
-                <a:ea typeface="微软雅黑" panose="020B0503020204020204" pitchFamily="34" charset="-122"/>
-              </a:rPr>
+            <a:pPr>
+              <a:buFont typeface="Wingdings" panose="05000000000000000000" pitchFamily="2" charset="2"/>
+              <a:buChar char="l"/>
+            </a:pPr>
+            <a:r>
+              <a:rPr lang="zh-CN" altLang="en-US" dirty="0" smtClean="0"/>
+              <a:t>广度优先搜索</a:t>
+            </a:r>
+            <a:endParaRPr lang="zh-CN" altLang="en-US" dirty="0"/>
+          </a:p>
+          <a:p>
+            <a:pPr marL="0" indent="0">
+              <a:lnSpc>
+                <a:spcPct val="150000"/>
+              </a:lnSpc>
+              <a:buNone/>
+            </a:pPr>
+            <a:r>
+              <a:rPr lang="en-US" altLang="zh-CN" sz="2000" dirty="0" smtClean="0"/>
               <a:t>	</a:t>
             </a:r>
             <a:r>
-              <a:rPr lang="zh-CN" altLang="en-US" sz="1200" dirty="0" smtClean="0">
-                <a:latin typeface="微软雅黑" panose="020B0503020204020204" pitchFamily="34" charset="-122"/>
-                <a:ea typeface="微软雅黑" panose="020B0503020204020204" pitchFamily="34" charset="-122"/>
-              </a:rPr>
-              <a:t>◆</a:t>
-            </a:r>
-            <a:r>
-              <a:rPr lang="zh-CN" altLang="en-US" sz="1200" dirty="0">
-                <a:latin typeface="微软雅黑" panose="020B0503020204020204" pitchFamily="34" charset="-122"/>
-                <a:ea typeface="微软雅黑" panose="020B0503020204020204" pitchFamily="34" charset="-122"/>
-              </a:rPr>
-              <a:t>避免在索引字段上使用</a:t>
-            </a:r>
-            <a:r>
-              <a:rPr lang="en-US" altLang="zh-CN" sz="1200" dirty="0">
-                <a:latin typeface="微软雅黑" panose="020B0503020204020204" pitchFamily="34" charset="-122"/>
-                <a:ea typeface="微软雅黑" panose="020B0503020204020204" pitchFamily="34" charset="-122"/>
-              </a:rPr>
-              <a:t>not</a:t>
-            </a:r>
-            <a:r>
-              <a:rPr lang="zh-CN" altLang="en-US" sz="1200" dirty="0">
-                <a:latin typeface="微软雅黑" panose="020B0503020204020204" pitchFamily="34" charset="-122"/>
-                <a:ea typeface="微软雅黑" panose="020B0503020204020204" pitchFamily="34" charset="-122"/>
-              </a:rPr>
-              <a:t>，</a:t>
-            </a:r>
-            <a:r>
-              <a:rPr lang="en-US" altLang="zh-CN" sz="1200" dirty="0">
-                <a:latin typeface="微软雅黑" panose="020B0503020204020204" pitchFamily="34" charset="-122"/>
-                <a:ea typeface="微软雅黑" panose="020B0503020204020204" pitchFamily="34" charset="-122"/>
-              </a:rPr>
-              <a:t>&lt;&gt;</a:t>
-            </a:r>
-            <a:r>
-              <a:rPr lang="zh-CN" altLang="en-US" sz="1200" dirty="0">
-                <a:latin typeface="微软雅黑" panose="020B0503020204020204" pitchFamily="34" charset="-122"/>
-                <a:ea typeface="微软雅黑" panose="020B0503020204020204" pitchFamily="34" charset="-122"/>
-              </a:rPr>
-              <a:t>，</a:t>
-            </a:r>
-            <a:r>
-              <a:rPr lang="en-US" altLang="zh-CN" sz="1200" dirty="0">
-                <a:latin typeface="微软雅黑" panose="020B0503020204020204" pitchFamily="34" charset="-122"/>
-                <a:ea typeface="微软雅黑" panose="020B0503020204020204" pitchFamily="34" charset="-122"/>
-              </a:rPr>
-              <a:t>!=</a:t>
-            </a:r>
-          </a:p>
-          <a:p>
-            <a:pPr marL="0" indent="0">
-              <a:buNone/>
-            </a:pPr>
-            <a:r>
-              <a:rPr lang="en-US" altLang="zh-CN" sz="1200" dirty="0" smtClean="0">
-                <a:latin typeface="微软雅黑" panose="020B0503020204020204" pitchFamily="34" charset="-122"/>
-                <a:ea typeface="微软雅黑" panose="020B0503020204020204" pitchFamily="34" charset="-122"/>
-              </a:rPr>
-              <a:t>	◆</a:t>
-            </a:r>
-            <a:r>
-              <a:rPr lang="zh-CN" altLang="en-US" sz="1200" dirty="0">
-                <a:latin typeface="微软雅黑" panose="020B0503020204020204" pitchFamily="34" charset="-122"/>
-                <a:ea typeface="微软雅黑" panose="020B0503020204020204" pitchFamily="34" charset="-122"/>
-              </a:rPr>
-              <a:t>避免在索引列上使用</a:t>
-            </a:r>
-            <a:r>
-              <a:rPr lang="en-US" altLang="zh-CN" sz="1200" dirty="0">
-                <a:latin typeface="微软雅黑" panose="020B0503020204020204" pitchFamily="34" charset="-122"/>
-                <a:ea typeface="微软雅黑" panose="020B0503020204020204" pitchFamily="34" charset="-122"/>
-              </a:rPr>
-              <a:t>IS NULL</a:t>
-            </a:r>
-            <a:r>
-              <a:rPr lang="zh-CN" altLang="en-US" sz="1200" dirty="0">
-                <a:latin typeface="微软雅黑" panose="020B0503020204020204" pitchFamily="34" charset="-122"/>
-                <a:ea typeface="微软雅黑" panose="020B0503020204020204" pitchFamily="34" charset="-122"/>
-              </a:rPr>
-              <a:t>和</a:t>
-            </a:r>
-            <a:r>
-              <a:rPr lang="en-US" altLang="zh-CN" sz="1200" dirty="0">
-                <a:latin typeface="微软雅黑" panose="020B0503020204020204" pitchFamily="34" charset="-122"/>
-                <a:ea typeface="微软雅黑" panose="020B0503020204020204" pitchFamily="34" charset="-122"/>
-              </a:rPr>
-              <a:t>IS NOT NULL</a:t>
-            </a:r>
-          </a:p>
-          <a:p>
-            <a:pPr marL="0" indent="0">
-              <a:buNone/>
-            </a:pPr>
-            <a:r>
-              <a:rPr lang="en-US" altLang="zh-CN" sz="1200" dirty="0" smtClean="0">
-                <a:latin typeface="微软雅黑" panose="020B0503020204020204" pitchFamily="34" charset="-122"/>
-                <a:ea typeface="微软雅黑" panose="020B0503020204020204" pitchFamily="34" charset="-122"/>
-              </a:rPr>
-              <a:t>	◆</a:t>
-            </a:r>
-            <a:r>
-              <a:rPr lang="zh-CN" altLang="en-US" sz="1200" dirty="0">
-                <a:latin typeface="微软雅黑" panose="020B0503020204020204" pitchFamily="34" charset="-122"/>
-                <a:ea typeface="微软雅黑" panose="020B0503020204020204" pitchFamily="34" charset="-122"/>
-              </a:rPr>
-              <a:t>避免在索引列上出现数据类型转换</a:t>
-            </a:r>
-          </a:p>
-          <a:p>
-            <a:pPr marL="0" indent="0">
-              <a:buNone/>
-            </a:pPr>
-            <a:r>
-              <a:rPr lang="en-US" altLang="zh-CN" sz="1200" dirty="0" smtClean="0">
-                <a:latin typeface="微软雅黑" panose="020B0503020204020204" pitchFamily="34" charset="-122"/>
-                <a:ea typeface="微软雅黑" panose="020B0503020204020204" pitchFamily="34" charset="-122"/>
-              </a:rPr>
+              <a:rPr lang="zh-CN" altLang="en-US" sz="2000" dirty="0" smtClean="0"/>
+              <a:t>在</a:t>
+            </a:r>
+            <a:r>
+              <a:rPr lang="zh-CN" altLang="en-US" sz="2000" dirty="0"/>
+              <a:t>完成当前层次的搜索之后才进行下一层次的搜索。认为与初始</a:t>
+            </a:r>
+            <a:r>
+              <a:rPr lang="en-US" altLang="zh-CN" sz="2000" dirty="0"/>
+              <a:t>URL</a:t>
+            </a:r>
+            <a:r>
+              <a:rPr lang="zh-CN" altLang="en-US" sz="2000" dirty="0"/>
+              <a:t>在一定链接距离内的网页具有主题相关性的概率越大</a:t>
+            </a:r>
+            <a:r>
+              <a:rPr lang="zh-CN" altLang="en-US" sz="2000" dirty="0" smtClean="0"/>
+              <a:t>。</a:t>
+            </a:r>
+            <a:endParaRPr lang="en-US" altLang="zh-CN" sz="2000" dirty="0" smtClean="0"/>
+          </a:p>
+          <a:p>
+            <a:pPr marL="0" indent="0">
+              <a:lnSpc>
+                <a:spcPct val="150000"/>
+              </a:lnSpc>
+              <a:buNone/>
+            </a:pPr>
+            <a:endParaRPr lang="en-US" altLang="zh-CN" sz="2000" dirty="0"/>
+          </a:p>
+          <a:p>
+            <a:pPr>
+              <a:buFont typeface="Wingdings" panose="05000000000000000000" pitchFamily="2" charset="2"/>
+              <a:buChar char="l"/>
+            </a:pPr>
+            <a:r>
+              <a:rPr lang="zh-CN" altLang="en-US" dirty="0"/>
+              <a:t>深度优先搜索</a:t>
+            </a:r>
+            <a:endParaRPr lang="en-US" altLang="zh-CN" dirty="0"/>
+          </a:p>
+          <a:p>
+            <a:pPr marL="0" indent="0">
+              <a:lnSpc>
+                <a:spcPct val="150000"/>
+              </a:lnSpc>
+              <a:buNone/>
+            </a:pPr>
+            <a:r>
+              <a:rPr lang="en-US" altLang="zh-CN" sz="2000" dirty="0" smtClean="0"/>
               <a:t>	</a:t>
             </a:r>
             <a:r>
-              <a:rPr lang="zh-CN" altLang="en-US" sz="1200" dirty="0" smtClean="0">
-                <a:latin typeface="微软雅黑" panose="020B0503020204020204" pitchFamily="34" charset="-122"/>
-                <a:ea typeface="微软雅黑" panose="020B0503020204020204" pitchFamily="34" charset="-122"/>
-              </a:rPr>
-              <a:t>◆</a:t>
-            </a:r>
-            <a:r>
-              <a:rPr lang="zh-CN" altLang="en-US" sz="1200" dirty="0">
-                <a:latin typeface="微软雅黑" panose="020B0503020204020204" pitchFamily="34" charset="-122"/>
-                <a:ea typeface="微软雅黑" panose="020B0503020204020204" pitchFamily="34" charset="-122"/>
-              </a:rPr>
-              <a:t>避免在索引字段上使用函数</a:t>
-            </a:r>
-          </a:p>
-          <a:p>
-            <a:pPr marL="0" indent="0">
-              <a:buNone/>
-            </a:pPr>
-            <a:r>
-              <a:rPr lang="en-US" altLang="zh-CN" sz="1200" dirty="0" smtClean="0">
-                <a:latin typeface="微软雅黑" panose="020B0503020204020204" pitchFamily="34" charset="-122"/>
-                <a:ea typeface="微软雅黑" panose="020B0503020204020204" pitchFamily="34" charset="-122"/>
-              </a:rPr>
-              <a:t>	</a:t>
-            </a:r>
-            <a:r>
-              <a:rPr lang="zh-CN" altLang="en-US" sz="1200" dirty="0" smtClean="0">
-                <a:latin typeface="微软雅黑" panose="020B0503020204020204" pitchFamily="34" charset="-122"/>
-                <a:ea typeface="微软雅黑" panose="020B0503020204020204" pitchFamily="34" charset="-122"/>
-              </a:rPr>
-              <a:t>◆</a:t>
-            </a:r>
-            <a:r>
-              <a:rPr lang="zh-CN" altLang="en-US" sz="1200" dirty="0">
-                <a:latin typeface="微软雅黑" panose="020B0503020204020204" pitchFamily="34" charset="-122"/>
-                <a:ea typeface="微软雅黑" panose="020B0503020204020204" pitchFamily="34" charset="-122"/>
-              </a:rPr>
-              <a:t>避免建立索引的列中使用空值</a:t>
-            </a:r>
-            <a:r>
-              <a:rPr lang="zh-CN" altLang="en-US" sz="1200" dirty="0" smtClean="0">
-                <a:latin typeface="微软雅黑" panose="020B0503020204020204" pitchFamily="34" charset="-122"/>
-                <a:ea typeface="微软雅黑" panose="020B0503020204020204" pitchFamily="34" charset="-122"/>
-              </a:rPr>
-              <a:t>。</a:t>
-            </a:r>
-            <a:endParaRPr lang="en-US" altLang="zh-CN" sz="1200" dirty="0" smtClean="0">
-              <a:latin typeface="微软雅黑" panose="020B0503020204020204" pitchFamily="34" charset="-122"/>
-              <a:ea typeface="微软雅黑" panose="020B0503020204020204" pitchFamily="34" charset="-122"/>
-            </a:endParaRPr>
-          </a:p>
-          <a:p>
-            <a:pPr marL="0" indent="0">
-              <a:buNone/>
-            </a:pPr>
-            <a:endParaRPr lang="en-US" altLang="zh-CN" sz="1200" dirty="0" smtClean="0">
-              <a:latin typeface="微软雅黑" panose="020B0503020204020204" pitchFamily="34" charset="-122"/>
-              <a:ea typeface="微软雅黑" panose="020B0503020204020204" pitchFamily="34" charset="-122"/>
-            </a:endParaRPr>
-          </a:p>
-          <a:p>
-            <a:pPr marL="0" indent="0">
-              <a:buNone/>
-            </a:pPr>
-            <a:r>
-              <a:rPr lang="en-US" altLang="zh-CN" sz="1200" b="1" dirty="0" smtClean="0">
-                <a:latin typeface="微软雅黑" panose="020B0503020204020204" pitchFamily="34" charset="-122"/>
-                <a:ea typeface="微软雅黑" panose="020B0503020204020204" pitchFamily="34" charset="-122"/>
-              </a:rPr>
-              <a:t>3.     </a:t>
-            </a:r>
-            <a:r>
-              <a:rPr lang="zh-CN" altLang="en-US" sz="1200" b="1" dirty="0" smtClean="0">
-                <a:latin typeface="微软雅黑" panose="020B0503020204020204" pitchFamily="34" charset="-122"/>
-                <a:ea typeface="微软雅黑" panose="020B0503020204020204" pitchFamily="34" charset="-122"/>
-              </a:rPr>
-              <a:t>复杂</a:t>
-            </a:r>
-            <a:r>
-              <a:rPr lang="zh-CN" altLang="en-US" sz="1200" b="1" dirty="0">
-                <a:latin typeface="微软雅黑" panose="020B0503020204020204" pitchFamily="34" charset="-122"/>
-                <a:ea typeface="微软雅黑" panose="020B0503020204020204" pitchFamily="34" charset="-122"/>
-              </a:rPr>
-              <a:t>操作</a:t>
-            </a:r>
-            <a:endParaRPr lang="zh-CN" altLang="en-US" sz="1200" dirty="0">
-              <a:latin typeface="微软雅黑" panose="020B0503020204020204" pitchFamily="34" charset="-122"/>
-              <a:ea typeface="微软雅黑" panose="020B0503020204020204" pitchFamily="34" charset="-122"/>
-            </a:endParaRPr>
-          </a:p>
-          <a:p>
-            <a:pPr marL="0" indent="0">
-              <a:buNone/>
-            </a:pPr>
-            <a:r>
-              <a:rPr lang="zh-CN" altLang="en-US" sz="1200" dirty="0" smtClean="0">
-                <a:latin typeface="微软雅黑" panose="020B0503020204020204" pitchFamily="34" charset="-122"/>
-                <a:ea typeface="微软雅黑" panose="020B0503020204020204" pitchFamily="34" charset="-122"/>
-              </a:rPr>
-              <a:t>        部分</a:t>
-            </a:r>
-            <a:r>
-              <a:rPr lang="en-US" altLang="zh-CN" sz="1200" dirty="0">
-                <a:latin typeface="微软雅黑" panose="020B0503020204020204" pitchFamily="34" charset="-122"/>
-                <a:ea typeface="微软雅黑" panose="020B0503020204020204" pitchFamily="34" charset="-122"/>
-              </a:rPr>
-              <a:t>UPDATE</a:t>
-            </a:r>
-            <a:r>
-              <a:rPr lang="zh-CN" altLang="en-US" sz="1200" dirty="0">
-                <a:latin typeface="微软雅黑" panose="020B0503020204020204" pitchFamily="34" charset="-122"/>
-                <a:ea typeface="微软雅黑" panose="020B0503020204020204" pitchFamily="34" charset="-122"/>
-              </a:rPr>
-              <a:t>、</a:t>
-            </a:r>
-            <a:r>
-              <a:rPr lang="en-US" altLang="zh-CN" sz="1200" dirty="0">
-                <a:latin typeface="微软雅黑" panose="020B0503020204020204" pitchFamily="34" charset="-122"/>
-                <a:ea typeface="微软雅黑" panose="020B0503020204020204" pitchFamily="34" charset="-122"/>
-              </a:rPr>
-              <a:t>SELECT </a:t>
-            </a:r>
-            <a:r>
-              <a:rPr lang="zh-CN" altLang="en-US" sz="1200" dirty="0">
-                <a:latin typeface="微软雅黑" panose="020B0503020204020204" pitchFamily="34" charset="-122"/>
-                <a:ea typeface="微软雅黑" panose="020B0503020204020204" pitchFamily="34" charset="-122"/>
-              </a:rPr>
-              <a:t>语句 写得很复杂（经常嵌套多级子查询）</a:t>
-            </a:r>
-            <a:r>
-              <a:rPr lang="en-US" altLang="zh-CN" sz="1200" dirty="0">
-                <a:latin typeface="微软雅黑" panose="020B0503020204020204" pitchFamily="34" charset="-122"/>
-                <a:ea typeface="微软雅黑" panose="020B0503020204020204" pitchFamily="34" charset="-122"/>
-              </a:rPr>
-              <a:t>——</a:t>
-            </a:r>
-            <a:r>
-              <a:rPr lang="zh-CN" altLang="en-US" sz="1200" dirty="0">
-                <a:latin typeface="微软雅黑" panose="020B0503020204020204" pitchFamily="34" charset="-122"/>
-                <a:ea typeface="微软雅黑" panose="020B0503020204020204" pitchFamily="34" charset="-122"/>
-              </a:rPr>
-              <a:t>可以考虑适当拆成几步，先生成一些临时数据表，再进行关联操作</a:t>
+              <a:rPr lang="zh-CN" altLang="en-US" sz="2000" dirty="0" smtClean="0"/>
+              <a:t>从</a:t>
+            </a:r>
+            <a:r>
+              <a:rPr lang="zh-CN" altLang="en-US" sz="2000" dirty="0"/>
+              <a:t>起始网页开始，选择一个</a:t>
+            </a:r>
+            <a:r>
+              <a:rPr lang="en-US" altLang="zh-CN" sz="2000" dirty="0"/>
+              <a:t>URL</a:t>
+            </a:r>
+            <a:r>
+              <a:rPr lang="zh-CN" altLang="en-US" sz="2000" dirty="0"/>
+              <a:t>进入，分析这个网页中的</a:t>
+            </a:r>
+            <a:r>
+              <a:rPr lang="en-US" altLang="zh-CN" sz="2000" dirty="0"/>
+              <a:t>URL</a:t>
+            </a:r>
+            <a:r>
+              <a:rPr lang="zh-CN" altLang="en-US" sz="2000" dirty="0"/>
+              <a:t>，选择一个再进入</a:t>
             </a:r>
           </a:p>
           <a:p>
